--- a/Testes_novo.pptx
+++ b/Testes_novo.pptx
@@ -6,7 +6,7 @@
     <p:sldMasterId id="2147483681" r:id="rId2"/>
   </p:sldMasterIdLst>
   <p:notesMasterIdLst>
-    <p:notesMasterId r:id="rId33"/>
+    <p:notesMasterId r:id="rId31"/>
   </p:notesMasterIdLst>
   <p:sldIdLst>
     <p:sldId id="256" r:id="rId3"/>
@@ -34,42 +34,40 @@
     <p:sldId id="310" r:id="rId25"/>
     <p:sldId id="311" r:id="rId26"/>
     <p:sldId id="304" r:id="rId27"/>
-    <p:sldId id="312" r:id="rId28"/>
-    <p:sldId id="313" r:id="rId29"/>
-    <p:sldId id="315" r:id="rId30"/>
-    <p:sldId id="273" r:id="rId31"/>
-    <p:sldId id="283" r:id="rId32"/>
+    <p:sldId id="315" r:id="rId28"/>
+    <p:sldId id="273" r:id="rId29"/>
+    <p:sldId id="283" r:id="rId30"/>
   </p:sldIdLst>
   <p:sldSz cx="12192000" cy="6858000"/>
   <p:notesSz cx="6858000" cy="9144000"/>
   <p:embeddedFontLst>
     <p:embeddedFont>
       <p:font typeface="Calibri" panose="020F0502020204030204" pitchFamily="34" charset="0"/>
-      <p:regular r:id="rId34"/>
-      <p:bold r:id="rId35"/>
-      <p:italic r:id="rId36"/>
-      <p:boldItalic r:id="rId37"/>
+      <p:regular r:id="rId32"/>
+      <p:bold r:id="rId33"/>
+      <p:italic r:id="rId34"/>
+      <p:boldItalic r:id="rId35"/>
     </p:embeddedFont>
     <p:embeddedFont>
       <p:font typeface="IBM Plex Sans Condensed" panose="020B0604020202020204" charset="0"/>
-      <p:regular r:id="rId38"/>
-      <p:bold r:id="rId39"/>
-      <p:italic r:id="rId40"/>
-      <p:boldItalic r:id="rId41"/>
+      <p:regular r:id="rId36"/>
+      <p:bold r:id="rId37"/>
+      <p:italic r:id="rId38"/>
+      <p:boldItalic r:id="rId39"/>
     </p:embeddedFont>
     <p:embeddedFont>
       <p:font typeface="Raleway" panose="020B0604020202020204" charset="0"/>
-      <p:regular r:id="rId42"/>
-      <p:bold r:id="rId43"/>
-      <p:italic r:id="rId44"/>
-      <p:boldItalic r:id="rId45"/>
+      <p:regular r:id="rId40"/>
+      <p:bold r:id="rId41"/>
+      <p:italic r:id="rId42"/>
+      <p:boldItalic r:id="rId43"/>
     </p:embeddedFont>
     <p:embeddedFont>
       <p:font typeface="Raleway Light" panose="020B0604020202020204" charset="0"/>
-      <p:regular r:id="rId46"/>
-      <p:bold r:id="rId47"/>
-      <p:italic r:id="rId48"/>
-      <p:boldItalic r:id="rId49"/>
+      <p:regular r:id="rId44"/>
+      <p:bold r:id="rId45"/>
+      <p:italic r:id="rId46"/>
+      <p:boldItalic r:id="rId47"/>
     </p:embeddedFont>
   </p:embeddedFontLst>
   <p:defaultTextStyle>
@@ -2495,7 +2493,7 @@
             </a:pPr>
             <a:fld id="{00000000-1234-1234-1234-123412341234}" type="slidenum">
               <a:rPr lang="en-US"/>
-              <a:t>30</a:t>
+              <a:t>28</a:t>
             </a:fld>
             <a:endParaRPr/>
           </a:p>
@@ -3783,7 +3781,7 @@
         <p:fade/>
       </p:transition>
     </mc:Choice>
-    <mc:Fallback xmlns="" xmlns:mv="urn:schemas-microsoft-com:mac:vml" xmlns:c="http://schemas.openxmlformats.org/drawingml/2006/chart" xmlns:dgm="http://schemas.openxmlformats.org/drawingml/2006/diagram" xmlns:o="urn:schemas-microsoft-com:office:office" xmlns:v="urn:schemas-microsoft-com:vml" xmlns:pvml="urn:schemas-microsoft-com:office:powerpoint" xmlns:com="http://schemas.openxmlformats.org/drawingml/2006/compatibility" xmlns:p15="http://schemas.microsoft.com/office/powerpoint/2012/main">
+    <mc:Fallback xmlns:p15="http://schemas.microsoft.com/office/powerpoint/2012/main" xmlns:com="http://schemas.openxmlformats.org/drawingml/2006/compatibility" xmlns:pvml="urn:schemas-microsoft-com:office:powerpoint" xmlns:v="urn:schemas-microsoft-com:vml" xmlns:o="urn:schemas-microsoft-com:office:office" xmlns:dgm="http://schemas.openxmlformats.org/drawingml/2006/diagram" xmlns:c="http://schemas.openxmlformats.org/drawingml/2006/chart" xmlns:mv="urn:schemas-microsoft-com:mac:vml" xmlns="">
       <p:transition spd="slow">
         <p:fade/>
       </p:transition>
@@ -4726,7 +4724,7 @@
         <p:fade/>
       </p:transition>
     </mc:Choice>
-    <mc:Fallback xmlns="" xmlns:mv="urn:schemas-microsoft-com:mac:vml" xmlns:c="http://schemas.openxmlformats.org/drawingml/2006/chart" xmlns:dgm="http://schemas.openxmlformats.org/drawingml/2006/diagram" xmlns:o="urn:schemas-microsoft-com:office:office" xmlns:v="urn:schemas-microsoft-com:vml" xmlns:pvml="urn:schemas-microsoft-com:office:powerpoint" xmlns:com="http://schemas.openxmlformats.org/drawingml/2006/compatibility" xmlns:p15="http://schemas.microsoft.com/office/powerpoint/2012/main">
+    <mc:Fallback xmlns:p15="http://schemas.microsoft.com/office/powerpoint/2012/main" xmlns:com="http://schemas.openxmlformats.org/drawingml/2006/compatibility" xmlns:pvml="urn:schemas-microsoft-com:office:powerpoint" xmlns:v="urn:schemas-microsoft-com:vml" xmlns:o="urn:schemas-microsoft-com:office:office" xmlns:dgm="http://schemas.openxmlformats.org/drawingml/2006/diagram" xmlns:c="http://schemas.openxmlformats.org/drawingml/2006/chart" xmlns:mv="urn:schemas-microsoft-com:mac:vml" xmlns="">
       <p:transition spd="slow">
         <p:fade/>
       </p:transition>
@@ -5583,7 +5581,7 @@
         <p:fade/>
       </p:transition>
     </mc:Choice>
-    <mc:Fallback xmlns="" xmlns:mv="urn:schemas-microsoft-com:mac:vml" xmlns:c="http://schemas.openxmlformats.org/drawingml/2006/chart" xmlns:dgm="http://schemas.openxmlformats.org/drawingml/2006/diagram" xmlns:o="urn:schemas-microsoft-com:office:office" xmlns:v="urn:schemas-microsoft-com:vml" xmlns:pvml="urn:schemas-microsoft-com:office:powerpoint" xmlns:com="http://schemas.openxmlformats.org/drawingml/2006/compatibility" xmlns:p15="http://schemas.microsoft.com/office/powerpoint/2012/main">
+    <mc:Fallback xmlns:p15="http://schemas.microsoft.com/office/powerpoint/2012/main" xmlns:com="http://schemas.openxmlformats.org/drawingml/2006/compatibility" xmlns:pvml="urn:schemas-microsoft-com:office:powerpoint" xmlns:v="urn:schemas-microsoft-com:vml" xmlns:o="urn:schemas-microsoft-com:office:office" xmlns:dgm="http://schemas.openxmlformats.org/drawingml/2006/diagram" xmlns:c="http://schemas.openxmlformats.org/drawingml/2006/chart" xmlns:mv="urn:schemas-microsoft-com:mac:vml" xmlns="">
       <p:transition spd="slow">
         <p:fade/>
       </p:transition>
@@ -7972,7 +7970,7 @@
         <p:fade/>
       </p:transition>
     </mc:Choice>
-    <mc:Fallback xmlns="" xmlns:mv="urn:schemas-microsoft-com:mac:vml" xmlns:c="http://schemas.openxmlformats.org/drawingml/2006/chart" xmlns:dgm="http://schemas.openxmlformats.org/drawingml/2006/diagram" xmlns:o="urn:schemas-microsoft-com:office:office" xmlns:v="urn:schemas-microsoft-com:vml" xmlns:pvml="urn:schemas-microsoft-com:office:powerpoint" xmlns:com="http://schemas.openxmlformats.org/drawingml/2006/compatibility" xmlns:p15="http://schemas.microsoft.com/office/powerpoint/2012/main">
+    <mc:Fallback xmlns:p15="http://schemas.microsoft.com/office/powerpoint/2012/main" xmlns:com="http://schemas.openxmlformats.org/drawingml/2006/compatibility" xmlns:pvml="urn:schemas-microsoft-com:office:powerpoint" xmlns:v="urn:schemas-microsoft-com:vml" xmlns:o="urn:schemas-microsoft-com:office:office" xmlns:dgm="http://schemas.openxmlformats.org/drawingml/2006/diagram" xmlns:c="http://schemas.openxmlformats.org/drawingml/2006/chart" xmlns:mv="urn:schemas-microsoft-com:mac:vml" xmlns="">
       <p:transition spd="slow">
         <p:fade/>
       </p:transition>
@@ -8525,7 +8523,7 @@
         <p:fade/>
       </p:transition>
     </mc:Choice>
-    <mc:Fallback xmlns="" xmlns:mv="urn:schemas-microsoft-com:mac:vml" xmlns:c="http://schemas.openxmlformats.org/drawingml/2006/chart" xmlns:dgm="http://schemas.openxmlformats.org/drawingml/2006/diagram" xmlns:o="urn:schemas-microsoft-com:office:office" xmlns:v="urn:schemas-microsoft-com:vml" xmlns:pvml="urn:schemas-microsoft-com:office:powerpoint" xmlns:com="http://schemas.openxmlformats.org/drawingml/2006/compatibility" xmlns:p15="http://schemas.microsoft.com/office/powerpoint/2012/main">
+    <mc:Fallback xmlns:p15="http://schemas.microsoft.com/office/powerpoint/2012/main" xmlns:com="http://schemas.openxmlformats.org/drawingml/2006/compatibility" xmlns:pvml="urn:schemas-microsoft-com:office:powerpoint" xmlns:v="urn:schemas-microsoft-com:vml" xmlns:o="urn:schemas-microsoft-com:office:office" xmlns:dgm="http://schemas.openxmlformats.org/drawingml/2006/diagram" xmlns:c="http://schemas.openxmlformats.org/drawingml/2006/chart" xmlns:mv="urn:schemas-microsoft-com:mac:vml" xmlns="">
       <p:transition spd="slow">
         <p:fade/>
       </p:transition>
@@ -9214,7 +9212,7 @@
         <p:fade/>
       </p:transition>
     </mc:Choice>
-    <mc:Fallback xmlns="" xmlns:mv="urn:schemas-microsoft-com:mac:vml" xmlns:c="http://schemas.openxmlformats.org/drawingml/2006/chart" xmlns:dgm="http://schemas.openxmlformats.org/drawingml/2006/diagram" xmlns:o="urn:schemas-microsoft-com:office:office" xmlns:v="urn:schemas-microsoft-com:vml" xmlns:pvml="urn:schemas-microsoft-com:office:powerpoint" xmlns:com="http://schemas.openxmlformats.org/drawingml/2006/compatibility" xmlns:p15="http://schemas.microsoft.com/office/powerpoint/2012/main">
+    <mc:Fallback xmlns:p15="http://schemas.microsoft.com/office/powerpoint/2012/main" xmlns:com="http://schemas.openxmlformats.org/drawingml/2006/compatibility" xmlns:pvml="urn:schemas-microsoft-com:office:powerpoint" xmlns:v="urn:schemas-microsoft-com:vml" xmlns:o="urn:schemas-microsoft-com:office:office" xmlns:dgm="http://schemas.openxmlformats.org/drawingml/2006/diagram" xmlns:c="http://schemas.openxmlformats.org/drawingml/2006/chart" xmlns:mv="urn:schemas-microsoft-com:mac:vml" xmlns="">
       <p:transition spd="slow">
         <p:fade/>
       </p:transition>
@@ -10201,7 +10199,7 @@
         <p:fade/>
       </p:transition>
     </mc:Choice>
-    <mc:Fallback xmlns="" xmlns:mv="urn:schemas-microsoft-com:mac:vml" xmlns:c="http://schemas.openxmlformats.org/drawingml/2006/chart" xmlns:dgm="http://schemas.openxmlformats.org/drawingml/2006/diagram" xmlns:o="urn:schemas-microsoft-com:office:office" xmlns:v="urn:schemas-microsoft-com:vml" xmlns:pvml="urn:schemas-microsoft-com:office:powerpoint" xmlns:com="http://schemas.openxmlformats.org/drawingml/2006/compatibility" xmlns:p15="http://schemas.microsoft.com/office/powerpoint/2012/main">
+    <mc:Fallback xmlns:p15="http://schemas.microsoft.com/office/powerpoint/2012/main" xmlns:com="http://schemas.openxmlformats.org/drawingml/2006/compatibility" xmlns:pvml="urn:schemas-microsoft-com:office:powerpoint" xmlns:v="urn:schemas-microsoft-com:vml" xmlns:o="urn:schemas-microsoft-com:office:office" xmlns:dgm="http://schemas.openxmlformats.org/drawingml/2006/diagram" xmlns:c="http://schemas.openxmlformats.org/drawingml/2006/chart" xmlns:mv="urn:schemas-microsoft-com:mac:vml" xmlns="">
       <p:transition spd="slow">
         <p:fade/>
       </p:transition>
@@ -11232,7 +11230,7 @@
         <p:fade/>
       </p:transition>
     </mc:Choice>
-    <mc:Fallback xmlns="" xmlns:mv="urn:schemas-microsoft-com:mac:vml" xmlns:c="http://schemas.openxmlformats.org/drawingml/2006/chart" xmlns:dgm="http://schemas.openxmlformats.org/drawingml/2006/diagram" xmlns:o="urn:schemas-microsoft-com:office:office" xmlns:v="urn:schemas-microsoft-com:vml" xmlns:pvml="urn:schemas-microsoft-com:office:powerpoint" xmlns:com="http://schemas.openxmlformats.org/drawingml/2006/compatibility" xmlns:p15="http://schemas.microsoft.com/office/powerpoint/2012/main">
+    <mc:Fallback xmlns:p15="http://schemas.microsoft.com/office/powerpoint/2012/main" xmlns:com="http://schemas.openxmlformats.org/drawingml/2006/compatibility" xmlns:pvml="urn:schemas-microsoft-com:office:powerpoint" xmlns:v="urn:schemas-microsoft-com:vml" xmlns:o="urn:schemas-microsoft-com:office:office" xmlns:dgm="http://schemas.openxmlformats.org/drawingml/2006/diagram" xmlns:c="http://schemas.openxmlformats.org/drawingml/2006/chart" xmlns:mv="urn:schemas-microsoft-com:mac:vml" xmlns="">
       <p:transition spd="slow">
         <p:fade/>
       </p:transition>
@@ -12803,7 +12801,7 @@
         <p:fade/>
       </p:transition>
     </mc:Choice>
-    <mc:Fallback xmlns="" xmlns:mv="urn:schemas-microsoft-com:mac:vml" xmlns:c="http://schemas.openxmlformats.org/drawingml/2006/chart" xmlns:dgm="http://schemas.openxmlformats.org/drawingml/2006/diagram" xmlns:o="urn:schemas-microsoft-com:office:office" xmlns:v="urn:schemas-microsoft-com:vml" xmlns:pvml="urn:schemas-microsoft-com:office:powerpoint" xmlns:com="http://schemas.openxmlformats.org/drawingml/2006/compatibility" xmlns:p15="http://schemas.microsoft.com/office/powerpoint/2012/main">
+    <mc:Fallback xmlns:p15="http://schemas.microsoft.com/office/powerpoint/2012/main" xmlns:com="http://schemas.openxmlformats.org/drawingml/2006/compatibility" xmlns:pvml="urn:schemas-microsoft-com:office:powerpoint" xmlns:v="urn:schemas-microsoft-com:vml" xmlns:o="urn:schemas-microsoft-com:office:office" xmlns:dgm="http://schemas.openxmlformats.org/drawingml/2006/diagram" xmlns:c="http://schemas.openxmlformats.org/drawingml/2006/chart" xmlns:mv="urn:schemas-microsoft-com:mac:vml" xmlns="">
       <p:transition spd="slow">
         <p:fade/>
       </p:transition>
@@ -13634,7 +13632,7 @@
         <p:fade/>
       </p:transition>
     </mc:Choice>
-    <mc:Fallback xmlns="" xmlns:mv="urn:schemas-microsoft-com:mac:vml" xmlns:c="http://schemas.openxmlformats.org/drawingml/2006/chart" xmlns:dgm="http://schemas.openxmlformats.org/drawingml/2006/diagram" xmlns:o="urn:schemas-microsoft-com:office:office" xmlns:v="urn:schemas-microsoft-com:vml" xmlns:pvml="urn:schemas-microsoft-com:office:powerpoint" xmlns:com="http://schemas.openxmlformats.org/drawingml/2006/compatibility" xmlns:p15="http://schemas.microsoft.com/office/powerpoint/2012/main">
+    <mc:Fallback xmlns:p15="http://schemas.microsoft.com/office/powerpoint/2012/main" xmlns:com="http://schemas.openxmlformats.org/drawingml/2006/compatibility" xmlns:pvml="urn:schemas-microsoft-com:office:powerpoint" xmlns:v="urn:schemas-microsoft-com:vml" xmlns:o="urn:schemas-microsoft-com:office:office" xmlns:dgm="http://schemas.openxmlformats.org/drawingml/2006/diagram" xmlns:c="http://schemas.openxmlformats.org/drawingml/2006/chart" xmlns:mv="urn:schemas-microsoft-com:mac:vml" xmlns="">
       <p:transition spd="slow">
         <p:fade/>
       </p:transition>
@@ -14351,7 +14349,7 @@
         <p:fade/>
       </p:transition>
     </mc:Choice>
-    <mc:Fallback xmlns="" xmlns:mv="urn:schemas-microsoft-com:mac:vml" xmlns:c="http://schemas.openxmlformats.org/drawingml/2006/chart" xmlns:dgm="http://schemas.openxmlformats.org/drawingml/2006/diagram" xmlns:o="urn:schemas-microsoft-com:office:office" xmlns:v="urn:schemas-microsoft-com:vml" xmlns:pvml="urn:schemas-microsoft-com:office:powerpoint" xmlns:com="http://schemas.openxmlformats.org/drawingml/2006/compatibility" xmlns:p15="http://schemas.microsoft.com/office/powerpoint/2012/main">
+    <mc:Fallback xmlns:p15="http://schemas.microsoft.com/office/powerpoint/2012/main" xmlns:com="http://schemas.openxmlformats.org/drawingml/2006/compatibility" xmlns:pvml="urn:schemas-microsoft-com:office:powerpoint" xmlns:v="urn:schemas-microsoft-com:vml" xmlns:o="urn:schemas-microsoft-com:office:office" xmlns:dgm="http://schemas.openxmlformats.org/drawingml/2006/diagram" xmlns:c="http://schemas.openxmlformats.org/drawingml/2006/chart" xmlns:mv="urn:schemas-microsoft-com:mac:vml" xmlns="">
       <p:transition spd="slow">
         <p:fade/>
       </p:transition>
@@ -15537,7 +15535,7 @@
         <p:fade/>
       </p:transition>
     </mc:Choice>
-    <mc:Fallback xmlns="" xmlns:mv="urn:schemas-microsoft-com:mac:vml" xmlns:c="http://schemas.openxmlformats.org/drawingml/2006/chart" xmlns:dgm="http://schemas.openxmlformats.org/drawingml/2006/diagram" xmlns:o="urn:schemas-microsoft-com:office:office" xmlns:v="urn:schemas-microsoft-com:vml" xmlns:pvml="urn:schemas-microsoft-com:office:powerpoint" xmlns:com="http://schemas.openxmlformats.org/drawingml/2006/compatibility" xmlns:p15="http://schemas.microsoft.com/office/powerpoint/2012/main">
+    <mc:Fallback xmlns:p15="http://schemas.microsoft.com/office/powerpoint/2012/main" xmlns:com="http://schemas.openxmlformats.org/drawingml/2006/compatibility" xmlns:pvml="urn:schemas-microsoft-com:office:powerpoint" xmlns:v="urn:schemas-microsoft-com:vml" xmlns:o="urn:schemas-microsoft-com:office:office" xmlns:dgm="http://schemas.openxmlformats.org/drawingml/2006/diagram" xmlns:c="http://schemas.openxmlformats.org/drawingml/2006/chart" xmlns:mv="urn:schemas-microsoft-com:mac:vml" xmlns="">
       <p:transition spd="slow">
         <p:fade/>
       </p:transition>
@@ -16720,7 +16718,7 @@
         <p:fade/>
       </p:transition>
     </mc:Choice>
-    <mc:Fallback xmlns="" xmlns:mv="urn:schemas-microsoft-com:mac:vml" xmlns:c="http://schemas.openxmlformats.org/drawingml/2006/chart" xmlns:dgm="http://schemas.openxmlformats.org/drawingml/2006/diagram" xmlns:o="urn:schemas-microsoft-com:office:office" xmlns:v="urn:schemas-microsoft-com:vml" xmlns:pvml="urn:schemas-microsoft-com:office:powerpoint" xmlns:com="http://schemas.openxmlformats.org/drawingml/2006/compatibility" xmlns:p15="http://schemas.microsoft.com/office/powerpoint/2012/main">
+    <mc:Fallback xmlns:p15="http://schemas.microsoft.com/office/powerpoint/2012/main" xmlns:com="http://schemas.openxmlformats.org/drawingml/2006/compatibility" xmlns:pvml="urn:schemas-microsoft-com:office:powerpoint" xmlns:v="urn:schemas-microsoft-com:vml" xmlns:o="urn:schemas-microsoft-com:office:office" xmlns:dgm="http://schemas.openxmlformats.org/drawingml/2006/diagram" xmlns:c="http://schemas.openxmlformats.org/drawingml/2006/chart" xmlns:mv="urn:schemas-microsoft-com:mac:vml" xmlns="">
       <p:transition spd="slow">
         <p:fade/>
       </p:transition>
@@ -17953,7 +17951,7 @@
         <p:fade/>
       </p:transition>
     </mc:Choice>
-    <mc:Fallback xmlns="" xmlns:mv="urn:schemas-microsoft-com:mac:vml" xmlns:c="http://schemas.openxmlformats.org/drawingml/2006/chart" xmlns:dgm="http://schemas.openxmlformats.org/drawingml/2006/diagram" xmlns:o="urn:schemas-microsoft-com:office:office" xmlns:v="urn:schemas-microsoft-com:vml" xmlns:pvml="urn:schemas-microsoft-com:office:powerpoint" xmlns:com="http://schemas.openxmlformats.org/drawingml/2006/compatibility" xmlns:p15="http://schemas.microsoft.com/office/powerpoint/2012/main">
+    <mc:Fallback xmlns:p15="http://schemas.microsoft.com/office/powerpoint/2012/main" xmlns:com="http://schemas.openxmlformats.org/drawingml/2006/compatibility" xmlns:pvml="urn:schemas-microsoft-com:office:powerpoint" xmlns:v="urn:schemas-microsoft-com:vml" xmlns:o="urn:schemas-microsoft-com:office:office" xmlns:dgm="http://schemas.openxmlformats.org/drawingml/2006/diagram" xmlns:c="http://schemas.openxmlformats.org/drawingml/2006/chart" xmlns:mv="urn:schemas-microsoft-com:mac:vml" xmlns="">
       <p:transition spd="slow">
         <p:fade/>
       </p:transition>
@@ -20320,7 +20318,7 @@
         <p:fade/>
       </p:transition>
     </mc:Choice>
-    <mc:Fallback xmlns="" xmlns:mv="urn:schemas-microsoft-com:mac:vml" xmlns:c="http://schemas.openxmlformats.org/drawingml/2006/chart" xmlns:dgm="http://schemas.openxmlformats.org/drawingml/2006/diagram" xmlns:o="urn:schemas-microsoft-com:office:office" xmlns:v="urn:schemas-microsoft-com:vml" xmlns:pvml="urn:schemas-microsoft-com:office:powerpoint" xmlns:com="http://schemas.openxmlformats.org/drawingml/2006/compatibility" xmlns:p15="http://schemas.microsoft.com/office/powerpoint/2012/main">
+    <mc:Fallback xmlns:p15="http://schemas.microsoft.com/office/powerpoint/2012/main" xmlns:com="http://schemas.openxmlformats.org/drawingml/2006/compatibility" xmlns:pvml="urn:schemas-microsoft-com:office:powerpoint" xmlns:v="urn:schemas-microsoft-com:vml" xmlns:o="urn:schemas-microsoft-com:office:office" xmlns:dgm="http://schemas.openxmlformats.org/drawingml/2006/diagram" xmlns:c="http://schemas.openxmlformats.org/drawingml/2006/chart" xmlns:mv="urn:schemas-microsoft-com:mac:vml" xmlns="">
       <p:transition spd="slow">
         <p:fade/>
       </p:transition>
@@ -20613,7 +20611,7 @@
         <p:fade/>
       </p:transition>
     </mc:Choice>
-    <mc:Fallback xmlns="" xmlns:mv="urn:schemas-microsoft-com:mac:vml" xmlns:c="http://schemas.openxmlformats.org/drawingml/2006/chart" xmlns:dgm="http://schemas.openxmlformats.org/drawingml/2006/diagram" xmlns:o="urn:schemas-microsoft-com:office:office" xmlns:v="urn:schemas-microsoft-com:vml" xmlns:pvml="urn:schemas-microsoft-com:office:powerpoint" xmlns:com="http://schemas.openxmlformats.org/drawingml/2006/compatibility" xmlns:p15="http://schemas.microsoft.com/office/powerpoint/2012/main">
+    <mc:Fallback xmlns:p15="http://schemas.microsoft.com/office/powerpoint/2012/main" xmlns:com="http://schemas.openxmlformats.org/drawingml/2006/compatibility" xmlns:pvml="urn:schemas-microsoft-com:office:powerpoint" xmlns:v="urn:schemas-microsoft-com:vml" xmlns:o="urn:schemas-microsoft-com:office:office" xmlns:dgm="http://schemas.openxmlformats.org/drawingml/2006/diagram" xmlns:c="http://schemas.openxmlformats.org/drawingml/2006/chart" xmlns:mv="urn:schemas-microsoft-com:mac:vml" xmlns="">
       <p:transition spd="slow">
         <p:fade/>
       </p:transition>
@@ -21087,7 +21085,7 @@
         <p:fade/>
       </p:transition>
     </mc:Choice>
-    <mc:Fallback xmlns="" xmlns:mv="urn:schemas-microsoft-com:mac:vml" xmlns:c="http://schemas.openxmlformats.org/drawingml/2006/chart" xmlns:dgm="http://schemas.openxmlformats.org/drawingml/2006/diagram" xmlns:o="urn:schemas-microsoft-com:office:office" xmlns:v="urn:schemas-microsoft-com:vml" xmlns:pvml="urn:schemas-microsoft-com:office:powerpoint" xmlns:com="http://schemas.openxmlformats.org/drawingml/2006/compatibility" xmlns:p15="http://schemas.microsoft.com/office/powerpoint/2012/main">
+    <mc:Fallback xmlns:p15="http://schemas.microsoft.com/office/powerpoint/2012/main" xmlns:com="http://schemas.openxmlformats.org/drawingml/2006/compatibility" xmlns:pvml="urn:schemas-microsoft-com:office:powerpoint" xmlns:v="urn:schemas-microsoft-com:vml" xmlns:o="urn:schemas-microsoft-com:office:office" xmlns:dgm="http://schemas.openxmlformats.org/drawingml/2006/diagram" xmlns:c="http://schemas.openxmlformats.org/drawingml/2006/chart" xmlns:mv="urn:schemas-microsoft-com:mac:vml" xmlns="">
       <p:transition spd="slow">
         <p:fade/>
       </p:transition>
@@ -21421,7 +21419,7 @@
         <p:fade/>
       </p:transition>
     </mc:Choice>
-    <mc:Fallback xmlns="" xmlns:mv="urn:schemas-microsoft-com:mac:vml" xmlns:c="http://schemas.openxmlformats.org/drawingml/2006/chart" xmlns:dgm="http://schemas.openxmlformats.org/drawingml/2006/diagram" xmlns:o="urn:schemas-microsoft-com:office:office" xmlns:v="urn:schemas-microsoft-com:vml" xmlns:pvml="urn:schemas-microsoft-com:office:powerpoint" xmlns:com="http://schemas.openxmlformats.org/drawingml/2006/compatibility" xmlns:p15="http://schemas.microsoft.com/office/powerpoint/2012/main">
+    <mc:Fallback xmlns:p15="http://schemas.microsoft.com/office/powerpoint/2012/main" xmlns:com="http://schemas.openxmlformats.org/drawingml/2006/compatibility" xmlns:pvml="urn:schemas-microsoft-com:office:powerpoint" xmlns:v="urn:schemas-microsoft-com:vml" xmlns:o="urn:schemas-microsoft-com:office:office" xmlns:dgm="http://schemas.openxmlformats.org/drawingml/2006/diagram" xmlns:c="http://schemas.openxmlformats.org/drawingml/2006/chart" xmlns:mv="urn:schemas-microsoft-com:mac:vml" xmlns="">
       <p:transition spd="slow">
         <p:fade/>
       </p:transition>
@@ -22306,7 +22304,7 @@
         <p:fade/>
       </p:transition>
     </mc:Choice>
-    <mc:Fallback xmlns="" xmlns:mv="urn:schemas-microsoft-com:mac:vml" xmlns:c="http://schemas.openxmlformats.org/drawingml/2006/chart" xmlns:dgm="http://schemas.openxmlformats.org/drawingml/2006/diagram" xmlns:o="urn:schemas-microsoft-com:office:office" xmlns:v="urn:schemas-microsoft-com:vml" xmlns:pvml="urn:schemas-microsoft-com:office:powerpoint" xmlns:com="http://schemas.openxmlformats.org/drawingml/2006/compatibility" xmlns:p15="http://schemas.microsoft.com/office/powerpoint/2012/main">
+    <mc:Fallback xmlns:p15="http://schemas.microsoft.com/office/powerpoint/2012/main" xmlns:com="http://schemas.openxmlformats.org/drawingml/2006/compatibility" xmlns:pvml="urn:schemas-microsoft-com:office:powerpoint" xmlns:v="urn:schemas-microsoft-com:vml" xmlns:o="urn:schemas-microsoft-com:office:office" xmlns:dgm="http://schemas.openxmlformats.org/drawingml/2006/diagram" xmlns:c="http://schemas.openxmlformats.org/drawingml/2006/chart" xmlns:mv="urn:schemas-microsoft-com:mac:vml" xmlns="">
       <p:transition spd="slow">
         <p:fade/>
       </p:transition>
@@ -22992,7 +22990,7 @@
         <p:fade/>
       </p:transition>
     </mc:Choice>
-    <mc:Fallback xmlns="" xmlns:mv="urn:schemas-microsoft-com:mac:vml" xmlns:c="http://schemas.openxmlformats.org/drawingml/2006/chart" xmlns:dgm="http://schemas.openxmlformats.org/drawingml/2006/diagram" xmlns:o="urn:schemas-microsoft-com:office:office" xmlns:v="urn:schemas-microsoft-com:vml" xmlns:pvml="urn:schemas-microsoft-com:office:powerpoint" xmlns:com="http://schemas.openxmlformats.org/drawingml/2006/compatibility" xmlns:p15="http://schemas.microsoft.com/office/powerpoint/2012/main">
+    <mc:Fallback xmlns:p15="http://schemas.microsoft.com/office/powerpoint/2012/main" xmlns:com="http://schemas.openxmlformats.org/drawingml/2006/compatibility" xmlns:pvml="urn:schemas-microsoft-com:office:powerpoint" xmlns:v="urn:schemas-microsoft-com:vml" xmlns:o="urn:schemas-microsoft-com:office:office" xmlns:dgm="http://schemas.openxmlformats.org/drawingml/2006/diagram" xmlns:c="http://schemas.openxmlformats.org/drawingml/2006/chart" xmlns:mv="urn:schemas-microsoft-com:mac:vml" xmlns="">
       <p:transition spd="slow">
         <p:fade/>
       </p:transition>
@@ -28053,675 +28051,6 @@
   <p:cSld>
     <p:spTree>
       <p:nvGrpSpPr>
-        <p:cNvPr id="1" name=""/>
-        <p:cNvGrpSpPr/>
-        <p:nvPr/>
-      </p:nvGrpSpPr>
-      <p:grpSpPr>
-        <a:xfrm>
-          <a:off x="0" y="0"/>
-          <a:ext cx="0" cy="0"/>
-          <a:chOff x="0" y="0"/>
-          <a:chExt cx="0" cy="0"/>
-        </a:xfrm>
-      </p:grpSpPr>
-      <p:sp>
-        <p:nvSpPr>
-          <p:cNvPr id="2" name="Espaço Reservado para Número de Slide 1">
-            <a:extLst>
-              <a:ext uri="{FF2B5EF4-FFF2-40B4-BE49-F238E27FC236}">
-                <a16:creationId xmlns:a16="http://schemas.microsoft.com/office/drawing/2014/main" id="{2B152D91-C96D-4D26-A7FE-FBE2F53C33A7}"/>
-              </a:ext>
-            </a:extLst>
-          </p:cNvPr>
-          <p:cNvSpPr>
-            <a:spLocks noGrp="1"/>
-          </p:cNvSpPr>
-          <p:nvPr>
-            <p:ph type="sldNum" idx="12"/>
-          </p:nvPr>
-        </p:nvSpPr>
-        <p:spPr>
-          <a:xfrm>
-            <a:off x="9182100" y="6273220"/>
-            <a:ext cx="2743200" cy="365125"/>
-          </a:xfrm>
-        </p:spPr>
-        <p:txBody>
-          <a:bodyPr wrap="square" anchor="ctr">
-            <a:normAutofit/>
-          </a:bodyPr>
-          <a:lstStyle/>
-          <a:p>
-            <a:pPr marL="0" lvl="0" indent="0" rtl="0">
-              <a:lnSpc>
-                <a:spcPct val="90000"/>
-              </a:lnSpc>
-              <a:spcBef>
-                <a:spcPts val="0"/>
-              </a:spcBef>
-              <a:spcAft>
-                <a:spcPts val="600"/>
-              </a:spcAft>
-              <a:buNone/>
-            </a:pPr>
-            <a:fld id="{00000000-1234-1234-1234-123412341234}" type="slidenum">
-              <a:rPr lang="en-US" smtClean="0"/>
-              <a:pPr marL="0" lvl="0" indent="0" rtl="0">
-                <a:lnSpc>
-                  <a:spcPct val="90000"/>
-                </a:lnSpc>
-                <a:spcBef>
-                  <a:spcPts val="0"/>
-                </a:spcBef>
-                <a:spcAft>
-                  <a:spcPts val="600"/>
-                </a:spcAft>
-                <a:buNone/>
-              </a:pPr>
-              <a:t>26</a:t>
-            </a:fld>
-            <a:endParaRPr lang="en-US"/>
-          </a:p>
-        </p:txBody>
-      </p:sp>
-      <p:sp>
-        <p:nvSpPr>
-          <p:cNvPr id="14" name="Título 2">
-            <a:extLst>
-              <a:ext uri="{FF2B5EF4-FFF2-40B4-BE49-F238E27FC236}">
-                <a16:creationId xmlns:a16="http://schemas.microsoft.com/office/drawing/2014/main" id="{207CEE47-D51E-4273-AA8E-CF2C4B6FEF1E}"/>
-              </a:ext>
-            </a:extLst>
-          </p:cNvPr>
-          <p:cNvSpPr>
-            <a:spLocks noGrp="1"/>
-          </p:cNvSpPr>
-          <p:nvPr>
-            <p:ph type="title"/>
-          </p:nvPr>
-        </p:nvSpPr>
-        <p:spPr>
-          <a:xfrm>
-            <a:off x="773206" y="426713"/>
-            <a:ext cx="10645588" cy="923544"/>
-          </a:xfrm>
-        </p:spPr>
-        <p:txBody>
-          <a:bodyPr/>
-          <a:lstStyle/>
-          <a:p>
-            <a:r>
-              <a:rPr lang="pt-BR" sz="5400" dirty="0">
-                <a:solidFill>
-                  <a:schemeClr val="tx1"/>
-                </a:solidFill>
-              </a:rPr>
-              <a:t>Flutter Modular</a:t>
-            </a:r>
-            <a:endParaRPr lang="pt-BR" dirty="0">
-              <a:solidFill>
-                <a:schemeClr val="tx1"/>
-              </a:solidFill>
-            </a:endParaRPr>
-          </a:p>
-        </p:txBody>
-      </p:sp>
-      <p:pic>
-        <p:nvPicPr>
-          <p:cNvPr id="5" name="Imagem 4">
-            <a:extLst>
-              <a:ext uri="{FF2B5EF4-FFF2-40B4-BE49-F238E27FC236}">
-                <a16:creationId xmlns:a16="http://schemas.microsoft.com/office/drawing/2014/main" id="{E155B793-B6D0-4F7E-9523-7C4158816A53}"/>
-              </a:ext>
-            </a:extLst>
-          </p:cNvPr>
-          <p:cNvPicPr>
-            <a:picLocks noChangeAspect="1"/>
-          </p:cNvPicPr>
-          <p:nvPr/>
-        </p:nvPicPr>
-        <p:blipFill>
-          <a:blip r:embed="rId2"/>
-          <a:stretch>
-            <a:fillRect/>
-          </a:stretch>
-        </p:blipFill>
-        <p:spPr>
-          <a:xfrm>
-            <a:off x="4246469" y="1291645"/>
-            <a:ext cx="7172325" cy="4981575"/>
-          </a:xfrm>
-          <a:prstGeom prst="rect">
-            <a:avLst/>
-          </a:prstGeom>
-        </p:spPr>
-      </p:pic>
-      <p:pic>
-        <p:nvPicPr>
-          <p:cNvPr id="6" name="Imagem 5">
-            <a:extLst>
-              <a:ext uri="{FF2B5EF4-FFF2-40B4-BE49-F238E27FC236}">
-                <a16:creationId xmlns:a16="http://schemas.microsoft.com/office/drawing/2014/main" id="{BBA88348-D321-444A-803D-D6004EEC55A5}"/>
-              </a:ext>
-            </a:extLst>
-          </p:cNvPr>
-          <p:cNvPicPr>
-            <a:picLocks noChangeAspect="1"/>
-          </p:cNvPicPr>
-          <p:nvPr/>
-        </p:nvPicPr>
-        <p:blipFill>
-          <a:blip r:embed="rId3"/>
-          <a:stretch>
-            <a:fillRect/>
-          </a:stretch>
-        </p:blipFill>
-        <p:spPr>
-          <a:xfrm>
-            <a:off x="773206" y="1731120"/>
-            <a:ext cx="2886075" cy="1343025"/>
-          </a:xfrm>
-          <a:prstGeom prst="rect">
-            <a:avLst/>
-          </a:prstGeom>
-        </p:spPr>
-      </p:pic>
-    </p:spTree>
-    <p:extLst>
-      <p:ext uri="{BB962C8B-B14F-4D97-AF65-F5344CB8AC3E}">
-        <p14:creationId xmlns:p14="http://schemas.microsoft.com/office/powerpoint/2010/main" val="1722263504"/>
-      </p:ext>
-    </p:extLst>
-  </p:cSld>
-  <p:clrMapOvr>
-    <a:masterClrMapping/>
-  </p:clrMapOvr>
-  <mc:AlternateContent xmlns:mc="http://schemas.openxmlformats.org/markup-compatibility/2006" xmlns:p14="http://schemas.microsoft.com/office/powerpoint/2010/main">
-    <mc:Choice Requires="p14">
-      <p:transition spd="med" p14:dur="700">
-        <p:fade/>
-      </p:transition>
-    </mc:Choice>
-    <mc:Fallback xmlns="">
-      <p:transition spd="med">
-        <p:fade/>
-      </p:transition>
-    </mc:Fallback>
-  </mc:AlternateContent>
-  <p:timing>
-    <p:tnLst>
-      <p:par>
-        <p:cTn id="1" dur="indefinite" restart="never" nodeType="tmRoot">
-          <p:childTnLst>
-            <p:seq concurrent="1" nextAc="seek">
-              <p:cTn id="2" dur="indefinite" nodeType="mainSeq">
-                <p:childTnLst>
-                  <p:par>
-                    <p:cTn id="3" fill="hold">
-                      <p:stCondLst>
-                        <p:cond delay="indefinite"/>
-                        <p:cond evt="onBegin" delay="0">
-                          <p:tn val="2"/>
-                        </p:cond>
-                      </p:stCondLst>
-                      <p:childTnLst>
-                        <p:par>
-                          <p:cTn id="4" fill="hold">
-                            <p:stCondLst>
-                              <p:cond delay="0"/>
-                            </p:stCondLst>
-                            <p:childTnLst>
-                              <p:par>
-                                <p:cTn id="5" presetID="2" presetClass="entr" presetSubtype="4" fill="hold" nodeType="afterEffect">
-                                  <p:stCondLst>
-                                    <p:cond delay="0"/>
-                                  </p:stCondLst>
-                                  <p:childTnLst>
-                                    <p:set>
-                                      <p:cBhvr>
-                                        <p:cTn id="6" dur="1" fill="hold">
-                                          <p:stCondLst>
-                                            <p:cond delay="0"/>
-                                          </p:stCondLst>
-                                        </p:cTn>
-                                        <p:tgtEl>
-                                          <p:spTgt spid="6"/>
-                                        </p:tgtEl>
-                                        <p:attrNameLst>
-                                          <p:attrName>style.visibility</p:attrName>
-                                        </p:attrNameLst>
-                                      </p:cBhvr>
-                                      <p:to>
-                                        <p:strVal val="visible"/>
-                                      </p:to>
-                                    </p:set>
-                                    <p:anim calcmode="lin" valueType="num">
-                                      <p:cBhvr additive="base">
-                                        <p:cTn id="7" dur="500" fill="hold"/>
-                                        <p:tgtEl>
-                                          <p:spTgt spid="6"/>
-                                        </p:tgtEl>
-                                        <p:attrNameLst>
-                                          <p:attrName>ppt_x</p:attrName>
-                                        </p:attrNameLst>
-                                      </p:cBhvr>
-                                      <p:tavLst>
-                                        <p:tav tm="0">
-                                          <p:val>
-                                            <p:strVal val="#ppt_x"/>
-                                          </p:val>
-                                        </p:tav>
-                                        <p:tav tm="100000">
-                                          <p:val>
-                                            <p:strVal val="#ppt_x"/>
-                                          </p:val>
-                                        </p:tav>
-                                      </p:tavLst>
-                                    </p:anim>
-                                    <p:anim calcmode="lin" valueType="num">
-                                      <p:cBhvr additive="base">
-                                        <p:cTn id="8" dur="500" fill="hold"/>
-                                        <p:tgtEl>
-                                          <p:spTgt spid="6"/>
-                                        </p:tgtEl>
-                                        <p:attrNameLst>
-                                          <p:attrName>ppt_y</p:attrName>
-                                        </p:attrNameLst>
-                                      </p:cBhvr>
-                                      <p:tavLst>
-                                        <p:tav tm="0">
-                                          <p:val>
-                                            <p:strVal val="1+#ppt_h/2"/>
-                                          </p:val>
-                                        </p:tav>
-                                        <p:tav tm="100000">
-                                          <p:val>
-                                            <p:strVal val="#ppt_y"/>
-                                          </p:val>
-                                        </p:tav>
-                                      </p:tavLst>
-                                    </p:anim>
-                                  </p:childTnLst>
-                                </p:cTn>
-                              </p:par>
-                            </p:childTnLst>
-                          </p:cTn>
-                        </p:par>
-                        <p:par>
-                          <p:cTn id="9" fill="hold">
-                            <p:stCondLst>
-                              <p:cond delay="500"/>
-                            </p:stCondLst>
-                            <p:childTnLst>
-                              <p:par>
-                                <p:cTn id="10" presetID="2" presetClass="entr" presetSubtype="4" fill="hold" nodeType="afterEffect">
-                                  <p:stCondLst>
-                                    <p:cond delay="0"/>
-                                  </p:stCondLst>
-                                  <p:childTnLst>
-                                    <p:set>
-                                      <p:cBhvr>
-                                        <p:cTn id="11" dur="1" fill="hold">
-                                          <p:stCondLst>
-                                            <p:cond delay="0"/>
-                                          </p:stCondLst>
-                                        </p:cTn>
-                                        <p:tgtEl>
-                                          <p:spTgt spid="5"/>
-                                        </p:tgtEl>
-                                        <p:attrNameLst>
-                                          <p:attrName>style.visibility</p:attrName>
-                                        </p:attrNameLst>
-                                      </p:cBhvr>
-                                      <p:to>
-                                        <p:strVal val="visible"/>
-                                      </p:to>
-                                    </p:set>
-                                    <p:anim calcmode="lin" valueType="num">
-                                      <p:cBhvr additive="base">
-                                        <p:cTn id="12" dur="500" fill="hold"/>
-                                        <p:tgtEl>
-                                          <p:spTgt spid="5"/>
-                                        </p:tgtEl>
-                                        <p:attrNameLst>
-                                          <p:attrName>ppt_x</p:attrName>
-                                        </p:attrNameLst>
-                                      </p:cBhvr>
-                                      <p:tavLst>
-                                        <p:tav tm="0">
-                                          <p:val>
-                                            <p:strVal val="#ppt_x"/>
-                                          </p:val>
-                                        </p:tav>
-                                        <p:tav tm="100000">
-                                          <p:val>
-                                            <p:strVal val="#ppt_x"/>
-                                          </p:val>
-                                        </p:tav>
-                                      </p:tavLst>
-                                    </p:anim>
-                                    <p:anim calcmode="lin" valueType="num">
-                                      <p:cBhvr additive="base">
-                                        <p:cTn id="13" dur="500" fill="hold"/>
-                                        <p:tgtEl>
-                                          <p:spTgt spid="5"/>
-                                        </p:tgtEl>
-                                        <p:attrNameLst>
-                                          <p:attrName>ppt_y</p:attrName>
-                                        </p:attrNameLst>
-                                      </p:cBhvr>
-                                      <p:tavLst>
-                                        <p:tav tm="0">
-                                          <p:val>
-                                            <p:strVal val="1+#ppt_h/2"/>
-                                          </p:val>
-                                        </p:tav>
-                                        <p:tav tm="100000">
-                                          <p:val>
-                                            <p:strVal val="#ppt_y"/>
-                                          </p:val>
-                                        </p:tav>
-                                      </p:tavLst>
-                                    </p:anim>
-                                  </p:childTnLst>
-                                </p:cTn>
-                              </p:par>
-                            </p:childTnLst>
-                          </p:cTn>
-                        </p:par>
-                      </p:childTnLst>
-                    </p:cTn>
-                  </p:par>
-                </p:childTnLst>
-              </p:cTn>
-              <p:prevCondLst>
-                <p:cond evt="onPrev" delay="0">
-                  <p:tgtEl>
-                    <p:sldTgt/>
-                  </p:tgtEl>
-                </p:cond>
-              </p:prevCondLst>
-              <p:nextCondLst>
-                <p:cond evt="onNext" delay="0">
-                  <p:tgtEl>
-                    <p:sldTgt/>
-                  </p:tgtEl>
-                </p:cond>
-              </p:nextCondLst>
-            </p:seq>
-          </p:childTnLst>
-        </p:cTn>
-      </p:par>
-    </p:tnLst>
-  </p:timing>
-</p:sld>
-</file>
-
-<file path=ppt/slides/slide27.xml><?xml version="1.0" encoding="utf-8"?>
-<p:sld xmlns:a="http://schemas.openxmlformats.org/drawingml/2006/main" xmlns:r="http://schemas.openxmlformats.org/officeDocument/2006/relationships" xmlns:p="http://schemas.openxmlformats.org/presentationml/2006/main">
-  <p:cSld>
-    <p:spTree>
-      <p:nvGrpSpPr>
-        <p:cNvPr id="1" name=""/>
-        <p:cNvGrpSpPr/>
-        <p:nvPr/>
-      </p:nvGrpSpPr>
-      <p:grpSpPr>
-        <a:xfrm>
-          <a:off x="0" y="0"/>
-          <a:ext cx="0" cy="0"/>
-          <a:chOff x="0" y="0"/>
-          <a:chExt cx="0" cy="0"/>
-        </a:xfrm>
-      </p:grpSpPr>
-      <p:sp>
-        <p:nvSpPr>
-          <p:cNvPr id="2" name="Espaço Reservado para Número de Slide 1">
-            <a:extLst>
-              <a:ext uri="{FF2B5EF4-FFF2-40B4-BE49-F238E27FC236}">
-                <a16:creationId xmlns:a16="http://schemas.microsoft.com/office/drawing/2014/main" id="{2B152D91-C96D-4D26-A7FE-FBE2F53C33A7}"/>
-              </a:ext>
-            </a:extLst>
-          </p:cNvPr>
-          <p:cNvSpPr>
-            <a:spLocks noGrp="1"/>
-          </p:cNvSpPr>
-          <p:nvPr>
-            <p:ph type="sldNum" idx="12"/>
-          </p:nvPr>
-        </p:nvSpPr>
-        <p:spPr>
-          <a:xfrm>
-            <a:off x="9182100" y="6273220"/>
-            <a:ext cx="2743200" cy="365125"/>
-          </a:xfrm>
-        </p:spPr>
-        <p:txBody>
-          <a:bodyPr wrap="square" anchor="ctr">
-            <a:normAutofit/>
-          </a:bodyPr>
-          <a:lstStyle/>
-          <a:p>
-            <a:pPr marL="0" lvl="0" indent="0" rtl="0">
-              <a:lnSpc>
-                <a:spcPct val="90000"/>
-              </a:lnSpc>
-              <a:spcBef>
-                <a:spcPts val="0"/>
-              </a:spcBef>
-              <a:spcAft>
-                <a:spcPts val="600"/>
-              </a:spcAft>
-              <a:buNone/>
-            </a:pPr>
-            <a:fld id="{00000000-1234-1234-1234-123412341234}" type="slidenum">
-              <a:rPr lang="en-US" smtClean="0"/>
-              <a:pPr marL="0" lvl="0" indent="0" rtl="0">
-                <a:lnSpc>
-                  <a:spcPct val="90000"/>
-                </a:lnSpc>
-                <a:spcBef>
-                  <a:spcPts val="0"/>
-                </a:spcBef>
-                <a:spcAft>
-                  <a:spcPts val="600"/>
-                </a:spcAft>
-                <a:buNone/>
-              </a:pPr>
-              <a:t>27</a:t>
-            </a:fld>
-            <a:endParaRPr lang="en-US"/>
-          </a:p>
-        </p:txBody>
-      </p:sp>
-      <p:sp>
-        <p:nvSpPr>
-          <p:cNvPr id="14" name="Título 2">
-            <a:extLst>
-              <a:ext uri="{FF2B5EF4-FFF2-40B4-BE49-F238E27FC236}">
-                <a16:creationId xmlns:a16="http://schemas.microsoft.com/office/drawing/2014/main" id="{207CEE47-D51E-4273-AA8E-CF2C4B6FEF1E}"/>
-              </a:ext>
-            </a:extLst>
-          </p:cNvPr>
-          <p:cNvSpPr>
-            <a:spLocks noGrp="1"/>
-          </p:cNvSpPr>
-          <p:nvPr>
-            <p:ph type="title"/>
-          </p:nvPr>
-        </p:nvSpPr>
-        <p:spPr>
-          <a:xfrm>
-            <a:off x="773206" y="426713"/>
-            <a:ext cx="10645588" cy="923544"/>
-          </a:xfrm>
-        </p:spPr>
-        <p:txBody>
-          <a:bodyPr/>
-          <a:lstStyle/>
-          <a:p>
-            <a:r>
-              <a:rPr lang="pt-BR" sz="5400" dirty="0">
-                <a:solidFill>
-                  <a:schemeClr val="tx1"/>
-                </a:solidFill>
-              </a:rPr>
-              <a:t>Flutter Modular </a:t>
-            </a:r>
-            <a:r>
-              <a:rPr lang="pt-BR" sz="5400" dirty="0" err="1">
-                <a:solidFill>
-                  <a:schemeClr val="tx1"/>
-                </a:solidFill>
-              </a:rPr>
-              <a:t>Mock</a:t>
-            </a:r>
-            <a:endParaRPr lang="pt-BR" dirty="0">
-              <a:solidFill>
-                <a:schemeClr val="tx1"/>
-              </a:solidFill>
-            </a:endParaRPr>
-          </a:p>
-        </p:txBody>
-      </p:sp>
-      <p:pic>
-        <p:nvPicPr>
-          <p:cNvPr id="4" name="Imagem 3">
-            <a:extLst>
-              <a:ext uri="{FF2B5EF4-FFF2-40B4-BE49-F238E27FC236}">
-                <a16:creationId xmlns:a16="http://schemas.microsoft.com/office/drawing/2014/main" id="{5D79AEDE-5BA0-4168-901C-926B824B3880}"/>
-              </a:ext>
-            </a:extLst>
-          </p:cNvPr>
-          <p:cNvPicPr>
-            <a:picLocks noChangeAspect="1"/>
-          </p:cNvPicPr>
-          <p:nvPr/>
-        </p:nvPicPr>
-        <p:blipFill>
-          <a:blip r:embed="rId2"/>
-          <a:stretch>
-            <a:fillRect/>
-          </a:stretch>
-        </p:blipFill>
-        <p:spPr>
-          <a:xfrm>
-            <a:off x="2620833" y="1687965"/>
-            <a:ext cx="7267575" cy="3743325"/>
-          </a:xfrm>
-          <a:prstGeom prst="rect">
-            <a:avLst/>
-          </a:prstGeom>
-        </p:spPr>
-      </p:pic>
-    </p:spTree>
-    <p:extLst>
-      <p:ext uri="{BB962C8B-B14F-4D97-AF65-F5344CB8AC3E}">
-        <p14:creationId xmlns:p14="http://schemas.microsoft.com/office/powerpoint/2010/main" val="3653710195"/>
-      </p:ext>
-    </p:extLst>
-  </p:cSld>
-  <p:clrMapOvr>
-    <a:masterClrMapping/>
-  </p:clrMapOvr>
-  <p:transition spd="slow">
-    <p:push dir="u"/>
-  </p:transition>
-  <p:timing>
-    <p:tnLst>
-      <p:par>
-        <p:cTn id="1" dur="indefinite" restart="never" nodeType="tmRoot">
-          <p:childTnLst>
-            <p:seq concurrent="1" nextAc="seek">
-              <p:cTn id="2" dur="indefinite" nodeType="mainSeq">
-                <p:childTnLst>
-                  <p:par>
-                    <p:cTn id="3" fill="hold">
-                      <p:stCondLst>
-                        <p:cond delay="indefinite"/>
-                        <p:cond evt="onBegin" delay="0">
-                          <p:tn val="2"/>
-                        </p:cond>
-                      </p:stCondLst>
-                      <p:childTnLst>
-                        <p:par>
-                          <p:cTn id="4" fill="hold">
-                            <p:stCondLst>
-                              <p:cond delay="0"/>
-                            </p:stCondLst>
-                            <p:childTnLst>
-                              <p:par>
-                                <p:cTn id="5" presetID="21" presetClass="entr" presetSubtype="1" fill="hold" nodeType="afterEffect">
-                                  <p:stCondLst>
-                                    <p:cond delay="0"/>
-                                  </p:stCondLst>
-                                  <p:childTnLst>
-                                    <p:set>
-                                      <p:cBhvr>
-                                        <p:cTn id="6" dur="1" fill="hold">
-                                          <p:stCondLst>
-                                            <p:cond delay="0"/>
-                                          </p:stCondLst>
-                                        </p:cTn>
-                                        <p:tgtEl>
-                                          <p:spTgt spid="4"/>
-                                        </p:tgtEl>
-                                        <p:attrNameLst>
-                                          <p:attrName>style.visibility</p:attrName>
-                                        </p:attrNameLst>
-                                      </p:cBhvr>
-                                      <p:to>
-                                        <p:strVal val="visible"/>
-                                      </p:to>
-                                    </p:set>
-                                    <p:animEffect transition="in" filter="wheel(1)">
-                                      <p:cBhvr>
-                                        <p:cTn id="7" dur="2000"/>
-                                        <p:tgtEl>
-                                          <p:spTgt spid="4"/>
-                                        </p:tgtEl>
-                                      </p:cBhvr>
-                                    </p:animEffect>
-                                  </p:childTnLst>
-                                </p:cTn>
-                              </p:par>
-                            </p:childTnLst>
-                          </p:cTn>
-                        </p:par>
-                      </p:childTnLst>
-                    </p:cTn>
-                  </p:par>
-                </p:childTnLst>
-              </p:cTn>
-              <p:prevCondLst>
-                <p:cond evt="onPrev" delay="0">
-                  <p:tgtEl>
-                    <p:sldTgt/>
-                  </p:tgtEl>
-                </p:cond>
-              </p:prevCondLst>
-              <p:nextCondLst>
-                <p:cond evt="onNext" delay="0">
-                  <p:tgtEl>
-                    <p:sldTgt/>
-                  </p:tgtEl>
-                </p:cond>
-              </p:nextCondLst>
-            </p:seq>
-          </p:childTnLst>
-        </p:cTn>
-      </p:par>
-    </p:tnLst>
-  </p:timing>
-</p:sld>
-</file>
-
-<file path=ppt/slides/slide28.xml><?xml version="1.0" encoding="utf-8"?>
-<p:sld xmlns:a="http://schemas.openxmlformats.org/drawingml/2006/main" xmlns:r="http://schemas.openxmlformats.org/officeDocument/2006/relationships" xmlns:p="http://schemas.openxmlformats.org/presentationml/2006/main">
-  <p:cSld>
-    <p:spTree>
-      <p:nvGrpSpPr>
         <p:cNvPr id="1" name="Shape 676"/>
         <p:cNvGrpSpPr/>
         <p:nvPr/>
@@ -29048,6 +28377,36 @@
           </a:prstGeom>
         </p:spPr>
       </p:pic>
+      <p:pic>
+        <p:nvPicPr>
+          <p:cNvPr id="11" name="Imagem 10" descr="Tela de computador com texto preto sobre fundo branco&#10;&#10;Descrição gerada automaticamente">
+            <a:extLst>
+              <a:ext uri="{FF2B5EF4-FFF2-40B4-BE49-F238E27FC236}">
+                <a16:creationId xmlns:a16="http://schemas.microsoft.com/office/drawing/2014/main" id="{474CA2AB-A9BB-486B-9275-289C7713E161}"/>
+              </a:ext>
+            </a:extLst>
+          </p:cNvPr>
+          <p:cNvPicPr>
+            <a:picLocks noChangeAspect="1"/>
+          </p:cNvPicPr>
+          <p:nvPr/>
+        </p:nvPicPr>
+        <p:blipFill>
+          <a:blip r:embed="rId4"/>
+          <a:stretch>
+            <a:fillRect/>
+          </a:stretch>
+        </p:blipFill>
+        <p:spPr>
+          <a:xfrm>
+            <a:off x="9550475" y="205818"/>
+            <a:ext cx="2448552" cy="2448552"/>
+          </a:xfrm>
+          <a:prstGeom prst="rect">
+            <a:avLst/>
+          </a:prstGeom>
+        </p:spPr>
+      </p:pic>
     </p:spTree>
     <p:extLst>
       <p:ext uri="{BB962C8B-B14F-4D97-AF65-F5344CB8AC3E}">
@@ -29284,7 +28643,7 @@
 </p:sld>
 </file>
 
-<file path=ppt/slides/slide29.xml><?xml version="1.0" encoding="utf-8"?>
+<file path=ppt/slides/slide27.xml><?xml version="1.0" encoding="utf-8"?>
 <p:sld xmlns:a="http://schemas.openxmlformats.org/drawingml/2006/main" xmlns:r="http://schemas.openxmlformats.org/officeDocument/2006/relationships" xmlns:p="http://schemas.openxmlformats.org/presentationml/2006/main">
   <p:cSld>
     <p:spTree>
@@ -29624,7 +28983,7 @@
         <p:fade/>
       </p:transition>
     </mc:Choice>
-    <mc:Fallback xmlns="" xmlns:mv="urn:schemas-microsoft-com:mac:vml" xmlns:c="http://schemas.openxmlformats.org/drawingml/2006/chart" xmlns:dgm="http://schemas.openxmlformats.org/drawingml/2006/diagram" xmlns:o="urn:schemas-microsoft-com:office:office" xmlns:v="urn:schemas-microsoft-com:vml" xmlns:pvml="urn:schemas-microsoft-com:office:powerpoint" xmlns:com="http://schemas.openxmlformats.org/drawingml/2006/compatibility" xmlns:p15="http://schemas.microsoft.com/office/powerpoint/2012/main">
+    <mc:Fallback xmlns:p15="http://schemas.microsoft.com/office/powerpoint/2012/main" xmlns:com="http://schemas.openxmlformats.org/drawingml/2006/compatibility" xmlns:pvml="urn:schemas-microsoft-com:office:powerpoint" xmlns:v="urn:schemas-microsoft-com:vml" xmlns:o="urn:schemas-microsoft-com:office:office" xmlns:dgm="http://schemas.openxmlformats.org/drawingml/2006/diagram" xmlns:c="http://schemas.openxmlformats.org/drawingml/2006/chart" xmlns:mv="urn:schemas-microsoft-com:mac:vml" xmlns="">
       <p:transition spd="slow">
         <p:fade/>
       </p:transition>
@@ -29759,6 +29118,1983 @@
         </p:cTn>
       </p:par>
     </p:tnLst>
+  </p:timing>
+</p:sld>
+</file>
+
+<file path=ppt/slides/slide28.xml><?xml version="1.0" encoding="utf-8"?>
+<p:sld xmlns:a="http://schemas.openxmlformats.org/drawingml/2006/main" xmlns:r="http://schemas.openxmlformats.org/officeDocument/2006/relationships" xmlns:p="http://schemas.openxmlformats.org/presentationml/2006/main">
+  <p:cSld>
+    <p:bg>
+      <p:bgPr>
+        <a:solidFill>
+          <a:srgbClr val="00559B"/>
+        </a:solidFill>
+        <a:effectLst/>
+      </p:bgPr>
+    </p:bg>
+    <p:spTree>
+      <p:nvGrpSpPr>
+        <p:cNvPr id="1" name="Shape 907"/>
+        <p:cNvGrpSpPr/>
+        <p:nvPr/>
+      </p:nvGrpSpPr>
+      <p:grpSpPr>
+        <a:xfrm>
+          <a:off x="0" y="0"/>
+          <a:ext cx="0" cy="0"/>
+          <a:chOff x="0" y="0"/>
+          <a:chExt cx="0" cy="0"/>
+        </a:xfrm>
+      </p:grpSpPr>
+      <p:sp>
+        <p:nvSpPr>
+          <p:cNvPr id="908" name="Google Shape;908;p62"/>
+          <p:cNvSpPr txBox="1">
+            <a:spLocks noGrp="1"/>
+          </p:cNvSpPr>
+          <p:nvPr>
+            <p:ph type="title"/>
+          </p:nvPr>
+        </p:nvSpPr>
+        <p:spPr>
+          <a:xfrm>
+            <a:off x="197850" y="275612"/>
+            <a:ext cx="11796300" cy="1113600"/>
+          </a:xfrm>
+          <a:prstGeom prst="rect">
+            <a:avLst/>
+          </a:prstGeom>
+          <a:noFill/>
+          <a:ln>
+            <a:noFill/>
+          </a:ln>
+        </p:spPr>
+        <p:txBody>
+          <a:bodyPr spcFirstLastPara="1" wrap="square" lIns="91425" tIns="45700" rIns="91425" bIns="45700" anchor="ctr" anchorCtr="0">
+            <a:noAutofit/>
+          </a:bodyPr>
+          <a:lstStyle/>
+          <a:p>
+            <a:pPr marL="0" lvl="0" indent="0" algn="ctr" rtl="0">
+              <a:lnSpc>
+                <a:spcPct val="90000"/>
+              </a:lnSpc>
+              <a:spcBef>
+                <a:spcPts val="0"/>
+              </a:spcBef>
+              <a:spcAft>
+                <a:spcPts val="0"/>
+              </a:spcAft>
+              <a:buClr>
+                <a:schemeClr val="lt2"/>
+              </a:buClr>
+              <a:buSzPts val="6600"/>
+              <a:buFont typeface="Raleway"/>
+              <a:buNone/>
+            </a:pPr>
+            <a:r>
+              <a:rPr lang="en-US" i="0" dirty="0" err="1"/>
+              <a:t>Obrigado</a:t>
+            </a:r>
+            <a:endParaRPr i="0" dirty="0"/>
+          </a:p>
+        </p:txBody>
+      </p:sp>
+      <p:pic>
+        <p:nvPicPr>
+          <p:cNvPr id="910" name="Google Shape;910;p62"/>
+          <p:cNvPicPr preferRelativeResize="0"/>
+          <p:nvPr/>
+        </p:nvPicPr>
+        <p:blipFill>
+          <a:blip r:embed="rId3">
+            <a:alphaModFix/>
+          </a:blip>
+          <a:stretch>
+            <a:fillRect/>
+          </a:stretch>
+        </p:blipFill>
+        <p:spPr>
+          <a:xfrm>
+            <a:off x="10761800" y="5543025"/>
+            <a:ext cx="834925" cy="887700"/>
+          </a:xfrm>
+          <a:prstGeom prst="rect">
+            <a:avLst/>
+          </a:prstGeom>
+          <a:noFill/>
+          <a:ln>
+            <a:noFill/>
+          </a:ln>
+        </p:spPr>
+      </p:pic>
+      <p:pic>
+        <p:nvPicPr>
+          <p:cNvPr id="5" name="Picture 2" descr="https://avatars0.githubusercontent.com/u/2637049?s=460&amp;v=4">
+            <a:extLst>
+              <a:ext uri="{FF2B5EF4-FFF2-40B4-BE49-F238E27FC236}">
+                <a16:creationId xmlns:a16="http://schemas.microsoft.com/office/drawing/2014/main" id="{DA9B6F5D-1E60-44F2-81B8-27F0E7E8924D}"/>
+              </a:ext>
+            </a:extLst>
+          </p:cNvPr>
+          <p:cNvPicPr>
+            <a:picLocks noChangeAspect="1" noChangeArrowheads="1"/>
+          </p:cNvPicPr>
+          <p:nvPr/>
+        </p:nvPicPr>
+        <p:blipFill>
+          <a:blip r:embed="rId4">
+            <a:extLst>
+              <a:ext uri="{28A0092B-C50C-407E-A947-70E740481C1C}">
+                <a14:useLocalDpi xmlns:a14="http://schemas.microsoft.com/office/drawing/2010/main" val="0"/>
+              </a:ext>
+            </a:extLst>
+          </a:blip>
+          <a:srcRect/>
+          <a:stretch>
+            <a:fillRect/>
+          </a:stretch>
+        </p:blipFill>
+        <p:spPr bwMode="auto">
+          <a:xfrm>
+            <a:off x="372853" y="1909555"/>
+            <a:ext cx="3038889" cy="3038889"/>
+          </a:xfrm>
+          <a:prstGeom prst="roundRect">
+            <a:avLst>
+              <a:gd name="adj" fmla="val 4167"/>
+            </a:avLst>
+          </a:prstGeom>
+          <a:solidFill>
+            <a:srgbClr val="FFFFFF"/>
+          </a:solidFill>
+          <a:ln w="76200" cap="sq">
+            <a:solidFill>
+              <a:srgbClr val="EAEAEA"/>
+            </a:solidFill>
+            <a:miter lim="800000"/>
+          </a:ln>
+          <a:effectLst>
+            <a:reflection blurRad="12700" stA="33000" endPos="28000" dist="5000" dir="5400000" sy="-100000" algn="bl" rotWithShape="0"/>
+          </a:effectLst>
+          <a:scene3d>
+            <a:camera prst="orthographicFront"/>
+            <a:lightRig rig="threePt" dir="t">
+              <a:rot lat="0" lon="0" rev="2700000"/>
+            </a:lightRig>
+          </a:scene3d>
+          <a:sp3d contourW="6350">
+            <a:bevelT h="38100"/>
+            <a:contourClr>
+              <a:srgbClr val="C0C0C0"/>
+            </a:contourClr>
+          </a:sp3d>
+        </p:spPr>
+      </p:pic>
+      <p:pic>
+        <p:nvPicPr>
+          <p:cNvPr id="6" name="Picture 4" descr="Resultado de imagem para github thumb">
+            <a:extLst>
+              <a:ext uri="{FF2B5EF4-FFF2-40B4-BE49-F238E27FC236}">
+                <a16:creationId xmlns:a16="http://schemas.microsoft.com/office/drawing/2014/main" id="{6958160B-D27F-4947-A9A8-84FF0ACC5432}"/>
+              </a:ext>
+            </a:extLst>
+          </p:cNvPr>
+          <p:cNvPicPr>
+            <a:picLocks noChangeAspect="1" noChangeArrowheads="1"/>
+          </p:cNvPicPr>
+          <p:nvPr/>
+        </p:nvPicPr>
+        <p:blipFill>
+          <a:blip r:embed="rId5">
+            <a:extLst>
+              <a:ext uri="{28A0092B-C50C-407E-A947-70E740481C1C}">
+                <a14:useLocalDpi xmlns:a14="http://schemas.microsoft.com/office/drawing/2010/main" val="0"/>
+              </a:ext>
+            </a:extLst>
+          </a:blip>
+          <a:srcRect/>
+          <a:stretch>
+            <a:fillRect/>
+          </a:stretch>
+        </p:blipFill>
+        <p:spPr bwMode="auto">
+          <a:xfrm>
+            <a:off x="4701451" y="2829262"/>
+            <a:ext cx="660366" cy="660366"/>
+          </a:xfrm>
+          <a:prstGeom prst="rect">
+            <a:avLst/>
+          </a:prstGeom>
+          <a:noFill/>
+          <a:extLst>
+            <a:ext uri="{909E8E84-426E-40DD-AFC4-6F175D3DCCD1}">
+              <a14:hiddenFill xmlns:a14="http://schemas.microsoft.com/office/drawing/2010/main">
+                <a:solidFill>
+                  <a:srgbClr val="FFFFFF"/>
+                </a:solidFill>
+              </a14:hiddenFill>
+            </a:ext>
+          </a:extLst>
+        </p:spPr>
+      </p:pic>
+      <p:pic>
+        <p:nvPicPr>
+          <p:cNvPr id="7" name="Picture 6" descr="Resultado de imagem para facebook icon">
+            <a:extLst>
+              <a:ext uri="{FF2B5EF4-FFF2-40B4-BE49-F238E27FC236}">
+                <a16:creationId xmlns:a16="http://schemas.microsoft.com/office/drawing/2014/main" id="{B5EBB7A2-A574-42B2-9576-B609E1D7BE16}"/>
+              </a:ext>
+            </a:extLst>
+          </p:cNvPr>
+          <p:cNvPicPr>
+            <a:picLocks noChangeAspect="1" noChangeArrowheads="1"/>
+          </p:cNvPicPr>
+          <p:nvPr/>
+        </p:nvPicPr>
+        <p:blipFill>
+          <a:blip r:embed="rId6">
+            <a:extLst>
+              <a:ext uri="{28A0092B-C50C-407E-A947-70E740481C1C}">
+                <a14:useLocalDpi xmlns:a14="http://schemas.microsoft.com/office/drawing/2010/main" val="0"/>
+              </a:ext>
+            </a:extLst>
+          </a:blip>
+          <a:srcRect/>
+          <a:stretch>
+            <a:fillRect/>
+          </a:stretch>
+        </p:blipFill>
+        <p:spPr bwMode="auto">
+          <a:xfrm>
+            <a:off x="3887485" y="2829262"/>
+            <a:ext cx="660366" cy="660366"/>
+          </a:xfrm>
+          <a:prstGeom prst="rect">
+            <a:avLst/>
+          </a:prstGeom>
+          <a:noFill/>
+          <a:extLst>
+            <a:ext uri="{909E8E84-426E-40DD-AFC4-6F175D3DCCD1}">
+              <a14:hiddenFill xmlns:a14="http://schemas.microsoft.com/office/drawing/2010/main">
+                <a:solidFill>
+                  <a:srgbClr val="FFFFFF"/>
+                </a:solidFill>
+              </a14:hiddenFill>
+            </a:ext>
+          </a:extLst>
+        </p:spPr>
+      </p:pic>
+      <p:pic>
+        <p:nvPicPr>
+          <p:cNvPr id="8" name="Picture 12" descr="Resultado de imagem para linkedin icon png">
+            <a:extLst>
+              <a:ext uri="{FF2B5EF4-FFF2-40B4-BE49-F238E27FC236}">
+                <a16:creationId xmlns:a16="http://schemas.microsoft.com/office/drawing/2014/main" id="{8B2F9719-150F-4AE5-8D93-1AA9DEB1D792}"/>
+              </a:ext>
+            </a:extLst>
+          </p:cNvPr>
+          <p:cNvPicPr>
+            <a:picLocks noChangeAspect="1" noChangeArrowheads="1"/>
+          </p:cNvPicPr>
+          <p:nvPr/>
+        </p:nvPicPr>
+        <p:blipFill>
+          <a:blip r:embed="rId7">
+            <a:extLst>
+              <a:ext uri="{28A0092B-C50C-407E-A947-70E740481C1C}">
+                <a14:useLocalDpi xmlns:a14="http://schemas.microsoft.com/office/drawing/2010/main" val="0"/>
+              </a:ext>
+            </a:extLst>
+          </a:blip>
+          <a:srcRect/>
+          <a:stretch>
+            <a:fillRect/>
+          </a:stretch>
+        </p:blipFill>
+        <p:spPr bwMode="auto">
+          <a:xfrm>
+            <a:off x="5507377" y="2805752"/>
+            <a:ext cx="660366" cy="660366"/>
+          </a:xfrm>
+          <a:prstGeom prst="rect">
+            <a:avLst/>
+          </a:prstGeom>
+          <a:noFill/>
+          <a:extLst>
+            <a:ext uri="{909E8E84-426E-40DD-AFC4-6F175D3DCCD1}">
+              <a14:hiddenFill xmlns:a14="http://schemas.microsoft.com/office/drawing/2010/main">
+                <a:solidFill>
+                  <a:srgbClr val="FFFFFF"/>
+                </a:solidFill>
+              </a14:hiddenFill>
+            </a:ext>
+          </a:extLst>
+        </p:spPr>
+      </p:pic>
+      <p:pic>
+        <p:nvPicPr>
+          <p:cNvPr id="9" name="Picture 14" descr="Resultado de imagem para medium icon png">
+            <a:extLst>
+              <a:ext uri="{FF2B5EF4-FFF2-40B4-BE49-F238E27FC236}">
+                <a16:creationId xmlns:a16="http://schemas.microsoft.com/office/drawing/2014/main" id="{1ECADA63-DC53-4022-BA63-B09990D2D455}"/>
+              </a:ext>
+            </a:extLst>
+          </p:cNvPr>
+          <p:cNvPicPr>
+            <a:picLocks noChangeAspect="1" noChangeArrowheads="1"/>
+          </p:cNvPicPr>
+          <p:nvPr/>
+        </p:nvPicPr>
+        <p:blipFill>
+          <a:blip r:embed="rId8">
+            <a:extLst>
+              <a:ext uri="{28A0092B-C50C-407E-A947-70E740481C1C}">
+                <a14:useLocalDpi xmlns:a14="http://schemas.microsoft.com/office/drawing/2010/main" val="0"/>
+              </a:ext>
+            </a:extLst>
+          </a:blip>
+          <a:srcRect/>
+          <a:stretch>
+            <a:fillRect/>
+          </a:stretch>
+        </p:blipFill>
+        <p:spPr bwMode="auto">
+          <a:xfrm>
+            <a:off x="6313303" y="2829263"/>
+            <a:ext cx="660365" cy="660365"/>
+          </a:xfrm>
+          <a:prstGeom prst="rect">
+            <a:avLst/>
+          </a:prstGeom>
+          <a:noFill/>
+          <a:extLst>
+            <a:ext uri="{909E8E84-426E-40DD-AFC4-6F175D3DCCD1}">
+              <a14:hiddenFill xmlns:a14="http://schemas.microsoft.com/office/drawing/2010/main">
+                <a:solidFill>
+                  <a:srgbClr val="FFFFFF"/>
+                </a:solidFill>
+              </a14:hiddenFill>
+            </a:ext>
+          </a:extLst>
+        </p:spPr>
+      </p:pic>
+      <p:pic>
+        <p:nvPicPr>
+          <p:cNvPr id="10" name="Imagem 9" descr="Fundo preto com letras brancas&#10;&#10;Descrição gerada automaticamente">
+            <a:extLst>
+              <a:ext uri="{FF2B5EF4-FFF2-40B4-BE49-F238E27FC236}">
+                <a16:creationId xmlns:a16="http://schemas.microsoft.com/office/drawing/2014/main" id="{5FC8FD4F-5F38-41D8-86A2-420A47B427D5}"/>
+              </a:ext>
+            </a:extLst>
+          </p:cNvPr>
+          <p:cNvPicPr>
+            <a:picLocks noChangeAspect="1"/>
+          </p:cNvPicPr>
+          <p:nvPr/>
+        </p:nvPicPr>
+        <p:blipFill>
+          <a:blip r:embed="rId9"/>
+          <a:stretch>
+            <a:fillRect/>
+          </a:stretch>
+        </p:blipFill>
+        <p:spPr>
+          <a:xfrm>
+            <a:off x="3680863" y="5226466"/>
+            <a:ext cx="633118" cy="633118"/>
+          </a:xfrm>
+          <a:prstGeom prst="rect">
+            <a:avLst/>
+          </a:prstGeom>
+        </p:spPr>
+      </p:pic>
+      <p:sp>
+        <p:nvSpPr>
+          <p:cNvPr id="11" name="Retângulo 10">
+            <a:extLst>
+              <a:ext uri="{FF2B5EF4-FFF2-40B4-BE49-F238E27FC236}">
+                <a16:creationId xmlns:a16="http://schemas.microsoft.com/office/drawing/2014/main" id="{E1A42947-B24B-4570-827F-6AA8F0272F21}"/>
+              </a:ext>
+            </a:extLst>
+          </p:cNvPr>
+          <p:cNvSpPr/>
+          <p:nvPr/>
+        </p:nvSpPr>
+        <p:spPr>
+          <a:xfrm>
+            <a:off x="4029437" y="3380099"/>
+            <a:ext cx="2563522" cy="923330"/>
+          </a:xfrm>
+          <a:prstGeom prst="rect">
+            <a:avLst/>
+          </a:prstGeom>
+        </p:spPr>
+        <p:txBody>
+          <a:bodyPr wrap="none">
+            <a:spAutoFit/>
+          </a:bodyPr>
+          <a:lstStyle/>
+          <a:p>
+            <a:pPr lvl="0">
+              <a:buClr>
+                <a:schemeClr val="dk1"/>
+              </a:buClr>
+              <a:buSzPts val="1100"/>
+            </a:pPr>
+            <a:r>
+              <a:rPr lang="pt-BR" sz="5400" dirty="0">
+                <a:solidFill>
+                  <a:schemeClr val="lt1"/>
+                </a:solidFill>
+              </a:rPr>
+              <a:t>/</a:t>
+            </a:r>
+            <a:r>
+              <a:rPr lang="pt-BR" sz="3200" dirty="0">
+                <a:solidFill>
+                  <a:schemeClr val="lt1"/>
+                </a:solidFill>
+              </a:rPr>
+              <a:t>toshiossada</a:t>
+            </a:r>
+          </a:p>
+        </p:txBody>
+      </p:sp>
+      <p:sp>
+        <p:nvSpPr>
+          <p:cNvPr id="12" name="Retângulo 11">
+            <a:extLst>
+              <a:ext uri="{FF2B5EF4-FFF2-40B4-BE49-F238E27FC236}">
+                <a16:creationId xmlns:a16="http://schemas.microsoft.com/office/drawing/2014/main" id="{9E41BD3B-44B6-4F84-B4E6-B4DC1DB3A87E}"/>
+              </a:ext>
+            </a:extLst>
+          </p:cNvPr>
+          <p:cNvSpPr/>
+          <p:nvPr/>
+        </p:nvSpPr>
+        <p:spPr>
+          <a:xfrm>
+            <a:off x="4267188" y="5312193"/>
+            <a:ext cx="3546164" cy="461665"/>
+          </a:xfrm>
+          <a:prstGeom prst="rect">
+            <a:avLst/>
+          </a:prstGeom>
+        </p:spPr>
+        <p:txBody>
+          <a:bodyPr wrap="none">
+            <a:spAutoFit/>
+          </a:bodyPr>
+          <a:lstStyle/>
+          <a:p>
+            <a:r>
+              <a:rPr lang="pt-BR" sz="2400" dirty="0">
+                <a:solidFill>
+                  <a:schemeClr val="lt1"/>
+                </a:solidFill>
+              </a:rPr>
+              <a:t>toshiossada@gmail.com</a:t>
+            </a:r>
+            <a:endParaRPr lang="pt-BR" sz="2400" dirty="0"/>
+          </a:p>
+        </p:txBody>
+      </p:sp>
+      <p:pic>
+        <p:nvPicPr>
+          <p:cNvPr id="13" name="Imagem 12" descr="Imagem em preto e branco com texto preto sobre fundo branco&#10;&#10;Descrição gerada automaticamente">
+            <a:extLst>
+              <a:ext uri="{FF2B5EF4-FFF2-40B4-BE49-F238E27FC236}">
+                <a16:creationId xmlns:a16="http://schemas.microsoft.com/office/drawing/2014/main" id="{80EC8593-EBAA-4B07-BD4D-232FB0331B80}"/>
+              </a:ext>
+            </a:extLst>
+          </p:cNvPr>
+          <p:cNvPicPr>
+            <a:picLocks noChangeAspect="1"/>
+          </p:cNvPicPr>
+          <p:nvPr/>
+        </p:nvPicPr>
+        <p:blipFill>
+          <a:blip r:embed="rId10"/>
+          <a:stretch>
+            <a:fillRect/>
+          </a:stretch>
+        </p:blipFill>
+        <p:spPr>
+          <a:xfrm>
+            <a:off x="8005031" y="1523461"/>
+            <a:ext cx="3424983" cy="3424983"/>
+          </a:xfrm>
+          <a:prstGeom prst="rect">
+            <a:avLst/>
+          </a:prstGeom>
+        </p:spPr>
+      </p:pic>
+      <p:sp>
+        <p:nvSpPr>
+          <p:cNvPr id="14" name="CaixaDeTexto 13">
+            <a:extLst>
+              <a:ext uri="{FF2B5EF4-FFF2-40B4-BE49-F238E27FC236}">
+                <a16:creationId xmlns:a16="http://schemas.microsoft.com/office/drawing/2014/main" id="{DEA7E500-6079-4A64-9DA9-2C5BD069D096}"/>
+              </a:ext>
+            </a:extLst>
+          </p:cNvPr>
+          <p:cNvSpPr txBox="1"/>
+          <p:nvPr/>
+        </p:nvSpPr>
+        <p:spPr>
+          <a:xfrm>
+            <a:off x="3544227" y="6060706"/>
+            <a:ext cx="6097464" cy="369332"/>
+          </a:xfrm>
+          <a:prstGeom prst="rect">
+            <a:avLst/>
+          </a:prstGeom>
+          <a:noFill/>
+        </p:spPr>
+        <p:txBody>
+          <a:bodyPr wrap="square">
+            <a:spAutoFit/>
+          </a:bodyPr>
+          <a:lstStyle/>
+          <a:p>
+            <a:r>
+              <a:rPr lang="pt-BR" sz="1800" dirty="0">
+                <a:solidFill>
+                  <a:schemeClr val="tx1">
+                    <a:lumMod val="95000"/>
+                  </a:schemeClr>
+                </a:solidFill>
+                <a:hlinkClick r:id="rId11">
+                  <a:extLst>
+                    <a:ext uri="{A12FA001-AC4F-418D-AE19-62706E023703}">
+                      <ahyp:hlinkClr xmlns:ahyp="http://schemas.microsoft.com/office/drawing/2018/hyperlinkcolor" val="tx"/>
+                    </a:ext>
+                  </a:extLst>
+                </a:hlinkClick>
+              </a:rPr>
+              <a:t>https://github.com/toshiossada/FlutterTestPresentation</a:t>
+            </a:r>
+            <a:endParaRPr lang="pt-BR" sz="1800" dirty="0">
+              <a:solidFill>
+                <a:schemeClr val="tx1">
+                  <a:lumMod val="95000"/>
+                </a:schemeClr>
+              </a:solidFill>
+            </a:endParaRPr>
+          </a:p>
+        </p:txBody>
+      </p:sp>
+    </p:spTree>
+  </p:cSld>
+  <p:clrMapOvr>
+    <a:masterClrMapping/>
+  </p:clrMapOvr>
+  <mc:AlternateContent xmlns:mc="http://schemas.openxmlformats.org/markup-compatibility/2006" xmlns:p14="http://schemas.microsoft.com/office/powerpoint/2010/main">
+    <mc:Choice Requires="p14">
+      <p:transition spd="med" p14:dur="700">
+        <p:fade/>
+      </p:transition>
+    </mc:Choice>
+    <mc:Fallback xmlns:p15="http://schemas.microsoft.com/office/powerpoint/2012/main" xmlns:com="http://schemas.openxmlformats.org/drawingml/2006/compatibility" xmlns:pvml="urn:schemas-microsoft-com:office:powerpoint" xmlns:v="urn:schemas-microsoft-com:vml" xmlns:o="urn:schemas-microsoft-com:office:office" xmlns:dgm="http://schemas.openxmlformats.org/drawingml/2006/diagram" xmlns:c="http://schemas.openxmlformats.org/drawingml/2006/chart" xmlns:mv="urn:schemas-microsoft-com:mac:vml" xmlns="">
+      <p:transition spd="slow">
+        <p:fade/>
+      </p:transition>
+    </mc:Fallback>
+  </mc:AlternateContent>
+  <p:timing>
+    <p:tnLst>
+      <p:par>
+        <p:cTn id="1" dur="indefinite" restart="never" nodeType="tmRoot">
+          <p:childTnLst>
+            <p:seq concurrent="1" nextAc="seek">
+              <p:cTn id="2" dur="indefinite" nodeType="mainSeq">
+                <p:childTnLst>
+                  <p:par>
+                    <p:cTn id="3" fill="hold">
+                      <p:stCondLst>
+                        <p:cond delay="indefinite"/>
+                        <p:cond evt="onBegin" delay="0">
+                          <p:tn val="2"/>
+                        </p:cond>
+                      </p:stCondLst>
+                      <p:childTnLst>
+                        <p:par>
+                          <p:cTn id="4" fill="hold">
+                            <p:stCondLst>
+                              <p:cond delay="0"/>
+                            </p:stCondLst>
+                            <p:childTnLst>
+                              <p:par>
+                                <p:cTn id="5" presetID="10" presetClass="entr" presetSubtype="0" fill="hold" nodeType="afterEffect">
+                                  <p:stCondLst>
+                                    <p:cond delay="0"/>
+                                  </p:stCondLst>
+                                  <p:childTnLst>
+                                    <p:set>
+                                      <p:cBhvr>
+                                        <p:cTn id="6" dur="1" fill="hold">
+                                          <p:stCondLst>
+                                            <p:cond delay="0"/>
+                                          </p:stCondLst>
+                                        </p:cTn>
+                                        <p:tgtEl>
+                                          <p:spTgt spid="908"/>
+                                        </p:tgtEl>
+                                        <p:attrNameLst>
+                                          <p:attrName>style.visibility</p:attrName>
+                                        </p:attrNameLst>
+                                      </p:cBhvr>
+                                      <p:to>
+                                        <p:strVal val="visible"/>
+                                      </p:to>
+                                    </p:set>
+                                    <p:animEffect transition="in" filter="fade">
+                                      <p:cBhvr>
+                                        <p:cTn id="7" dur="500"/>
+                                        <p:tgtEl>
+                                          <p:spTgt spid="908"/>
+                                        </p:tgtEl>
+                                      </p:cBhvr>
+                                    </p:animEffect>
+                                  </p:childTnLst>
+                                </p:cTn>
+                              </p:par>
+                            </p:childTnLst>
+                          </p:cTn>
+                        </p:par>
+                        <p:par>
+                          <p:cTn id="8" fill="hold">
+                            <p:stCondLst>
+                              <p:cond delay="500"/>
+                            </p:stCondLst>
+                            <p:childTnLst>
+                              <p:par>
+                                <p:cTn id="9" presetID="10" presetClass="entr" presetSubtype="0" fill="hold" nodeType="afterEffect">
+                                  <p:stCondLst>
+                                    <p:cond delay="0"/>
+                                  </p:stCondLst>
+                                  <p:childTnLst>
+                                    <p:set>
+                                      <p:cBhvr>
+                                        <p:cTn id="10" dur="1" fill="hold">
+                                          <p:stCondLst>
+                                            <p:cond delay="0"/>
+                                          </p:stCondLst>
+                                        </p:cTn>
+                                        <p:tgtEl>
+                                          <p:spTgt spid="5"/>
+                                        </p:tgtEl>
+                                        <p:attrNameLst>
+                                          <p:attrName>style.visibility</p:attrName>
+                                        </p:attrNameLst>
+                                      </p:cBhvr>
+                                      <p:to>
+                                        <p:strVal val="visible"/>
+                                      </p:to>
+                                    </p:set>
+                                    <p:animEffect transition="in" filter="fade">
+                                      <p:cBhvr>
+                                        <p:cTn id="11" dur="500"/>
+                                        <p:tgtEl>
+                                          <p:spTgt spid="5"/>
+                                        </p:tgtEl>
+                                      </p:cBhvr>
+                                    </p:animEffect>
+                                  </p:childTnLst>
+                                </p:cTn>
+                              </p:par>
+                              <p:par>
+                                <p:cTn id="12" presetID="26" presetClass="entr" presetSubtype="0" fill="hold" nodeType="withEffect">
+                                  <p:stCondLst>
+                                    <p:cond delay="0"/>
+                                  </p:stCondLst>
+                                  <p:childTnLst>
+                                    <p:set>
+                                      <p:cBhvr>
+                                        <p:cTn id="13" dur="1" fill="hold">
+                                          <p:stCondLst>
+                                            <p:cond delay="0"/>
+                                          </p:stCondLst>
+                                        </p:cTn>
+                                        <p:tgtEl>
+                                          <p:spTgt spid="7"/>
+                                        </p:tgtEl>
+                                        <p:attrNameLst>
+                                          <p:attrName>style.visibility</p:attrName>
+                                        </p:attrNameLst>
+                                      </p:cBhvr>
+                                      <p:to>
+                                        <p:strVal val="visible"/>
+                                      </p:to>
+                                    </p:set>
+                                    <p:animEffect transition="in" filter="wipe(down)">
+                                      <p:cBhvr>
+                                        <p:cTn id="14" dur="580">
+                                          <p:stCondLst>
+                                            <p:cond delay="0"/>
+                                          </p:stCondLst>
+                                        </p:cTn>
+                                        <p:tgtEl>
+                                          <p:spTgt spid="7"/>
+                                        </p:tgtEl>
+                                      </p:cBhvr>
+                                    </p:animEffect>
+                                    <p:anim calcmode="lin" valueType="num">
+                                      <p:cBhvr>
+                                        <p:cTn id="15" dur="1822" tmFilter="0,0; 0.14,0.36; 0.43,0.73; 0.71,0.91; 1.0,1.0">
+                                          <p:stCondLst>
+                                            <p:cond delay="0"/>
+                                          </p:stCondLst>
+                                        </p:cTn>
+                                        <p:tgtEl>
+                                          <p:spTgt spid="7"/>
+                                        </p:tgtEl>
+                                        <p:attrNameLst>
+                                          <p:attrName>ppt_x</p:attrName>
+                                        </p:attrNameLst>
+                                      </p:cBhvr>
+                                      <p:tavLst>
+                                        <p:tav tm="0">
+                                          <p:val>
+                                            <p:strVal val="#ppt_x-0.25"/>
+                                          </p:val>
+                                        </p:tav>
+                                        <p:tav tm="100000">
+                                          <p:val>
+                                            <p:strVal val="#ppt_x"/>
+                                          </p:val>
+                                        </p:tav>
+                                      </p:tavLst>
+                                    </p:anim>
+                                    <p:anim calcmode="lin" valueType="num">
+                                      <p:cBhvr>
+                                        <p:cTn id="16" dur="664" tmFilter="0.0,0.0; 0.25,0.07; 0.50,0.2; 0.75,0.467; 1.0,1.0">
+                                          <p:stCondLst>
+                                            <p:cond delay="0"/>
+                                          </p:stCondLst>
+                                        </p:cTn>
+                                        <p:tgtEl>
+                                          <p:spTgt spid="7"/>
+                                        </p:tgtEl>
+                                        <p:attrNameLst>
+                                          <p:attrName>ppt_y</p:attrName>
+                                        </p:attrNameLst>
+                                      </p:cBhvr>
+                                      <p:tavLst>
+                                        <p:tav tm="0" fmla="#ppt_y-sin(pi*$)/3">
+                                          <p:val>
+                                            <p:fltVal val="0.5"/>
+                                          </p:val>
+                                        </p:tav>
+                                        <p:tav tm="100000">
+                                          <p:val>
+                                            <p:fltVal val="1"/>
+                                          </p:val>
+                                        </p:tav>
+                                      </p:tavLst>
+                                    </p:anim>
+                                    <p:anim calcmode="lin" valueType="num">
+                                      <p:cBhvr>
+                                        <p:cTn id="17" dur="664" tmFilter="0, 0; 0.125,0.2665; 0.25,0.4; 0.375,0.465; 0.5,0.5;  0.625,0.535; 0.75,0.6; 0.875,0.7335; 1,1">
+                                          <p:stCondLst>
+                                            <p:cond delay="664"/>
+                                          </p:stCondLst>
+                                        </p:cTn>
+                                        <p:tgtEl>
+                                          <p:spTgt spid="7"/>
+                                        </p:tgtEl>
+                                        <p:attrNameLst>
+                                          <p:attrName>ppt_y</p:attrName>
+                                        </p:attrNameLst>
+                                      </p:cBhvr>
+                                      <p:tavLst>
+                                        <p:tav tm="0" fmla="#ppt_y-sin(pi*$)/9">
+                                          <p:val>
+                                            <p:fltVal val="0"/>
+                                          </p:val>
+                                        </p:tav>
+                                        <p:tav tm="100000">
+                                          <p:val>
+                                            <p:fltVal val="1"/>
+                                          </p:val>
+                                        </p:tav>
+                                      </p:tavLst>
+                                    </p:anim>
+                                    <p:anim calcmode="lin" valueType="num">
+                                      <p:cBhvr>
+                                        <p:cTn id="18" dur="332" tmFilter="0, 0; 0.125,0.2665; 0.25,0.4; 0.375,0.465; 0.5,0.5;  0.625,0.535; 0.75,0.6; 0.875,0.7335; 1,1">
+                                          <p:stCondLst>
+                                            <p:cond delay="1324"/>
+                                          </p:stCondLst>
+                                        </p:cTn>
+                                        <p:tgtEl>
+                                          <p:spTgt spid="7"/>
+                                        </p:tgtEl>
+                                        <p:attrNameLst>
+                                          <p:attrName>ppt_y</p:attrName>
+                                        </p:attrNameLst>
+                                      </p:cBhvr>
+                                      <p:tavLst>
+                                        <p:tav tm="0" fmla="#ppt_y-sin(pi*$)/27">
+                                          <p:val>
+                                            <p:fltVal val="0"/>
+                                          </p:val>
+                                        </p:tav>
+                                        <p:tav tm="100000">
+                                          <p:val>
+                                            <p:fltVal val="1"/>
+                                          </p:val>
+                                        </p:tav>
+                                      </p:tavLst>
+                                    </p:anim>
+                                    <p:anim calcmode="lin" valueType="num">
+                                      <p:cBhvr>
+                                        <p:cTn id="19" dur="164" tmFilter="0, 0; 0.125,0.2665; 0.25,0.4; 0.375,0.465; 0.5,0.5;  0.625,0.535; 0.75,0.6; 0.875,0.7335; 1,1">
+                                          <p:stCondLst>
+                                            <p:cond delay="1656"/>
+                                          </p:stCondLst>
+                                        </p:cTn>
+                                        <p:tgtEl>
+                                          <p:spTgt spid="7"/>
+                                        </p:tgtEl>
+                                        <p:attrNameLst>
+                                          <p:attrName>ppt_y</p:attrName>
+                                        </p:attrNameLst>
+                                      </p:cBhvr>
+                                      <p:tavLst>
+                                        <p:tav tm="0" fmla="#ppt_y-sin(pi*$)/81">
+                                          <p:val>
+                                            <p:fltVal val="0"/>
+                                          </p:val>
+                                        </p:tav>
+                                        <p:tav tm="100000">
+                                          <p:val>
+                                            <p:fltVal val="1"/>
+                                          </p:val>
+                                        </p:tav>
+                                      </p:tavLst>
+                                    </p:anim>
+                                    <p:animScale>
+                                      <p:cBhvr>
+                                        <p:cTn id="20" dur="26">
+                                          <p:stCondLst>
+                                            <p:cond delay="650"/>
+                                          </p:stCondLst>
+                                        </p:cTn>
+                                        <p:tgtEl>
+                                          <p:spTgt spid="7"/>
+                                        </p:tgtEl>
+                                      </p:cBhvr>
+                                      <p:to x="100000" y="60000"/>
+                                    </p:animScale>
+                                    <p:animScale>
+                                      <p:cBhvr>
+                                        <p:cTn id="21" dur="166" decel="50000">
+                                          <p:stCondLst>
+                                            <p:cond delay="676"/>
+                                          </p:stCondLst>
+                                        </p:cTn>
+                                        <p:tgtEl>
+                                          <p:spTgt spid="7"/>
+                                        </p:tgtEl>
+                                      </p:cBhvr>
+                                      <p:to x="100000" y="100000"/>
+                                    </p:animScale>
+                                    <p:animScale>
+                                      <p:cBhvr>
+                                        <p:cTn id="22" dur="26">
+                                          <p:stCondLst>
+                                            <p:cond delay="1312"/>
+                                          </p:stCondLst>
+                                        </p:cTn>
+                                        <p:tgtEl>
+                                          <p:spTgt spid="7"/>
+                                        </p:tgtEl>
+                                      </p:cBhvr>
+                                      <p:to x="100000" y="80000"/>
+                                    </p:animScale>
+                                    <p:animScale>
+                                      <p:cBhvr>
+                                        <p:cTn id="23" dur="166" decel="50000">
+                                          <p:stCondLst>
+                                            <p:cond delay="1338"/>
+                                          </p:stCondLst>
+                                        </p:cTn>
+                                        <p:tgtEl>
+                                          <p:spTgt spid="7"/>
+                                        </p:tgtEl>
+                                      </p:cBhvr>
+                                      <p:to x="100000" y="100000"/>
+                                    </p:animScale>
+                                    <p:animScale>
+                                      <p:cBhvr>
+                                        <p:cTn id="24" dur="26">
+                                          <p:stCondLst>
+                                            <p:cond delay="1642"/>
+                                          </p:stCondLst>
+                                        </p:cTn>
+                                        <p:tgtEl>
+                                          <p:spTgt spid="7"/>
+                                        </p:tgtEl>
+                                      </p:cBhvr>
+                                      <p:to x="100000" y="90000"/>
+                                    </p:animScale>
+                                    <p:animScale>
+                                      <p:cBhvr>
+                                        <p:cTn id="25" dur="166" decel="50000">
+                                          <p:stCondLst>
+                                            <p:cond delay="1668"/>
+                                          </p:stCondLst>
+                                        </p:cTn>
+                                        <p:tgtEl>
+                                          <p:spTgt spid="7"/>
+                                        </p:tgtEl>
+                                      </p:cBhvr>
+                                      <p:to x="100000" y="100000"/>
+                                    </p:animScale>
+                                    <p:animScale>
+                                      <p:cBhvr>
+                                        <p:cTn id="26" dur="26">
+                                          <p:stCondLst>
+                                            <p:cond delay="1808"/>
+                                          </p:stCondLst>
+                                        </p:cTn>
+                                        <p:tgtEl>
+                                          <p:spTgt spid="7"/>
+                                        </p:tgtEl>
+                                      </p:cBhvr>
+                                      <p:to x="100000" y="95000"/>
+                                    </p:animScale>
+                                    <p:animScale>
+                                      <p:cBhvr>
+                                        <p:cTn id="27" dur="166" decel="50000">
+                                          <p:stCondLst>
+                                            <p:cond delay="1834"/>
+                                          </p:stCondLst>
+                                        </p:cTn>
+                                        <p:tgtEl>
+                                          <p:spTgt spid="7"/>
+                                        </p:tgtEl>
+                                      </p:cBhvr>
+                                      <p:to x="100000" y="100000"/>
+                                    </p:animScale>
+                                  </p:childTnLst>
+                                </p:cTn>
+                              </p:par>
+                              <p:par>
+                                <p:cTn id="28" presetID="45" presetClass="entr" presetSubtype="0" fill="hold" nodeType="withEffect">
+                                  <p:stCondLst>
+                                    <p:cond delay="0"/>
+                                  </p:stCondLst>
+                                  <p:childTnLst>
+                                    <p:set>
+                                      <p:cBhvr>
+                                        <p:cTn id="29" dur="1" fill="hold">
+                                          <p:stCondLst>
+                                            <p:cond delay="0"/>
+                                          </p:stCondLst>
+                                        </p:cTn>
+                                        <p:tgtEl>
+                                          <p:spTgt spid="6"/>
+                                        </p:tgtEl>
+                                        <p:attrNameLst>
+                                          <p:attrName>style.visibility</p:attrName>
+                                        </p:attrNameLst>
+                                      </p:cBhvr>
+                                      <p:to>
+                                        <p:strVal val="visible"/>
+                                      </p:to>
+                                    </p:set>
+                                    <p:animEffect transition="in" filter="fade">
+                                      <p:cBhvr>
+                                        <p:cTn id="30" dur="2000"/>
+                                        <p:tgtEl>
+                                          <p:spTgt spid="6"/>
+                                        </p:tgtEl>
+                                      </p:cBhvr>
+                                    </p:animEffect>
+                                    <p:anim calcmode="lin" valueType="num">
+                                      <p:cBhvr>
+                                        <p:cTn id="31" dur="2000" fill="hold"/>
+                                        <p:tgtEl>
+                                          <p:spTgt spid="6"/>
+                                        </p:tgtEl>
+                                        <p:attrNameLst>
+                                          <p:attrName>ppt_w</p:attrName>
+                                        </p:attrNameLst>
+                                      </p:cBhvr>
+                                      <p:tavLst>
+                                        <p:tav tm="0" fmla="#ppt_w*sin(2.5*pi*$)">
+                                          <p:val>
+                                            <p:fltVal val="0"/>
+                                          </p:val>
+                                        </p:tav>
+                                        <p:tav tm="100000">
+                                          <p:val>
+                                            <p:fltVal val="1"/>
+                                          </p:val>
+                                        </p:tav>
+                                      </p:tavLst>
+                                    </p:anim>
+                                    <p:anim calcmode="lin" valueType="num">
+                                      <p:cBhvr>
+                                        <p:cTn id="32" dur="2000" fill="hold"/>
+                                        <p:tgtEl>
+                                          <p:spTgt spid="6"/>
+                                        </p:tgtEl>
+                                        <p:attrNameLst>
+                                          <p:attrName>ppt_h</p:attrName>
+                                        </p:attrNameLst>
+                                      </p:cBhvr>
+                                      <p:tavLst>
+                                        <p:tav tm="0">
+                                          <p:val>
+                                            <p:strVal val="#ppt_h"/>
+                                          </p:val>
+                                        </p:tav>
+                                        <p:tav tm="100000">
+                                          <p:val>
+                                            <p:strVal val="#ppt_h"/>
+                                          </p:val>
+                                        </p:tav>
+                                      </p:tavLst>
+                                    </p:anim>
+                                  </p:childTnLst>
+                                </p:cTn>
+                              </p:par>
+                              <p:par>
+                                <p:cTn id="33" presetID="26" presetClass="entr" presetSubtype="0" fill="hold" nodeType="withEffect">
+                                  <p:stCondLst>
+                                    <p:cond delay="0"/>
+                                  </p:stCondLst>
+                                  <p:childTnLst>
+                                    <p:set>
+                                      <p:cBhvr>
+                                        <p:cTn id="34" dur="1" fill="hold">
+                                          <p:stCondLst>
+                                            <p:cond delay="0"/>
+                                          </p:stCondLst>
+                                        </p:cTn>
+                                        <p:tgtEl>
+                                          <p:spTgt spid="8"/>
+                                        </p:tgtEl>
+                                        <p:attrNameLst>
+                                          <p:attrName>style.visibility</p:attrName>
+                                        </p:attrNameLst>
+                                      </p:cBhvr>
+                                      <p:to>
+                                        <p:strVal val="visible"/>
+                                      </p:to>
+                                    </p:set>
+                                    <p:animEffect transition="in" filter="wipe(down)">
+                                      <p:cBhvr>
+                                        <p:cTn id="35" dur="580">
+                                          <p:stCondLst>
+                                            <p:cond delay="0"/>
+                                          </p:stCondLst>
+                                        </p:cTn>
+                                        <p:tgtEl>
+                                          <p:spTgt spid="8"/>
+                                        </p:tgtEl>
+                                      </p:cBhvr>
+                                    </p:animEffect>
+                                    <p:anim calcmode="lin" valueType="num">
+                                      <p:cBhvr>
+                                        <p:cTn id="36" dur="1822" tmFilter="0,0; 0.14,0.36; 0.43,0.73; 0.71,0.91; 1.0,1.0">
+                                          <p:stCondLst>
+                                            <p:cond delay="0"/>
+                                          </p:stCondLst>
+                                        </p:cTn>
+                                        <p:tgtEl>
+                                          <p:spTgt spid="8"/>
+                                        </p:tgtEl>
+                                        <p:attrNameLst>
+                                          <p:attrName>ppt_x</p:attrName>
+                                        </p:attrNameLst>
+                                      </p:cBhvr>
+                                      <p:tavLst>
+                                        <p:tav tm="0">
+                                          <p:val>
+                                            <p:strVal val="#ppt_x-0.25"/>
+                                          </p:val>
+                                        </p:tav>
+                                        <p:tav tm="100000">
+                                          <p:val>
+                                            <p:strVal val="#ppt_x"/>
+                                          </p:val>
+                                        </p:tav>
+                                      </p:tavLst>
+                                    </p:anim>
+                                    <p:anim calcmode="lin" valueType="num">
+                                      <p:cBhvr>
+                                        <p:cTn id="37" dur="664" tmFilter="0.0,0.0; 0.25,0.07; 0.50,0.2; 0.75,0.467; 1.0,1.0">
+                                          <p:stCondLst>
+                                            <p:cond delay="0"/>
+                                          </p:stCondLst>
+                                        </p:cTn>
+                                        <p:tgtEl>
+                                          <p:spTgt spid="8"/>
+                                        </p:tgtEl>
+                                        <p:attrNameLst>
+                                          <p:attrName>ppt_y</p:attrName>
+                                        </p:attrNameLst>
+                                      </p:cBhvr>
+                                      <p:tavLst>
+                                        <p:tav tm="0" fmla="#ppt_y-sin(pi*$)/3">
+                                          <p:val>
+                                            <p:fltVal val="0.5"/>
+                                          </p:val>
+                                        </p:tav>
+                                        <p:tav tm="100000">
+                                          <p:val>
+                                            <p:fltVal val="1"/>
+                                          </p:val>
+                                        </p:tav>
+                                      </p:tavLst>
+                                    </p:anim>
+                                    <p:anim calcmode="lin" valueType="num">
+                                      <p:cBhvr>
+                                        <p:cTn id="38" dur="664" tmFilter="0, 0; 0.125,0.2665; 0.25,0.4; 0.375,0.465; 0.5,0.5;  0.625,0.535; 0.75,0.6; 0.875,0.7335; 1,1">
+                                          <p:stCondLst>
+                                            <p:cond delay="664"/>
+                                          </p:stCondLst>
+                                        </p:cTn>
+                                        <p:tgtEl>
+                                          <p:spTgt spid="8"/>
+                                        </p:tgtEl>
+                                        <p:attrNameLst>
+                                          <p:attrName>ppt_y</p:attrName>
+                                        </p:attrNameLst>
+                                      </p:cBhvr>
+                                      <p:tavLst>
+                                        <p:tav tm="0" fmla="#ppt_y-sin(pi*$)/9">
+                                          <p:val>
+                                            <p:fltVal val="0"/>
+                                          </p:val>
+                                        </p:tav>
+                                        <p:tav tm="100000">
+                                          <p:val>
+                                            <p:fltVal val="1"/>
+                                          </p:val>
+                                        </p:tav>
+                                      </p:tavLst>
+                                    </p:anim>
+                                    <p:anim calcmode="lin" valueType="num">
+                                      <p:cBhvr>
+                                        <p:cTn id="39" dur="332" tmFilter="0, 0; 0.125,0.2665; 0.25,0.4; 0.375,0.465; 0.5,0.5;  0.625,0.535; 0.75,0.6; 0.875,0.7335; 1,1">
+                                          <p:stCondLst>
+                                            <p:cond delay="1324"/>
+                                          </p:stCondLst>
+                                        </p:cTn>
+                                        <p:tgtEl>
+                                          <p:spTgt spid="8"/>
+                                        </p:tgtEl>
+                                        <p:attrNameLst>
+                                          <p:attrName>ppt_y</p:attrName>
+                                        </p:attrNameLst>
+                                      </p:cBhvr>
+                                      <p:tavLst>
+                                        <p:tav tm="0" fmla="#ppt_y-sin(pi*$)/27">
+                                          <p:val>
+                                            <p:fltVal val="0"/>
+                                          </p:val>
+                                        </p:tav>
+                                        <p:tav tm="100000">
+                                          <p:val>
+                                            <p:fltVal val="1"/>
+                                          </p:val>
+                                        </p:tav>
+                                      </p:tavLst>
+                                    </p:anim>
+                                    <p:anim calcmode="lin" valueType="num">
+                                      <p:cBhvr>
+                                        <p:cTn id="40" dur="164" tmFilter="0, 0; 0.125,0.2665; 0.25,0.4; 0.375,0.465; 0.5,0.5;  0.625,0.535; 0.75,0.6; 0.875,0.7335; 1,1">
+                                          <p:stCondLst>
+                                            <p:cond delay="1656"/>
+                                          </p:stCondLst>
+                                        </p:cTn>
+                                        <p:tgtEl>
+                                          <p:spTgt spid="8"/>
+                                        </p:tgtEl>
+                                        <p:attrNameLst>
+                                          <p:attrName>ppt_y</p:attrName>
+                                        </p:attrNameLst>
+                                      </p:cBhvr>
+                                      <p:tavLst>
+                                        <p:tav tm="0" fmla="#ppt_y-sin(pi*$)/81">
+                                          <p:val>
+                                            <p:fltVal val="0"/>
+                                          </p:val>
+                                        </p:tav>
+                                        <p:tav tm="100000">
+                                          <p:val>
+                                            <p:fltVal val="1"/>
+                                          </p:val>
+                                        </p:tav>
+                                      </p:tavLst>
+                                    </p:anim>
+                                    <p:animScale>
+                                      <p:cBhvr>
+                                        <p:cTn id="41" dur="26">
+                                          <p:stCondLst>
+                                            <p:cond delay="650"/>
+                                          </p:stCondLst>
+                                        </p:cTn>
+                                        <p:tgtEl>
+                                          <p:spTgt spid="8"/>
+                                        </p:tgtEl>
+                                      </p:cBhvr>
+                                      <p:to x="100000" y="60000"/>
+                                    </p:animScale>
+                                    <p:animScale>
+                                      <p:cBhvr>
+                                        <p:cTn id="42" dur="166" decel="50000">
+                                          <p:stCondLst>
+                                            <p:cond delay="676"/>
+                                          </p:stCondLst>
+                                        </p:cTn>
+                                        <p:tgtEl>
+                                          <p:spTgt spid="8"/>
+                                        </p:tgtEl>
+                                      </p:cBhvr>
+                                      <p:to x="100000" y="100000"/>
+                                    </p:animScale>
+                                    <p:animScale>
+                                      <p:cBhvr>
+                                        <p:cTn id="43" dur="26">
+                                          <p:stCondLst>
+                                            <p:cond delay="1312"/>
+                                          </p:stCondLst>
+                                        </p:cTn>
+                                        <p:tgtEl>
+                                          <p:spTgt spid="8"/>
+                                        </p:tgtEl>
+                                      </p:cBhvr>
+                                      <p:to x="100000" y="80000"/>
+                                    </p:animScale>
+                                    <p:animScale>
+                                      <p:cBhvr>
+                                        <p:cTn id="44" dur="166" decel="50000">
+                                          <p:stCondLst>
+                                            <p:cond delay="1338"/>
+                                          </p:stCondLst>
+                                        </p:cTn>
+                                        <p:tgtEl>
+                                          <p:spTgt spid="8"/>
+                                        </p:tgtEl>
+                                      </p:cBhvr>
+                                      <p:to x="100000" y="100000"/>
+                                    </p:animScale>
+                                    <p:animScale>
+                                      <p:cBhvr>
+                                        <p:cTn id="45" dur="26">
+                                          <p:stCondLst>
+                                            <p:cond delay="1642"/>
+                                          </p:stCondLst>
+                                        </p:cTn>
+                                        <p:tgtEl>
+                                          <p:spTgt spid="8"/>
+                                        </p:tgtEl>
+                                      </p:cBhvr>
+                                      <p:to x="100000" y="90000"/>
+                                    </p:animScale>
+                                    <p:animScale>
+                                      <p:cBhvr>
+                                        <p:cTn id="46" dur="166" decel="50000">
+                                          <p:stCondLst>
+                                            <p:cond delay="1668"/>
+                                          </p:stCondLst>
+                                        </p:cTn>
+                                        <p:tgtEl>
+                                          <p:spTgt spid="8"/>
+                                        </p:tgtEl>
+                                      </p:cBhvr>
+                                      <p:to x="100000" y="100000"/>
+                                    </p:animScale>
+                                    <p:animScale>
+                                      <p:cBhvr>
+                                        <p:cTn id="47" dur="26">
+                                          <p:stCondLst>
+                                            <p:cond delay="1808"/>
+                                          </p:stCondLst>
+                                        </p:cTn>
+                                        <p:tgtEl>
+                                          <p:spTgt spid="8"/>
+                                        </p:tgtEl>
+                                      </p:cBhvr>
+                                      <p:to x="100000" y="95000"/>
+                                    </p:animScale>
+                                    <p:animScale>
+                                      <p:cBhvr>
+                                        <p:cTn id="48" dur="166" decel="50000">
+                                          <p:stCondLst>
+                                            <p:cond delay="1834"/>
+                                          </p:stCondLst>
+                                        </p:cTn>
+                                        <p:tgtEl>
+                                          <p:spTgt spid="8"/>
+                                        </p:tgtEl>
+                                      </p:cBhvr>
+                                      <p:to x="100000" y="100000"/>
+                                    </p:animScale>
+                                  </p:childTnLst>
+                                </p:cTn>
+                              </p:par>
+                              <p:par>
+                                <p:cTn id="49" presetID="45" presetClass="entr" presetSubtype="0" fill="hold" nodeType="withEffect">
+                                  <p:stCondLst>
+                                    <p:cond delay="0"/>
+                                  </p:stCondLst>
+                                  <p:childTnLst>
+                                    <p:set>
+                                      <p:cBhvr>
+                                        <p:cTn id="50" dur="1" fill="hold">
+                                          <p:stCondLst>
+                                            <p:cond delay="0"/>
+                                          </p:stCondLst>
+                                        </p:cTn>
+                                        <p:tgtEl>
+                                          <p:spTgt spid="9"/>
+                                        </p:tgtEl>
+                                        <p:attrNameLst>
+                                          <p:attrName>style.visibility</p:attrName>
+                                        </p:attrNameLst>
+                                      </p:cBhvr>
+                                      <p:to>
+                                        <p:strVal val="visible"/>
+                                      </p:to>
+                                    </p:set>
+                                    <p:animEffect transition="in" filter="fade">
+                                      <p:cBhvr>
+                                        <p:cTn id="51" dur="2000"/>
+                                        <p:tgtEl>
+                                          <p:spTgt spid="9"/>
+                                        </p:tgtEl>
+                                      </p:cBhvr>
+                                    </p:animEffect>
+                                    <p:anim calcmode="lin" valueType="num">
+                                      <p:cBhvr>
+                                        <p:cTn id="52" dur="2000" fill="hold"/>
+                                        <p:tgtEl>
+                                          <p:spTgt spid="9"/>
+                                        </p:tgtEl>
+                                        <p:attrNameLst>
+                                          <p:attrName>ppt_w</p:attrName>
+                                        </p:attrNameLst>
+                                      </p:cBhvr>
+                                      <p:tavLst>
+                                        <p:tav tm="0" fmla="#ppt_w*sin(2.5*pi*$)">
+                                          <p:val>
+                                            <p:fltVal val="0"/>
+                                          </p:val>
+                                        </p:tav>
+                                        <p:tav tm="100000">
+                                          <p:val>
+                                            <p:fltVal val="1"/>
+                                          </p:val>
+                                        </p:tav>
+                                      </p:tavLst>
+                                    </p:anim>
+                                    <p:anim calcmode="lin" valueType="num">
+                                      <p:cBhvr>
+                                        <p:cTn id="53" dur="2000" fill="hold"/>
+                                        <p:tgtEl>
+                                          <p:spTgt spid="9"/>
+                                        </p:tgtEl>
+                                        <p:attrNameLst>
+                                          <p:attrName>ppt_h</p:attrName>
+                                        </p:attrNameLst>
+                                      </p:cBhvr>
+                                      <p:tavLst>
+                                        <p:tav tm="0">
+                                          <p:val>
+                                            <p:strVal val="#ppt_h"/>
+                                          </p:val>
+                                        </p:tav>
+                                        <p:tav tm="100000">
+                                          <p:val>
+                                            <p:strVal val="#ppt_h"/>
+                                          </p:val>
+                                        </p:tav>
+                                      </p:tavLst>
+                                    </p:anim>
+                                  </p:childTnLst>
+                                </p:cTn>
+                              </p:par>
+                              <p:par>
+                                <p:cTn id="54" presetID="2" presetClass="entr" presetSubtype="4" fill="hold" grpId="0" nodeType="withEffect">
+                                  <p:stCondLst>
+                                    <p:cond delay="0"/>
+                                  </p:stCondLst>
+                                  <p:childTnLst>
+                                    <p:set>
+                                      <p:cBhvr>
+                                        <p:cTn id="55" dur="1" fill="hold">
+                                          <p:stCondLst>
+                                            <p:cond delay="0"/>
+                                          </p:stCondLst>
+                                        </p:cTn>
+                                        <p:tgtEl>
+                                          <p:spTgt spid="11"/>
+                                        </p:tgtEl>
+                                        <p:attrNameLst>
+                                          <p:attrName>style.visibility</p:attrName>
+                                        </p:attrNameLst>
+                                      </p:cBhvr>
+                                      <p:to>
+                                        <p:strVal val="visible"/>
+                                      </p:to>
+                                    </p:set>
+                                    <p:anim calcmode="lin" valueType="num">
+                                      <p:cBhvr additive="base">
+                                        <p:cTn id="56" dur="500" fill="hold"/>
+                                        <p:tgtEl>
+                                          <p:spTgt spid="11"/>
+                                        </p:tgtEl>
+                                        <p:attrNameLst>
+                                          <p:attrName>ppt_x</p:attrName>
+                                        </p:attrNameLst>
+                                      </p:cBhvr>
+                                      <p:tavLst>
+                                        <p:tav tm="0">
+                                          <p:val>
+                                            <p:strVal val="#ppt_x"/>
+                                          </p:val>
+                                        </p:tav>
+                                        <p:tav tm="100000">
+                                          <p:val>
+                                            <p:strVal val="#ppt_x"/>
+                                          </p:val>
+                                        </p:tav>
+                                      </p:tavLst>
+                                    </p:anim>
+                                    <p:anim calcmode="lin" valueType="num">
+                                      <p:cBhvr additive="base">
+                                        <p:cTn id="57" dur="500" fill="hold"/>
+                                        <p:tgtEl>
+                                          <p:spTgt spid="11"/>
+                                        </p:tgtEl>
+                                        <p:attrNameLst>
+                                          <p:attrName>ppt_y</p:attrName>
+                                        </p:attrNameLst>
+                                      </p:cBhvr>
+                                      <p:tavLst>
+                                        <p:tav tm="0">
+                                          <p:val>
+                                            <p:strVal val="1+#ppt_h/2"/>
+                                          </p:val>
+                                        </p:tav>
+                                        <p:tav tm="100000">
+                                          <p:val>
+                                            <p:strVal val="#ppt_y"/>
+                                          </p:val>
+                                        </p:tav>
+                                      </p:tavLst>
+                                    </p:anim>
+                                  </p:childTnLst>
+                                </p:cTn>
+                              </p:par>
+                              <p:par>
+                                <p:cTn id="58" presetID="26" presetClass="entr" presetSubtype="0" fill="hold" nodeType="withEffect">
+                                  <p:stCondLst>
+                                    <p:cond delay="0"/>
+                                  </p:stCondLst>
+                                  <p:childTnLst>
+                                    <p:set>
+                                      <p:cBhvr>
+                                        <p:cTn id="59" dur="1" fill="hold">
+                                          <p:stCondLst>
+                                            <p:cond delay="0"/>
+                                          </p:stCondLst>
+                                        </p:cTn>
+                                        <p:tgtEl>
+                                          <p:spTgt spid="10"/>
+                                        </p:tgtEl>
+                                        <p:attrNameLst>
+                                          <p:attrName>style.visibility</p:attrName>
+                                        </p:attrNameLst>
+                                      </p:cBhvr>
+                                      <p:to>
+                                        <p:strVal val="visible"/>
+                                      </p:to>
+                                    </p:set>
+                                    <p:animEffect transition="in" filter="wipe(down)">
+                                      <p:cBhvr>
+                                        <p:cTn id="60" dur="580">
+                                          <p:stCondLst>
+                                            <p:cond delay="0"/>
+                                          </p:stCondLst>
+                                        </p:cTn>
+                                        <p:tgtEl>
+                                          <p:spTgt spid="10"/>
+                                        </p:tgtEl>
+                                      </p:cBhvr>
+                                    </p:animEffect>
+                                    <p:anim calcmode="lin" valueType="num">
+                                      <p:cBhvr>
+                                        <p:cTn id="61" dur="1822" tmFilter="0,0; 0.14,0.36; 0.43,0.73; 0.71,0.91; 1.0,1.0">
+                                          <p:stCondLst>
+                                            <p:cond delay="0"/>
+                                          </p:stCondLst>
+                                        </p:cTn>
+                                        <p:tgtEl>
+                                          <p:spTgt spid="10"/>
+                                        </p:tgtEl>
+                                        <p:attrNameLst>
+                                          <p:attrName>ppt_x</p:attrName>
+                                        </p:attrNameLst>
+                                      </p:cBhvr>
+                                      <p:tavLst>
+                                        <p:tav tm="0">
+                                          <p:val>
+                                            <p:strVal val="#ppt_x-0.25"/>
+                                          </p:val>
+                                        </p:tav>
+                                        <p:tav tm="100000">
+                                          <p:val>
+                                            <p:strVal val="#ppt_x"/>
+                                          </p:val>
+                                        </p:tav>
+                                      </p:tavLst>
+                                    </p:anim>
+                                    <p:anim calcmode="lin" valueType="num">
+                                      <p:cBhvr>
+                                        <p:cTn id="62" dur="664" tmFilter="0.0,0.0; 0.25,0.07; 0.50,0.2; 0.75,0.467; 1.0,1.0">
+                                          <p:stCondLst>
+                                            <p:cond delay="0"/>
+                                          </p:stCondLst>
+                                        </p:cTn>
+                                        <p:tgtEl>
+                                          <p:spTgt spid="10"/>
+                                        </p:tgtEl>
+                                        <p:attrNameLst>
+                                          <p:attrName>ppt_y</p:attrName>
+                                        </p:attrNameLst>
+                                      </p:cBhvr>
+                                      <p:tavLst>
+                                        <p:tav tm="0" fmla="#ppt_y-sin(pi*$)/3">
+                                          <p:val>
+                                            <p:fltVal val="0.5"/>
+                                          </p:val>
+                                        </p:tav>
+                                        <p:tav tm="100000">
+                                          <p:val>
+                                            <p:fltVal val="1"/>
+                                          </p:val>
+                                        </p:tav>
+                                      </p:tavLst>
+                                    </p:anim>
+                                    <p:anim calcmode="lin" valueType="num">
+                                      <p:cBhvr>
+                                        <p:cTn id="63" dur="664" tmFilter="0, 0; 0.125,0.2665; 0.25,0.4; 0.375,0.465; 0.5,0.5;  0.625,0.535; 0.75,0.6; 0.875,0.7335; 1,1">
+                                          <p:stCondLst>
+                                            <p:cond delay="664"/>
+                                          </p:stCondLst>
+                                        </p:cTn>
+                                        <p:tgtEl>
+                                          <p:spTgt spid="10"/>
+                                        </p:tgtEl>
+                                        <p:attrNameLst>
+                                          <p:attrName>ppt_y</p:attrName>
+                                        </p:attrNameLst>
+                                      </p:cBhvr>
+                                      <p:tavLst>
+                                        <p:tav tm="0" fmla="#ppt_y-sin(pi*$)/9">
+                                          <p:val>
+                                            <p:fltVal val="0"/>
+                                          </p:val>
+                                        </p:tav>
+                                        <p:tav tm="100000">
+                                          <p:val>
+                                            <p:fltVal val="1"/>
+                                          </p:val>
+                                        </p:tav>
+                                      </p:tavLst>
+                                    </p:anim>
+                                    <p:anim calcmode="lin" valueType="num">
+                                      <p:cBhvr>
+                                        <p:cTn id="64" dur="332" tmFilter="0, 0; 0.125,0.2665; 0.25,0.4; 0.375,0.465; 0.5,0.5;  0.625,0.535; 0.75,0.6; 0.875,0.7335; 1,1">
+                                          <p:stCondLst>
+                                            <p:cond delay="1324"/>
+                                          </p:stCondLst>
+                                        </p:cTn>
+                                        <p:tgtEl>
+                                          <p:spTgt spid="10"/>
+                                        </p:tgtEl>
+                                        <p:attrNameLst>
+                                          <p:attrName>ppt_y</p:attrName>
+                                        </p:attrNameLst>
+                                      </p:cBhvr>
+                                      <p:tavLst>
+                                        <p:tav tm="0" fmla="#ppt_y-sin(pi*$)/27">
+                                          <p:val>
+                                            <p:fltVal val="0"/>
+                                          </p:val>
+                                        </p:tav>
+                                        <p:tav tm="100000">
+                                          <p:val>
+                                            <p:fltVal val="1"/>
+                                          </p:val>
+                                        </p:tav>
+                                      </p:tavLst>
+                                    </p:anim>
+                                    <p:anim calcmode="lin" valueType="num">
+                                      <p:cBhvr>
+                                        <p:cTn id="65" dur="164" tmFilter="0, 0; 0.125,0.2665; 0.25,0.4; 0.375,0.465; 0.5,0.5;  0.625,0.535; 0.75,0.6; 0.875,0.7335; 1,1">
+                                          <p:stCondLst>
+                                            <p:cond delay="1656"/>
+                                          </p:stCondLst>
+                                        </p:cTn>
+                                        <p:tgtEl>
+                                          <p:spTgt spid="10"/>
+                                        </p:tgtEl>
+                                        <p:attrNameLst>
+                                          <p:attrName>ppt_y</p:attrName>
+                                        </p:attrNameLst>
+                                      </p:cBhvr>
+                                      <p:tavLst>
+                                        <p:tav tm="0" fmla="#ppt_y-sin(pi*$)/81">
+                                          <p:val>
+                                            <p:fltVal val="0"/>
+                                          </p:val>
+                                        </p:tav>
+                                        <p:tav tm="100000">
+                                          <p:val>
+                                            <p:fltVal val="1"/>
+                                          </p:val>
+                                        </p:tav>
+                                      </p:tavLst>
+                                    </p:anim>
+                                    <p:animScale>
+                                      <p:cBhvr>
+                                        <p:cTn id="66" dur="26">
+                                          <p:stCondLst>
+                                            <p:cond delay="650"/>
+                                          </p:stCondLst>
+                                        </p:cTn>
+                                        <p:tgtEl>
+                                          <p:spTgt spid="10"/>
+                                        </p:tgtEl>
+                                      </p:cBhvr>
+                                      <p:to x="100000" y="60000"/>
+                                    </p:animScale>
+                                    <p:animScale>
+                                      <p:cBhvr>
+                                        <p:cTn id="67" dur="166" decel="50000">
+                                          <p:stCondLst>
+                                            <p:cond delay="676"/>
+                                          </p:stCondLst>
+                                        </p:cTn>
+                                        <p:tgtEl>
+                                          <p:spTgt spid="10"/>
+                                        </p:tgtEl>
+                                      </p:cBhvr>
+                                      <p:to x="100000" y="100000"/>
+                                    </p:animScale>
+                                    <p:animScale>
+                                      <p:cBhvr>
+                                        <p:cTn id="68" dur="26">
+                                          <p:stCondLst>
+                                            <p:cond delay="1312"/>
+                                          </p:stCondLst>
+                                        </p:cTn>
+                                        <p:tgtEl>
+                                          <p:spTgt spid="10"/>
+                                        </p:tgtEl>
+                                      </p:cBhvr>
+                                      <p:to x="100000" y="80000"/>
+                                    </p:animScale>
+                                    <p:animScale>
+                                      <p:cBhvr>
+                                        <p:cTn id="69" dur="166" decel="50000">
+                                          <p:stCondLst>
+                                            <p:cond delay="1338"/>
+                                          </p:stCondLst>
+                                        </p:cTn>
+                                        <p:tgtEl>
+                                          <p:spTgt spid="10"/>
+                                        </p:tgtEl>
+                                      </p:cBhvr>
+                                      <p:to x="100000" y="100000"/>
+                                    </p:animScale>
+                                    <p:animScale>
+                                      <p:cBhvr>
+                                        <p:cTn id="70" dur="26">
+                                          <p:stCondLst>
+                                            <p:cond delay="1642"/>
+                                          </p:stCondLst>
+                                        </p:cTn>
+                                        <p:tgtEl>
+                                          <p:spTgt spid="10"/>
+                                        </p:tgtEl>
+                                      </p:cBhvr>
+                                      <p:to x="100000" y="90000"/>
+                                    </p:animScale>
+                                    <p:animScale>
+                                      <p:cBhvr>
+                                        <p:cTn id="71" dur="166" decel="50000">
+                                          <p:stCondLst>
+                                            <p:cond delay="1668"/>
+                                          </p:stCondLst>
+                                        </p:cTn>
+                                        <p:tgtEl>
+                                          <p:spTgt spid="10"/>
+                                        </p:tgtEl>
+                                      </p:cBhvr>
+                                      <p:to x="100000" y="100000"/>
+                                    </p:animScale>
+                                    <p:animScale>
+                                      <p:cBhvr>
+                                        <p:cTn id="72" dur="26">
+                                          <p:stCondLst>
+                                            <p:cond delay="1808"/>
+                                          </p:stCondLst>
+                                        </p:cTn>
+                                        <p:tgtEl>
+                                          <p:spTgt spid="10"/>
+                                        </p:tgtEl>
+                                      </p:cBhvr>
+                                      <p:to x="100000" y="95000"/>
+                                    </p:animScale>
+                                    <p:animScale>
+                                      <p:cBhvr>
+                                        <p:cTn id="73" dur="166" decel="50000">
+                                          <p:stCondLst>
+                                            <p:cond delay="1834"/>
+                                          </p:stCondLst>
+                                        </p:cTn>
+                                        <p:tgtEl>
+                                          <p:spTgt spid="10"/>
+                                        </p:tgtEl>
+                                      </p:cBhvr>
+                                      <p:to x="100000" y="100000"/>
+                                    </p:animScale>
+                                  </p:childTnLst>
+                                </p:cTn>
+                              </p:par>
+                              <p:par>
+                                <p:cTn id="74" presetID="2" presetClass="entr" presetSubtype="4" fill="hold" grpId="0" nodeType="withEffect">
+                                  <p:stCondLst>
+                                    <p:cond delay="0"/>
+                                  </p:stCondLst>
+                                  <p:childTnLst>
+                                    <p:set>
+                                      <p:cBhvr>
+                                        <p:cTn id="75" dur="1" fill="hold">
+                                          <p:stCondLst>
+                                            <p:cond delay="0"/>
+                                          </p:stCondLst>
+                                        </p:cTn>
+                                        <p:tgtEl>
+                                          <p:spTgt spid="12"/>
+                                        </p:tgtEl>
+                                        <p:attrNameLst>
+                                          <p:attrName>style.visibility</p:attrName>
+                                        </p:attrNameLst>
+                                      </p:cBhvr>
+                                      <p:to>
+                                        <p:strVal val="visible"/>
+                                      </p:to>
+                                    </p:set>
+                                    <p:anim calcmode="lin" valueType="num">
+                                      <p:cBhvr additive="base">
+                                        <p:cTn id="76" dur="500" fill="hold"/>
+                                        <p:tgtEl>
+                                          <p:spTgt spid="12"/>
+                                        </p:tgtEl>
+                                        <p:attrNameLst>
+                                          <p:attrName>ppt_x</p:attrName>
+                                        </p:attrNameLst>
+                                      </p:cBhvr>
+                                      <p:tavLst>
+                                        <p:tav tm="0">
+                                          <p:val>
+                                            <p:strVal val="#ppt_x"/>
+                                          </p:val>
+                                        </p:tav>
+                                        <p:tav tm="100000">
+                                          <p:val>
+                                            <p:strVal val="#ppt_x"/>
+                                          </p:val>
+                                        </p:tav>
+                                      </p:tavLst>
+                                    </p:anim>
+                                    <p:anim calcmode="lin" valueType="num">
+                                      <p:cBhvr additive="base">
+                                        <p:cTn id="77" dur="500" fill="hold"/>
+                                        <p:tgtEl>
+                                          <p:spTgt spid="12"/>
+                                        </p:tgtEl>
+                                        <p:attrNameLst>
+                                          <p:attrName>ppt_y</p:attrName>
+                                        </p:attrNameLst>
+                                      </p:cBhvr>
+                                      <p:tavLst>
+                                        <p:tav tm="0">
+                                          <p:val>
+                                            <p:strVal val="1+#ppt_h/2"/>
+                                          </p:val>
+                                        </p:tav>
+                                        <p:tav tm="100000">
+                                          <p:val>
+                                            <p:strVal val="#ppt_y"/>
+                                          </p:val>
+                                        </p:tav>
+                                      </p:tavLst>
+                                    </p:anim>
+                                  </p:childTnLst>
+                                </p:cTn>
+                              </p:par>
+                              <p:par>
+                                <p:cTn id="78" presetID="53" presetClass="entr" presetSubtype="16" fill="hold" nodeType="withEffect">
+                                  <p:stCondLst>
+                                    <p:cond delay="0"/>
+                                  </p:stCondLst>
+                                  <p:childTnLst>
+                                    <p:set>
+                                      <p:cBhvr>
+                                        <p:cTn id="79" dur="1" fill="hold">
+                                          <p:stCondLst>
+                                            <p:cond delay="0"/>
+                                          </p:stCondLst>
+                                        </p:cTn>
+                                        <p:tgtEl>
+                                          <p:spTgt spid="13"/>
+                                        </p:tgtEl>
+                                        <p:attrNameLst>
+                                          <p:attrName>style.visibility</p:attrName>
+                                        </p:attrNameLst>
+                                      </p:cBhvr>
+                                      <p:to>
+                                        <p:strVal val="visible"/>
+                                      </p:to>
+                                    </p:set>
+                                    <p:anim calcmode="lin" valueType="num">
+                                      <p:cBhvr>
+                                        <p:cTn id="80" dur="500" fill="hold"/>
+                                        <p:tgtEl>
+                                          <p:spTgt spid="13"/>
+                                        </p:tgtEl>
+                                        <p:attrNameLst>
+                                          <p:attrName>ppt_w</p:attrName>
+                                        </p:attrNameLst>
+                                      </p:cBhvr>
+                                      <p:tavLst>
+                                        <p:tav tm="0">
+                                          <p:val>
+                                            <p:fltVal val="0"/>
+                                          </p:val>
+                                        </p:tav>
+                                        <p:tav tm="100000">
+                                          <p:val>
+                                            <p:strVal val="#ppt_w"/>
+                                          </p:val>
+                                        </p:tav>
+                                      </p:tavLst>
+                                    </p:anim>
+                                    <p:anim calcmode="lin" valueType="num">
+                                      <p:cBhvr>
+                                        <p:cTn id="81" dur="500" fill="hold"/>
+                                        <p:tgtEl>
+                                          <p:spTgt spid="13"/>
+                                        </p:tgtEl>
+                                        <p:attrNameLst>
+                                          <p:attrName>ppt_h</p:attrName>
+                                        </p:attrNameLst>
+                                      </p:cBhvr>
+                                      <p:tavLst>
+                                        <p:tav tm="0">
+                                          <p:val>
+                                            <p:fltVal val="0"/>
+                                          </p:val>
+                                        </p:tav>
+                                        <p:tav tm="100000">
+                                          <p:val>
+                                            <p:strVal val="#ppt_h"/>
+                                          </p:val>
+                                        </p:tav>
+                                      </p:tavLst>
+                                    </p:anim>
+                                    <p:animEffect transition="in" filter="fade">
+                                      <p:cBhvr>
+                                        <p:cTn id="82" dur="500"/>
+                                        <p:tgtEl>
+                                          <p:spTgt spid="13"/>
+                                        </p:tgtEl>
+                                      </p:cBhvr>
+                                    </p:animEffect>
+                                  </p:childTnLst>
+                                </p:cTn>
+                              </p:par>
+                              <p:par>
+                                <p:cTn id="83" presetID="6" presetClass="entr" presetSubtype="16" fill="hold" grpId="0" nodeType="withEffect">
+                                  <p:stCondLst>
+                                    <p:cond delay="0"/>
+                                  </p:stCondLst>
+                                  <p:childTnLst>
+                                    <p:set>
+                                      <p:cBhvr>
+                                        <p:cTn id="84" dur="1" fill="hold">
+                                          <p:stCondLst>
+                                            <p:cond delay="0"/>
+                                          </p:stCondLst>
+                                        </p:cTn>
+                                        <p:tgtEl>
+                                          <p:spTgt spid="14"/>
+                                        </p:tgtEl>
+                                        <p:attrNameLst>
+                                          <p:attrName>style.visibility</p:attrName>
+                                        </p:attrNameLst>
+                                      </p:cBhvr>
+                                      <p:to>
+                                        <p:strVal val="visible"/>
+                                      </p:to>
+                                    </p:set>
+                                    <p:animEffect transition="in" filter="circle(in)">
+                                      <p:cBhvr>
+                                        <p:cTn id="85" dur="2000"/>
+                                        <p:tgtEl>
+                                          <p:spTgt spid="14"/>
+                                        </p:tgtEl>
+                                      </p:cBhvr>
+                                    </p:animEffect>
+                                  </p:childTnLst>
+                                </p:cTn>
+                              </p:par>
+                            </p:childTnLst>
+                          </p:cTn>
+                        </p:par>
+                      </p:childTnLst>
+                    </p:cTn>
+                  </p:par>
+                </p:childTnLst>
+              </p:cTn>
+              <p:prevCondLst>
+                <p:cond evt="onPrev" delay="0">
+                  <p:tgtEl>
+                    <p:sldTgt/>
+                  </p:tgtEl>
+                </p:cond>
+              </p:prevCondLst>
+              <p:nextCondLst>
+                <p:cond evt="onNext" delay="0">
+                  <p:tgtEl>
+                    <p:sldTgt/>
+                  </p:tgtEl>
+                </p:cond>
+              </p:nextCondLst>
+            </p:seq>
+          </p:childTnLst>
+        </p:cTn>
+      </p:par>
+    </p:tnLst>
+    <p:bldLst>
+      <p:bldP spid="11" grpId="0"/>
+      <p:bldP spid="12" grpId="0"/>
+      <p:bldP spid="14" grpId="0"/>
+    </p:bldLst>
   </p:timing>
 </p:sld>
 </file>
@@ -30392,1983 +31728,6 @@
 </p:sld>
 </file>
 
-<file path=ppt/slides/slide30.xml><?xml version="1.0" encoding="utf-8"?>
-<p:sld xmlns:a="http://schemas.openxmlformats.org/drawingml/2006/main" xmlns:r="http://schemas.openxmlformats.org/officeDocument/2006/relationships" xmlns:p="http://schemas.openxmlformats.org/presentationml/2006/main">
-  <p:cSld>
-    <p:bg>
-      <p:bgPr>
-        <a:solidFill>
-          <a:srgbClr val="00559B"/>
-        </a:solidFill>
-        <a:effectLst/>
-      </p:bgPr>
-    </p:bg>
-    <p:spTree>
-      <p:nvGrpSpPr>
-        <p:cNvPr id="1" name="Shape 907"/>
-        <p:cNvGrpSpPr/>
-        <p:nvPr/>
-      </p:nvGrpSpPr>
-      <p:grpSpPr>
-        <a:xfrm>
-          <a:off x="0" y="0"/>
-          <a:ext cx="0" cy="0"/>
-          <a:chOff x="0" y="0"/>
-          <a:chExt cx="0" cy="0"/>
-        </a:xfrm>
-      </p:grpSpPr>
-      <p:sp>
-        <p:nvSpPr>
-          <p:cNvPr id="908" name="Google Shape;908;p62"/>
-          <p:cNvSpPr txBox="1">
-            <a:spLocks noGrp="1"/>
-          </p:cNvSpPr>
-          <p:nvPr>
-            <p:ph type="title"/>
-          </p:nvPr>
-        </p:nvSpPr>
-        <p:spPr>
-          <a:xfrm>
-            <a:off x="197850" y="275612"/>
-            <a:ext cx="11796300" cy="1113600"/>
-          </a:xfrm>
-          <a:prstGeom prst="rect">
-            <a:avLst/>
-          </a:prstGeom>
-          <a:noFill/>
-          <a:ln>
-            <a:noFill/>
-          </a:ln>
-        </p:spPr>
-        <p:txBody>
-          <a:bodyPr spcFirstLastPara="1" wrap="square" lIns="91425" tIns="45700" rIns="91425" bIns="45700" anchor="ctr" anchorCtr="0">
-            <a:noAutofit/>
-          </a:bodyPr>
-          <a:lstStyle/>
-          <a:p>
-            <a:pPr marL="0" lvl="0" indent="0" algn="ctr" rtl="0">
-              <a:lnSpc>
-                <a:spcPct val="90000"/>
-              </a:lnSpc>
-              <a:spcBef>
-                <a:spcPts val="0"/>
-              </a:spcBef>
-              <a:spcAft>
-                <a:spcPts val="0"/>
-              </a:spcAft>
-              <a:buClr>
-                <a:schemeClr val="lt2"/>
-              </a:buClr>
-              <a:buSzPts val="6600"/>
-              <a:buFont typeface="Raleway"/>
-              <a:buNone/>
-            </a:pPr>
-            <a:r>
-              <a:rPr lang="en-US" i="0" dirty="0" err="1"/>
-              <a:t>Obrigado</a:t>
-            </a:r>
-            <a:endParaRPr i="0" dirty="0"/>
-          </a:p>
-        </p:txBody>
-      </p:sp>
-      <p:pic>
-        <p:nvPicPr>
-          <p:cNvPr id="910" name="Google Shape;910;p62"/>
-          <p:cNvPicPr preferRelativeResize="0"/>
-          <p:nvPr/>
-        </p:nvPicPr>
-        <p:blipFill>
-          <a:blip r:embed="rId3">
-            <a:alphaModFix/>
-          </a:blip>
-          <a:stretch>
-            <a:fillRect/>
-          </a:stretch>
-        </p:blipFill>
-        <p:spPr>
-          <a:xfrm>
-            <a:off x="10761800" y="5543025"/>
-            <a:ext cx="834925" cy="887700"/>
-          </a:xfrm>
-          <a:prstGeom prst="rect">
-            <a:avLst/>
-          </a:prstGeom>
-          <a:noFill/>
-          <a:ln>
-            <a:noFill/>
-          </a:ln>
-        </p:spPr>
-      </p:pic>
-      <p:pic>
-        <p:nvPicPr>
-          <p:cNvPr id="5" name="Picture 2" descr="https://avatars0.githubusercontent.com/u/2637049?s=460&amp;v=4">
-            <a:extLst>
-              <a:ext uri="{FF2B5EF4-FFF2-40B4-BE49-F238E27FC236}">
-                <a16:creationId xmlns:a16="http://schemas.microsoft.com/office/drawing/2014/main" id="{DA9B6F5D-1E60-44F2-81B8-27F0E7E8924D}"/>
-              </a:ext>
-            </a:extLst>
-          </p:cNvPr>
-          <p:cNvPicPr>
-            <a:picLocks noChangeAspect="1" noChangeArrowheads="1"/>
-          </p:cNvPicPr>
-          <p:nvPr/>
-        </p:nvPicPr>
-        <p:blipFill>
-          <a:blip r:embed="rId4">
-            <a:extLst>
-              <a:ext uri="{28A0092B-C50C-407E-A947-70E740481C1C}">
-                <a14:useLocalDpi xmlns:a14="http://schemas.microsoft.com/office/drawing/2010/main" val="0"/>
-              </a:ext>
-            </a:extLst>
-          </a:blip>
-          <a:srcRect/>
-          <a:stretch>
-            <a:fillRect/>
-          </a:stretch>
-        </p:blipFill>
-        <p:spPr bwMode="auto">
-          <a:xfrm>
-            <a:off x="372853" y="1909555"/>
-            <a:ext cx="3038889" cy="3038889"/>
-          </a:xfrm>
-          <a:prstGeom prst="roundRect">
-            <a:avLst>
-              <a:gd name="adj" fmla="val 4167"/>
-            </a:avLst>
-          </a:prstGeom>
-          <a:solidFill>
-            <a:srgbClr val="FFFFFF"/>
-          </a:solidFill>
-          <a:ln w="76200" cap="sq">
-            <a:solidFill>
-              <a:srgbClr val="EAEAEA"/>
-            </a:solidFill>
-            <a:miter lim="800000"/>
-          </a:ln>
-          <a:effectLst>
-            <a:reflection blurRad="12700" stA="33000" endPos="28000" dist="5000" dir="5400000" sy="-100000" algn="bl" rotWithShape="0"/>
-          </a:effectLst>
-          <a:scene3d>
-            <a:camera prst="orthographicFront"/>
-            <a:lightRig rig="threePt" dir="t">
-              <a:rot lat="0" lon="0" rev="2700000"/>
-            </a:lightRig>
-          </a:scene3d>
-          <a:sp3d contourW="6350">
-            <a:bevelT h="38100"/>
-            <a:contourClr>
-              <a:srgbClr val="C0C0C0"/>
-            </a:contourClr>
-          </a:sp3d>
-        </p:spPr>
-      </p:pic>
-      <p:pic>
-        <p:nvPicPr>
-          <p:cNvPr id="6" name="Picture 4" descr="Resultado de imagem para github thumb">
-            <a:extLst>
-              <a:ext uri="{FF2B5EF4-FFF2-40B4-BE49-F238E27FC236}">
-                <a16:creationId xmlns:a16="http://schemas.microsoft.com/office/drawing/2014/main" id="{6958160B-D27F-4947-A9A8-84FF0ACC5432}"/>
-              </a:ext>
-            </a:extLst>
-          </p:cNvPr>
-          <p:cNvPicPr>
-            <a:picLocks noChangeAspect="1" noChangeArrowheads="1"/>
-          </p:cNvPicPr>
-          <p:nvPr/>
-        </p:nvPicPr>
-        <p:blipFill>
-          <a:blip r:embed="rId5">
-            <a:extLst>
-              <a:ext uri="{28A0092B-C50C-407E-A947-70E740481C1C}">
-                <a14:useLocalDpi xmlns:a14="http://schemas.microsoft.com/office/drawing/2010/main" val="0"/>
-              </a:ext>
-            </a:extLst>
-          </a:blip>
-          <a:srcRect/>
-          <a:stretch>
-            <a:fillRect/>
-          </a:stretch>
-        </p:blipFill>
-        <p:spPr bwMode="auto">
-          <a:xfrm>
-            <a:off x="4701451" y="2829262"/>
-            <a:ext cx="660366" cy="660366"/>
-          </a:xfrm>
-          <a:prstGeom prst="rect">
-            <a:avLst/>
-          </a:prstGeom>
-          <a:noFill/>
-          <a:extLst>
-            <a:ext uri="{909E8E84-426E-40DD-AFC4-6F175D3DCCD1}">
-              <a14:hiddenFill xmlns:a14="http://schemas.microsoft.com/office/drawing/2010/main">
-                <a:solidFill>
-                  <a:srgbClr val="FFFFFF"/>
-                </a:solidFill>
-              </a14:hiddenFill>
-            </a:ext>
-          </a:extLst>
-        </p:spPr>
-      </p:pic>
-      <p:pic>
-        <p:nvPicPr>
-          <p:cNvPr id="7" name="Picture 6" descr="Resultado de imagem para facebook icon">
-            <a:extLst>
-              <a:ext uri="{FF2B5EF4-FFF2-40B4-BE49-F238E27FC236}">
-                <a16:creationId xmlns:a16="http://schemas.microsoft.com/office/drawing/2014/main" id="{B5EBB7A2-A574-42B2-9576-B609E1D7BE16}"/>
-              </a:ext>
-            </a:extLst>
-          </p:cNvPr>
-          <p:cNvPicPr>
-            <a:picLocks noChangeAspect="1" noChangeArrowheads="1"/>
-          </p:cNvPicPr>
-          <p:nvPr/>
-        </p:nvPicPr>
-        <p:blipFill>
-          <a:blip r:embed="rId6">
-            <a:extLst>
-              <a:ext uri="{28A0092B-C50C-407E-A947-70E740481C1C}">
-                <a14:useLocalDpi xmlns:a14="http://schemas.microsoft.com/office/drawing/2010/main" val="0"/>
-              </a:ext>
-            </a:extLst>
-          </a:blip>
-          <a:srcRect/>
-          <a:stretch>
-            <a:fillRect/>
-          </a:stretch>
-        </p:blipFill>
-        <p:spPr bwMode="auto">
-          <a:xfrm>
-            <a:off x="3887485" y="2829262"/>
-            <a:ext cx="660366" cy="660366"/>
-          </a:xfrm>
-          <a:prstGeom prst="rect">
-            <a:avLst/>
-          </a:prstGeom>
-          <a:noFill/>
-          <a:extLst>
-            <a:ext uri="{909E8E84-426E-40DD-AFC4-6F175D3DCCD1}">
-              <a14:hiddenFill xmlns:a14="http://schemas.microsoft.com/office/drawing/2010/main">
-                <a:solidFill>
-                  <a:srgbClr val="FFFFFF"/>
-                </a:solidFill>
-              </a14:hiddenFill>
-            </a:ext>
-          </a:extLst>
-        </p:spPr>
-      </p:pic>
-      <p:pic>
-        <p:nvPicPr>
-          <p:cNvPr id="8" name="Picture 12" descr="Resultado de imagem para linkedin icon png">
-            <a:extLst>
-              <a:ext uri="{FF2B5EF4-FFF2-40B4-BE49-F238E27FC236}">
-                <a16:creationId xmlns:a16="http://schemas.microsoft.com/office/drawing/2014/main" id="{8B2F9719-150F-4AE5-8D93-1AA9DEB1D792}"/>
-              </a:ext>
-            </a:extLst>
-          </p:cNvPr>
-          <p:cNvPicPr>
-            <a:picLocks noChangeAspect="1" noChangeArrowheads="1"/>
-          </p:cNvPicPr>
-          <p:nvPr/>
-        </p:nvPicPr>
-        <p:blipFill>
-          <a:blip r:embed="rId7">
-            <a:extLst>
-              <a:ext uri="{28A0092B-C50C-407E-A947-70E740481C1C}">
-                <a14:useLocalDpi xmlns:a14="http://schemas.microsoft.com/office/drawing/2010/main" val="0"/>
-              </a:ext>
-            </a:extLst>
-          </a:blip>
-          <a:srcRect/>
-          <a:stretch>
-            <a:fillRect/>
-          </a:stretch>
-        </p:blipFill>
-        <p:spPr bwMode="auto">
-          <a:xfrm>
-            <a:off x="5507377" y="2805752"/>
-            <a:ext cx="660366" cy="660366"/>
-          </a:xfrm>
-          <a:prstGeom prst="rect">
-            <a:avLst/>
-          </a:prstGeom>
-          <a:noFill/>
-          <a:extLst>
-            <a:ext uri="{909E8E84-426E-40DD-AFC4-6F175D3DCCD1}">
-              <a14:hiddenFill xmlns:a14="http://schemas.microsoft.com/office/drawing/2010/main">
-                <a:solidFill>
-                  <a:srgbClr val="FFFFFF"/>
-                </a:solidFill>
-              </a14:hiddenFill>
-            </a:ext>
-          </a:extLst>
-        </p:spPr>
-      </p:pic>
-      <p:pic>
-        <p:nvPicPr>
-          <p:cNvPr id="9" name="Picture 14" descr="Resultado de imagem para medium icon png">
-            <a:extLst>
-              <a:ext uri="{FF2B5EF4-FFF2-40B4-BE49-F238E27FC236}">
-                <a16:creationId xmlns:a16="http://schemas.microsoft.com/office/drawing/2014/main" id="{1ECADA63-DC53-4022-BA63-B09990D2D455}"/>
-              </a:ext>
-            </a:extLst>
-          </p:cNvPr>
-          <p:cNvPicPr>
-            <a:picLocks noChangeAspect="1" noChangeArrowheads="1"/>
-          </p:cNvPicPr>
-          <p:nvPr/>
-        </p:nvPicPr>
-        <p:blipFill>
-          <a:blip r:embed="rId8">
-            <a:extLst>
-              <a:ext uri="{28A0092B-C50C-407E-A947-70E740481C1C}">
-                <a14:useLocalDpi xmlns:a14="http://schemas.microsoft.com/office/drawing/2010/main" val="0"/>
-              </a:ext>
-            </a:extLst>
-          </a:blip>
-          <a:srcRect/>
-          <a:stretch>
-            <a:fillRect/>
-          </a:stretch>
-        </p:blipFill>
-        <p:spPr bwMode="auto">
-          <a:xfrm>
-            <a:off x="6313303" y="2829263"/>
-            <a:ext cx="660365" cy="660365"/>
-          </a:xfrm>
-          <a:prstGeom prst="rect">
-            <a:avLst/>
-          </a:prstGeom>
-          <a:noFill/>
-          <a:extLst>
-            <a:ext uri="{909E8E84-426E-40DD-AFC4-6F175D3DCCD1}">
-              <a14:hiddenFill xmlns:a14="http://schemas.microsoft.com/office/drawing/2010/main">
-                <a:solidFill>
-                  <a:srgbClr val="FFFFFF"/>
-                </a:solidFill>
-              </a14:hiddenFill>
-            </a:ext>
-          </a:extLst>
-        </p:spPr>
-      </p:pic>
-      <p:pic>
-        <p:nvPicPr>
-          <p:cNvPr id="10" name="Imagem 9" descr="Fundo preto com letras brancas&#10;&#10;Descrição gerada automaticamente">
-            <a:extLst>
-              <a:ext uri="{FF2B5EF4-FFF2-40B4-BE49-F238E27FC236}">
-                <a16:creationId xmlns:a16="http://schemas.microsoft.com/office/drawing/2014/main" id="{5FC8FD4F-5F38-41D8-86A2-420A47B427D5}"/>
-              </a:ext>
-            </a:extLst>
-          </p:cNvPr>
-          <p:cNvPicPr>
-            <a:picLocks noChangeAspect="1"/>
-          </p:cNvPicPr>
-          <p:nvPr/>
-        </p:nvPicPr>
-        <p:blipFill>
-          <a:blip r:embed="rId9"/>
-          <a:stretch>
-            <a:fillRect/>
-          </a:stretch>
-        </p:blipFill>
-        <p:spPr>
-          <a:xfrm>
-            <a:off x="3680863" y="5226466"/>
-            <a:ext cx="633118" cy="633118"/>
-          </a:xfrm>
-          <a:prstGeom prst="rect">
-            <a:avLst/>
-          </a:prstGeom>
-        </p:spPr>
-      </p:pic>
-      <p:sp>
-        <p:nvSpPr>
-          <p:cNvPr id="11" name="Retângulo 10">
-            <a:extLst>
-              <a:ext uri="{FF2B5EF4-FFF2-40B4-BE49-F238E27FC236}">
-                <a16:creationId xmlns:a16="http://schemas.microsoft.com/office/drawing/2014/main" id="{E1A42947-B24B-4570-827F-6AA8F0272F21}"/>
-              </a:ext>
-            </a:extLst>
-          </p:cNvPr>
-          <p:cNvSpPr/>
-          <p:nvPr/>
-        </p:nvSpPr>
-        <p:spPr>
-          <a:xfrm>
-            <a:off x="4029437" y="3380099"/>
-            <a:ext cx="2563522" cy="923330"/>
-          </a:xfrm>
-          <a:prstGeom prst="rect">
-            <a:avLst/>
-          </a:prstGeom>
-        </p:spPr>
-        <p:txBody>
-          <a:bodyPr wrap="none">
-            <a:spAutoFit/>
-          </a:bodyPr>
-          <a:lstStyle/>
-          <a:p>
-            <a:pPr lvl="0">
-              <a:buClr>
-                <a:schemeClr val="dk1"/>
-              </a:buClr>
-              <a:buSzPts val="1100"/>
-            </a:pPr>
-            <a:r>
-              <a:rPr lang="pt-BR" sz="5400" dirty="0">
-                <a:solidFill>
-                  <a:schemeClr val="lt1"/>
-                </a:solidFill>
-              </a:rPr>
-              <a:t>/</a:t>
-            </a:r>
-            <a:r>
-              <a:rPr lang="pt-BR" sz="3200" dirty="0">
-                <a:solidFill>
-                  <a:schemeClr val="lt1"/>
-                </a:solidFill>
-              </a:rPr>
-              <a:t>toshiossada</a:t>
-            </a:r>
-          </a:p>
-        </p:txBody>
-      </p:sp>
-      <p:sp>
-        <p:nvSpPr>
-          <p:cNvPr id="12" name="Retângulo 11">
-            <a:extLst>
-              <a:ext uri="{FF2B5EF4-FFF2-40B4-BE49-F238E27FC236}">
-                <a16:creationId xmlns:a16="http://schemas.microsoft.com/office/drawing/2014/main" id="{9E41BD3B-44B6-4F84-B4E6-B4DC1DB3A87E}"/>
-              </a:ext>
-            </a:extLst>
-          </p:cNvPr>
-          <p:cNvSpPr/>
-          <p:nvPr/>
-        </p:nvSpPr>
-        <p:spPr>
-          <a:xfrm>
-            <a:off x="4267188" y="5312193"/>
-            <a:ext cx="3546164" cy="461665"/>
-          </a:xfrm>
-          <a:prstGeom prst="rect">
-            <a:avLst/>
-          </a:prstGeom>
-        </p:spPr>
-        <p:txBody>
-          <a:bodyPr wrap="none">
-            <a:spAutoFit/>
-          </a:bodyPr>
-          <a:lstStyle/>
-          <a:p>
-            <a:r>
-              <a:rPr lang="pt-BR" sz="2400" dirty="0">
-                <a:solidFill>
-                  <a:schemeClr val="lt1"/>
-                </a:solidFill>
-              </a:rPr>
-              <a:t>toshiossada@gmail.com</a:t>
-            </a:r>
-            <a:endParaRPr lang="pt-BR" sz="2400" dirty="0"/>
-          </a:p>
-        </p:txBody>
-      </p:sp>
-      <p:pic>
-        <p:nvPicPr>
-          <p:cNvPr id="13" name="Imagem 12" descr="Imagem em preto e branco com texto preto sobre fundo branco&#10;&#10;Descrição gerada automaticamente">
-            <a:extLst>
-              <a:ext uri="{FF2B5EF4-FFF2-40B4-BE49-F238E27FC236}">
-                <a16:creationId xmlns:a16="http://schemas.microsoft.com/office/drawing/2014/main" id="{80EC8593-EBAA-4B07-BD4D-232FB0331B80}"/>
-              </a:ext>
-            </a:extLst>
-          </p:cNvPr>
-          <p:cNvPicPr>
-            <a:picLocks noChangeAspect="1"/>
-          </p:cNvPicPr>
-          <p:nvPr/>
-        </p:nvPicPr>
-        <p:blipFill>
-          <a:blip r:embed="rId10"/>
-          <a:stretch>
-            <a:fillRect/>
-          </a:stretch>
-        </p:blipFill>
-        <p:spPr>
-          <a:xfrm>
-            <a:off x="8005031" y="1523461"/>
-            <a:ext cx="3424983" cy="3424983"/>
-          </a:xfrm>
-          <a:prstGeom prst="rect">
-            <a:avLst/>
-          </a:prstGeom>
-        </p:spPr>
-      </p:pic>
-      <p:sp>
-        <p:nvSpPr>
-          <p:cNvPr id="14" name="CaixaDeTexto 13">
-            <a:extLst>
-              <a:ext uri="{FF2B5EF4-FFF2-40B4-BE49-F238E27FC236}">
-                <a16:creationId xmlns:a16="http://schemas.microsoft.com/office/drawing/2014/main" id="{DEA7E500-6079-4A64-9DA9-2C5BD069D096}"/>
-              </a:ext>
-            </a:extLst>
-          </p:cNvPr>
-          <p:cNvSpPr txBox="1"/>
-          <p:nvPr/>
-        </p:nvSpPr>
-        <p:spPr>
-          <a:xfrm>
-            <a:off x="3544227" y="6060706"/>
-            <a:ext cx="6097464" cy="369332"/>
-          </a:xfrm>
-          <a:prstGeom prst="rect">
-            <a:avLst/>
-          </a:prstGeom>
-          <a:noFill/>
-        </p:spPr>
-        <p:txBody>
-          <a:bodyPr wrap="square">
-            <a:spAutoFit/>
-          </a:bodyPr>
-          <a:lstStyle/>
-          <a:p>
-            <a:r>
-              <a:rPr lang="pt-BR" sz="1800" dirty="0">
-                <a:solidFill>
-                  <a:schemeClr val="tx1">
-                    <a:lumMod val="95000"/>
-                  </a:schemeClr>
-                </a:solidFill>
-                <a:hlinkClick r:id="rId11">
-                  <a:extLst>
-                    <a:ext uri="{A12FA001-AC4F-418D-AE19-62706E023703}">
-                      <ahyp:hlinkClr xmlns:ahyp="http://schemas.microsoft.com/office/drawing/2018/hyperlinkcolor" val="tx"/>
-                    </a:ext>
-                  </a:extLst>
-                </a:hlinkClick>
-              </a:rPr>
-              <a:t>https://github.com/toshiossada/FlutterTestPresentation</a:t>
-            </a:r>
-            <a:endParaRPr lang="pt-BR" sz="1800" dirty="0">
-              <a:solidFill>
-                <a:schemeClr val="tx1">
-                  <a:lumMod val="95000"/>
-                </a:schemeClr>
-              </a:solidFill>
-            </a:endParaRPr>
-          </a:p>
-        </p:txBody>
-      </p:sp>
-    </p:spTree>
-  </p:cSld>
-  <p:clrMapOvr>
-    <a:masterClrMapping/>
-  </p:clrMapOvr>
-  <mc:AlternateContent xmlns:mc="http://schemas.openxmlformats.org/markup-compatibility/2006" xmlns:p14="http://schemas.microsoft.com/office/powerpoint/2010/main">
-    <mc:Choice Requires="p14">
-      <p:transition spd="med" p14:dur="700">
-        <p:fade/>
-      </p:transition>
-    </mc:Choice>
-    <mc:Fallback xmlns="" xmlns:mv="urn:schemas-microsoft-com:mac:vml" xmlns:c="http://schemas.openxmlformats.org/drawingml/2006/chart" xmlns:dgm="http://schemas.openxmlformats.org/drawingml/2006/diagram" xmlns:o="urn:schemas-microsoft-com:office:office" xmlns:v="urn:schemas-microsoft-com:vml" xmlns:pvml="urn:schemas-microsoft-com:office:powerpoint" xmlns:com="http://schemas.openxmlformats.org/drawingml/2006/compatibility" xmlns:p15="http://schemas.microsoft.com/office/powerpoint/2012/main">
-      <p:transition spd="slow">
-        <p:fade/>
-      </p:transition>
-    </mc:Fallback>
-  </mc:AlternateContent>
-  <p:timing>
-    <p:tnLst>
-      <p:par>
-        <p:cTn id="1" dur="indefinite" restart="never" nodeType="tmRoot">
-          <p:childTnLst>
-            <p:seq concurrent="1" nextAc="seek">
-              <p:cTn id="2" dur="indefinite" nodeType="mainSeq">
-                <p:childTnLst>
-                  <p:par>
-                    <p:cTn id="3" fill="hold">
-                      <p:stCondLst>
-                        <p:cond delay="indefinite"/>
-                        <p:cond evt="onBegin" delay="0">
-                          <p:tn val="2"/>
-                        </p:cond>
-                      </p:stCondLst>
-                      <p:childTnLst>
-                        <p:par>
-                          <p:cTn id="4" fill="hold">
-                            <p:stCondLst>
-                              <p:cond delay="0"/>
-                            </p:stCondLst>
-                            <p:childTnLst>
-                              <p:par>
-                                <p:cTn id="5" presetID="10" presetClass="entr" presetSubtype="0" fill="hold" nodeType="afterEffect">
-                                  <p:stCondLst>
-                                    <p:cond delay="0"/>
-                                  </p:stCondLst>
-                                  <p:childTnLst>
-                                    <p:set>
-                                      <p:cBhvr>
-                                        <p:cTn id="6" dur="1" fill="hold">
-                                          <p:stCondLst>
-                                            <p:cond delay="0"/>
-                                          </p:stCondLst>
-                                        </p:cTn>
-                                        <p:tgtEl>
-                                          <p:spTgt spid="908"/>
-                                        </p:tgtEl>
-                                        <p:attrNameLst>
-                                          <p:attrName>style.visibility</p:attrName>
-                                        </p:attrNameLst>
-                                      </p:cBhvr>
-                                      <p:to>
-                                        <p:strVal val="visible"/>
-                                      </p:to>
-                                    </p:set>
-                                    <p:animEffect transition="in" filter="fade">
-                                      <p:cBhvr>
-                                        <p:cTn id="7" dur="500"/>
-                                        <p:tgtEl>
-                                          <p:spTgt spid="908"/>
-                                        </p:tgtEl>
-                                      </p:cBhvr>
-                                    </p:animEffect>
-                                  </p:childTnLst>
-                                </p:cTn>
-                              </p:par>
-                            </p:childTnLst>
-                          </p:cTn>
-                        </p:par>
-                        <p:par>
-                          <p:cTn id="8" fill="hold">
-                            <p:stCondLst>
-                              <p:cond delay="500"/>
-                            </p:stCondLst>
-                            <p:childTnLst>
-                              <p:par>
-                                <p:cTn id="9" presetID="10" presetClass="entr" presetSubtype="0" fill="hold" nodeType="afterEffect">
-                                  <p:stCondLst>
-                                    <p:cond delay="0"/>
-                                  </p:stCondLst>
-                                  <p:childTnLst>
-                                    <p:set>
-                                      <p:cBhvr>
-                                        <p:cTn id="10" dur="1" fill="hold">
-                                          <p:stCondLst>
-                                            <p:cond delay="0"/>
-                                          </p:stCondLst>
-                                        </p:cTn>
-                                        <p:tgtEl>
-                                          <p:spTgt spid="5"/>
-                                        </p:tgtEl>
-                                        <p:attrNameLst>
-                                          <p:attrName>style.visibility</p:attrName>
-                                        </p:attrNameLst>
-                                      </p:cBhvr>
-                                      <p:to>
-                                        <p:strVal val="visible"/>
-                                      </p:to>
-                                    </p:set>
-                                    <p:animEffect transition="in" filter="fade">
-                                      <p:cBhvr>
-                                        <p:cTn id="11" dur="500"/>
-                                        <p:tgtEl>
-                                          <p:spTgt spid="5"/>
-                                        </p:tgtEl>
-                                      </p:cBhvr>
-                                    </p:animEffect>
-                                  </p:childTnLst>
-                                </p:cTn>
-                              </p:par>
-                              <p:par>
-                                <p:cTn id="12" presetID="26" presetClass="entr" presetSubtype="0" fill="hold" nodeType="withEffect">
-                                  <p:stCondLst>
-                                    <p:cond delay="0"/>
-                                  </p:stCondLst>
-                                  <p:childTnLst>
-                                    <p:set>
-                                      <p:cBhvr>
-                                        <p:cTn id="13" dur="1" fill="hold">
-                                          <p:stCondLst>
-                                            <p:cond delay="0"/>
-                                          </p:stCondLst>
-                                        </p:cTn>
-                                        <p:tgtEl>
-                                          <p:spTgt spid="7"/>
-                                        </p:tgtEl>
-                                        <p:attrNameLst>
-                                          <p:attrName>style.visibility</p:attrName>
-                                        </p:attrNameLst>
-                                      </p:cBhvr>
-                                      <p:to>
-                                        <p:strVal val="visible"/>
-                                      </p:to>
-                                    </p:set>
-                                    <p:animEffect transition="in" filter="wipe(down)">
-                                      <p:cBhvr>
-                                        <p:cTn id="14" dur="580">
-                                          <p:stCondLst>
-                                            <p:cond delay="0"/>
-                                          </p:stCondLst>
-                                        </p:cTn>
-                                        <p:tgtEl>
-                                          <p:spTgt spid="7"/>
-                                        </p:tgtEl>
-                                      </p:cBhvr>
-                                    </p:animEffect>
-                                    <p:anim calcmode="lin" valueType="num">
-                                      <p:cBhvr>
-                                        <p:cTn id="15" dur="1822" tmFilter="0,0; 0.14,0.36; 0.43,0.73; 0.71,0.91; 1.0,1.0">
-                                          <p:stCondLst>
-                                            <p:cond delay="0"/>
-                                          </p:stCondLst>
-                                        </p:cTn>
-                                        <p:tgtEl>
-                                          <p:spTgt spid="7"/>
-                                        </p:tgtEl>
-                                        <p:attrNameLst>
-                                          <p:attrName>ppt_x</p:attrName>
-                                        </p:attrNameLst>
-                                      </p:cBhvr>
-                                      <p:tavLst>
-                                        <p:tav tm="0">
-                                          <p:val>
-                                            <p:strVal val="#ppt_x-0.25"/>
-                                          </p:val>
-                                        </p:tav>
-                                        <p:tav tm="100000">
-                                          <p:val>
-                                            <p:strVal val="#ppt_x"/>
-                                          </p:val>
-                                        </p:tav>
-                                      </p:tavLst>
-                                    </p:anim>
-                                    <p:anim calcmode="lin" valueType="num">
-                                      <p:cBhvr>
-                                        <p:cTn id="16" dur="664" tmFilter="0.0,0.0; 0.25,0.07; 0.50,0.2; 0.75,0.467; 1.0,1.0">
-                                          <p:stCondLst>
-                                            <p:cond delay="0"/>
-                                          </p:stCondLst>
-                                        </p:cTn>
-                                        <p:tgtEl>
-                                          <p:spTgt spid="7"/>
-                                        </p:tgtEl>
-                                        <p:attrNameLst>
-                                          <p:attrName>ppt_y</p:attrName>
-                                        </p:attrNameLst>
-                                      </p:cBhvr>
-                                      <p:tavLst>
-                                        <p:tav tm="0" fmla="#ppt_y-sin(pi*$)/3">
-                                          <p:val>
-                                            <p:fltVal val="0.5"/>
-                                          </p:val>
-                                        </p:tav>
-                                        <p:tav tm="100000">
-                                          <p:val>
-                                            <p:fltVal val="1"/>
-                                          </p:val>
-                                        </p:tav>
-                                      </p:tavLst>
-                                    </p:anim>
-                                    <p:anim calcmode="lin" valueType="num">
-                                      <p:cBhvr>
-                                        <p:cTn id="17" dur="664" tmFilter="0, 0; 0.125,0.2665; 0.25,0.4; 0.375,0.465; 0.5,0.5;  0.625,0.535; 0.75,0.6; 0.875,0.7335; 1,1">
-                                          <p:stCondLst>
-                                            <p:cond delay="664"/>
-                                          </p:stCondLst>
-                                        </p:cTn>
-                                        <p:tgtEl>
-                                          <p:spTgt spid="7"/>
-                                        </p:tgtEl>
-                                        <p:attrNameLst>
-                                          <p:attrName>ppt_y</p:attrName>
-                                        </p:attrNameLst>
-                                      </p:cBhvr>
-                                      <p:tavLst>
-                                        <p:tav tm="0" fmla="#ppt_y-sin(pi*$)/9">
-                                          <p:val>
-                                            <p:fltVal val="0"/>
-                                          </p:val>
-                                        </p:tav>
-                                        <p:tav tm="100000">
-                                          <p:val>
-                                            <p:fltVal val="1"/>
-                                          </p:val>
-                                        </p:tav>
-                                      </p:tavLst>
-                                    </p:anim>
-                                    <p:anim calcmode="lin" valueType="num">
-                                      <p:cBhvr>
-                                        <p:cTn id="18" dur="332" tmFilter="0, 0; 0.125,0.2665; 0.25,0.4; 0.375,0.465; 0.5,0.5;  0.625,0.535; 0.75,0.6; 0.875,0.7335; 1,1">
-                                          <p:stCondLst>
-                                            <p:cond delay="1324"/>
-                                          </p:stCondLst>
-                                        </p:cTn>
-                                        <p:tgtEl>
-                                          <p:spTgt spid="7"/>
-                                        </p:tgtEl>
-                                        <p:attrNameLst>
-                                          <p:attrName>ppt_y</p:attrName>
-                                        </p:attrNameLst>
-                                      </p:cBhvr>
-                                      <p:tavLst>
-                                        <p:tav tm="0" fmla="#ppt_y-sin(pi*$)/27">
-                                          <p:val>
-                                            <p:fltVal val="0"/>
-                                          </p:val>
-                                        </p:tav>
-                                        <p:tav tm="100000">
-                                          <p:val>
-                                            <p:fltVal val="1"/>
-                                          </p:val>
-                                        </p:tav>
-                                      </p:tavLst>
-                                    </p:anim>
-                                    <p:anim calcmode="lin" valueType="num">
-                                      <p:cBhvr>
-                                        <p:cTn id="19" dur="164" tmFilter="0, 0; 0.125,0.2665; 0.25,0.4; 0.375,0.465; 0.5,0.5;  0.625,0.535; 0.75,0.6; 0.875,0.7335; 1,1">
-                                          <p:stCondLst>
-                                            <p:cond delay="1656"/>
-                                          </p:stCondLst>
-                                        </p:cTn>
-                                        <p:tgtEl>
-                                          <p:spTgt spid="7"/>
-                                        </p:tgtEl>
-                                        <p:attrNameLst>
-                                          <p:attrName>ppt_y</p:attrName>
-                                        </p:attrNameLst>
-                                      </p:cBhvr>
-                                      <p:tavLst>
-                                        <p:tav tm="0" fmla="#ppt_y-sin(pi*$)/81">
-                                          <p:val>
-                                            <p:fltVal val="0"/>
-                                          </p:val>
-                                        </p:tav>
-                                        <p:tav tm="100000">
-                                          <p:val>
-                                            <p:fltVal val="1"/>
-                                          </p:val>
-                                        </p:tav>
-                                      </p:tavLst>
-                                    </p:anim>
-                                    <p:animScale>
-                                      <p:cBhvr>
-                                        <p:cTn id="20" dur="26">
-                                          <p:stCondLst>
-                                            <p:cond delay="650"/>
-                                          </p:stCondLst>
-                                        </p:cTn>
-                                        <p:tgtEl>
-                                          <p:spTgt spid="7"/>
-                                        </p:tgtEl>
-                                      </p:cBhvr>
-                                      <p:to x="100000" y="60000"/>
-                                    </p:animScale>
-                                    <p:animScale>
-                                      <p:cBhvr>
-                                        <p:cTn id="21" dur="166" decel="50000">
-                                          <p:stCondLst>
-                                            <p:cond delay="676"/>
-                                          </p:stCondLst>
-                                        </p:cTn>
-                                        <p:tgtEl>
-                                          <p:spTgt spid="7"/>
-                                        </p:tgtEl>
-                                      </p:cBhvr>
-                                      <p:to x="100000" y="100000"/>
-                                    </p:animScale>
-                                    <p:animScale>
-                                      <p:cBhvr>
-                                        <p:cTn id="22" dur="26">
-                                          <p:stCondLst>
-                                            <p:cond delay="1312"/>
-                                          </p:stCondLst>
-                                        </p:cTn>
-                                        <p:tgtEl>
-                                          <p:spTgt spid="7"/>
-                                        </p:tgtEl>
-                                      </p:cBhvr>
-                                      <p:to x="100000" y="80000"/>
-                                    </p:animScale>
-                                    <p:animScale>
-                                      <p:cBhvr>
-                                        <p:cTn id="23" dur="166" decel="50000">
-                                          <p:stCondLst>
-                                            <p:cond delay="1338"/>
-                                          </p:stCondLst>
-                                        </p:cTn>
-                                        <p:tgtEl>
-                                          <p:spTgt spid="7"/>
-                                        </p:tgtEl>
-                                      </p:cBhvr>
-                                      <p:to x="100000" y="100000"/>
-                                    </p:animScale>
-                                    <p:animScale>
-                                      <p:cBhvr>
-                                        <p:cTn id="24" dur="26">
-                                          <p:stCondLst>
-                                            <p:cond delay="1642"/>
-                                          </p:stCondLst>
-                                        </p:cTn>
-                                        <p:tgtEl>
-                                          <p:spTgt spid="7"/>
-                                        </p:tgtEl>
-                                      </p:cBhvr>
-                                      <p:to x="100000" y="90000"/>
-                                    </p:animScale>
-                                    <p:animScale>
-                                      <p:cBhvr>
-                                        <p:cTn id="25" dur="166" decel="50000">
-                                          <p:stCondLst>
-                                            <p:cond delay="1668"/>
-                                          </p:stCondLst>
-                                        </p:cTn>
-                                        <p:tgtEl>
-                                          <p:spTgt spid="7"/>
-                                        </p:tgtEl>
-                                      </p:cBhvr>
-                                      <p:to x="100000" y="100000"/>
-                                    </p:animScale>
-                                    <p:animScale>
-                                      <p:cBhvr>
-                                        <p:cTn id="26" dur="26">
-                                          <p:stCondLst>
-                                            <p:cond delay="1808"/>
-                                          </p:stCondLst>
-                                        </p:cTn>
-                                        <p:tgtEl>
-                                          <p:spTgt spid="7"/>
-                                        </p:tgtEl>
-                                      </p:cBhvr>
-                                      <p:to x="100000" y="95000"/>
-                                    </p:animScale>
-                                    <p:animScale>
-                                      <p:cBhvr>
-                                        <p:cTn id="27" dur="166" decel="50000">
-                                          <p:stCondLst>
-                                            <p:cond delay="1834"/>
-                                          </p:stCondLst>
-                                        </p:cTn>
-                                        <p:tgtEl>
-                                          <p:spTgt spid="7"/>
-                                        </p:tgtEl>
-                                      </p:cBhvr>
-                                      <p:to x="100000" y="100000"/>
-                                    </p:animScale>
-                                  </p:childTnLst>
-                                </p:cTn>
-                              </p:par>
-                              <p:par>
-                                <p:cTn id="28" presetID="45" presetClass="entr" presetSubtype="0" fill="hold" nodeType="withEffect">
-                                  <p:stCondLst>
-                                    <p:cond delay="0"/>
-                                  </p:stCondLst>
-                                  <p:childTnLst>
-                                    <p:set>
-                                      <p:cBhvr>
-                                        <p:cTn id="29" dur="1" fill="hold">
-                                          <p:stCondLst>
-                                            <p:cond delay="0"/>
-                                          </p:stCondLst>
-                                        </p:cTn>
-                                        <p:tgtEl>
-                                          <p:spTgt spid="6"/>
-                                        </p:tgtEl>
-                                        <p:attrNameLst>
-                                          <p:attrName>style.visibility</p:attrName>
-                                        </p:attrNameLst>
-                                      </p:cBhvr>
-                                      <p:to>
-                                        <p:strVal val="visible"/>
-                                      </p:to>
-                                    </p:set>
-                                    <p:animEffect transition="in" filter="fade">
-                                      <p:cBhvr>
-                                        <p:cTn id="30" dur="2000"/>
-                                        <p:tgtEl>
-                                          <p:spTgt spid="6"/>
-                                        </p:tgtEl>
-                                      </p:cBhvr>
-                                    </p:animEffect>
-                                    <p:anim calcmode="lin" valueType="num">
-                                      <p:cBhvr>
-                                        <p:cTn id="31" dur="2000" fill="hold"/>
-                                        <p:tgtEl>
-                                          <p:spTgt spid="6"/>
-                                        </p:tgtEl>
-                                        <p:attrNameLst>
-                                          <p:attrName>ppt_w</p:attrName>
-                                        </p:attrNameLst>
-                                      </p:cBhvr>
-                                      <p:tavLst>
-                                        <p:tav tm="0" fmla="#ppt_w*sin(2.5*pi*$)">
-                                          <p:val>
-                                            <p:fltVal val="0"/>
-                                          </p:val>
-                                        </p:tav>
-                                        <p:tav tm="100000">
-                                          <p:val>
-                                            <p:fltVal val="1"/>
-                                          </p:val>
-                                        </p:tav>
-                                      </p:tavLst>
-                                    </p:anim>
-                                    <p:anim calcmode="lin" valueType="num">
-                                      <p:cBhvr>
-                                        <p:cTn id="32" dur="2000" fill="hold"/>
-                                        <p:tgtEl>
-                                          <p:spTgt spid="6"/>
-                                        </p:tgtEl>
-                                        <p:attrNameLst>
-                                          <p:attrName>ppt_h</p:attrName>
-                                        </p:attrNameLst>
-                                      </p:cBhvr>
-                                      <p:tavLst>
-                                        <p:tav tm="0">
-                                          <p:val>
-                                            <p:strVal val="#ppt_h"/>
-                                          </p:val>
-                                        </p:tav>
-                                        <p:tav tm="100000">
-                                          <p:val>
-                                            <p:strVal val="#ppt_h"/>
-                                          </p:val>
-                                        </p:tav>
-                                      </p:tavLst>
-                                    </p:anim>
-                                  </p:childTnLst>
-                                </p:cTn>
-                              </p:par>
-                              <p:par>
-                                <p:cTn id="33" presetID="26" presetClass="entr" presetSubtype="0" fill="hold" nodeType="withEffect">
-                                  <p:stCondLst>
-                                    <p:cond delay="0"/>
-                                  </p:stCondLst>
-                                  <p:childTnLst>
-                                    <p:set>
-                                      <p:cBhvr>
-                                        <p:cTn id="34" dur="1" fill="hold">
-                                          <p:stCondLst>
-                                            <p:cond delay="0"/>
-                                          </p:stCondLst>
-                                        </p:cTn>
-                                        <p:tgtEl>
-                                          <p:spTgt spid="8"/>
-                                        </p:tgtEl>
-                                        <p:attrNameLst>
-                                          <p:attrName>style.visibility</p:attrName>
-                                        </p:attrNameLst>
-                                      </p:cBhvr>
-                                      <p:to>
-                                        <p:strVal val="visible"/>
-                                      </p:to>
-                                    </p:set>
-                                    <p:animEffect transition="in" filter="wipe(down)">
-                                      <p:cBhvr>
-                                        <p:cTn id="35" dur="580">
-                                          <p:stCondLst>
-                                            <p:cond delay="0"/>
-                                          </p:stCondLst>
-                                        </p:cTn>
-                                        <p:tgtEl>
-                                          <p:spTgt spid="8"/>
-                                        </p:tgtEl>
-                                      </p:cBhvr>
-                                    </p:animEffect>
-                                    <p:anim calcmode="lin" valueType="num">
-                                      <p:cBhvr>
-                                        <p:cTn id="36" dur="1822" tmFilter="0,0; 0.14,0.36; 0.43,0.73; 0.71,0.91; 1.0,1.0">
-                                          <p:stCondLst>
-                                            <p:cond delay="0"/>
-                                          </p:stCondLst>
-                                        </p:cTn>
-                                        <p:tgtEl>
-                                          <p:spTgt spid="8"/>
-                                        </p:tgtEl>
-                                        <p:attrNameLst>
-                                          <p:attrName>ppt_x</p:attrName>
-                                        </p:attrNameLst>
-                                      </p:cBhvr>
-                                      <p:tavLst>
-                                        <p:tav tm="0">
-                                          <p:val>
-                                            <p:strVal val="#ppt_x-0.25"/>
-                                          </p:val>
-                                        </p:tav>
-                                        <p:tav tm="100000">
-                                          <p:val>
-                                            <p:strVal val="#ppt_x"/>
-                                          </p:val>
-                                        </p:tav>
-                                      </p:tavLst>
-                                    </p:anim>
-                                    <p:anim calcmode="lin" valueType="num">
-                                      <p:cBhvr>
-                                        <p:cTn id="37" dur="664" tmFilter="0.0,0.0; 0.25,0.07; 0.50,0.2; 0.75,0.467; 1.0,1.0">
-                                          <p:stCondLst>
-                                            <p:cond delay="0"/>
-                                          </p:stCondLst>
-                                        </p:cTn>
-                                        <p:tgtEl>
-                                          <p:spTgt spid="8"/>
-                                        </p:tgtEl>
-                                        <p:attrNameLst>
-                                          <p:attrName>ppt_y</p:attrName>
-                                        </p:attrNameLst>
-                                      </p:cBhvr>
-                                      <p:tavLst>
-                                        <p:tav tm="0" fmla="#ppt_y-sin(pi*$)/3">
-                                          <p:val>
-                                            <p:fltVal val="0.5"/>
-                                          </p:val>
-                                        </p:tav>
-                                        <p:tav tm="100000">
-                                          <p:val>
-                                            <p:fltVal val="1"/>
-                                          </p:val>
-                                        </p:tav>
-                                      </p:tavLst>
-                                    </p:anim>
-                                    <p:anim calcmode="lin" valueType="num">
-                                      <p:cBhvr>
-                                        <p:cTn id="38" dur="664" tmFilter="0, 0; 0.125,0.2665; 0.25,0.4; 0.375,0.465; 0.5,0.5;  0.625,0.535; 0.75,0.6; 0.875,0.7335; 1,1">
-                                          <p:stCondLst>
-                                            <p:cond delay="664"/>
-                                          </p:stCondLst>
-                                        </p:cTn>
-                                        <p:tgtEl>
-                                          <p:spTgt spid="8"/>
-                                        </p:tgtEl>
-                                        <p:attrNameLst>
-                                          <p:attrName>ppt_y</p:attrName>
-                                        </p:attrNameLst>
-                                      </p:cBhvr>
-                                      <p:tavLst>
-                                        <p:tav tm="0" fmla="#ppt_y-sin(pi*$)/9">
-                                          <p:val>
-                                            <p:fltVal val="0"/>
-                                          </p:val>
-                                        </p:tav>
-                                        <p:tav tm="100000">
-                                          <p:val>
-                                            <p:fltVal val="1"/>
-                                          </p:val>
-                                        </p:tav>
-                                      </p:tavLst>
-                                    </p:anim>
-                                    <p:anim calcmode="lin" valueType="num">
-                                      <p:cBhvr>
-                                        <p:cTn id="39" dur="332" tmFilter="0, 0; 0.125,0.2665; 0.25,0.4; 0.375,0.465; 0.5,0.5;  0.625,0.535; 0.75,0.6; 0.875,0.7335; 1,1">
-                                          <p:stCondLst>
-                                            <p:cond delay="1324"/>
-                                          </p:stCondLst>
-                                        </p:cTn>
-                                        <p:tgtEl>
-                                          <p:spTgt spid="8"/>
-                                        </p:tgtEl>
-                                        <p:attrNameLst>
-                                          <p:attrName>ppt_y</p:attrName>
-                                        </p:attrNameLst>
-                                      </p:cBhvr>
-                                      <p:tavLst>
-                                        <p:tav tm="0" fmla="#ppt_y-sin(pi*$)/27">
-                                          <p:val>
-                                            <p:fltVal val="0"/>
-                                          </p:val>
-                                        </p:tav>
-                                        <p:tav tm="100000">
-                                          <p:val>
-                                            <p:fltVal val="1"/>
-                                          </p:val>
-                                        </p:tav>
-                                      </p:tavLst>
-                                    </p:anim>
-                                    <p:anim calcmode="lin" valueType="num">
-                                      <p:cBhvr>
-                                        <p:cTn id="40" dur="164" tmFilter="0, 0; 0.125,0.2665; 0.25,0.4; 0.375,0.465; 0.5,0.5;  0.625,0.535; 0.75,0.6; 0.875,0.7335; 1,1">
-                                          <p:stCondLst>
-                                            <p:cond delay="1656"/>
-                                          </p:stCondLst>
-                                        </p:cTn>
-                                        <p:tgtEl>
-                                          <p:spTgt spid="8"/>
-                                        </p:tgtEl>
-                                        <p:attrNameLst>
-                                          <p:attrName>ppt_y</p:attrName>
-                                        </p:attrNameLst>
-                                      </p:cBhvr>
-                                      <p:tavLst>
-                                        <p:tav tm="0" fmla="#ppt_y-sin(pi*$)/81">
-                                          <p:val>
-                                            <p:fltVal val="0"/>
-                                          </p:val>
-                                        </p:tav>
-                                        <p:tav tm="100000">
-                                          <p:val>
-                                            <p:fltVal val="1"/>
-                                          </p:val>
-                                        </p:tav>
-                                      </p:tavLst>
-                                    </p:anim>
-                                    <p:animScale>
-                                      <p:cBhvr>
-                                        <p:cTn id="41" dur="26">
-                                          <p:stCondLst>
-                                            <p:cond delay="650"/>
-                                          </p:stCondLst>
-                                        </p:cTn>
-                                        <p:tgtEl>
-                                          <p:spTgt spid="8"/>
-                                        </p:tgtEl>
-                                      </p:cBhvr>
-                                      <p:to x="100000" y="60000"/>
-                                    </p:animScale>
-                                    <p:animScale>
-                                      <p:cBhvr>
-                                        <p:cTn id="42" dur="166" decel="50000">
-                                          <p:stCondLst>
-                                            <p:cond delay="676"/>
-                                          </p:stCondLst>
-                                        </p:cTn>
-                                        <p:tgtEl>
-                                          <p:spTgt spid="8"/>
-                                        </p:tgtEl>
-                                      </p:cBhvr>
-                                      <p:to x="100000" y="100000"/>
-                                    </p:animScale>
-                                    <p:animScale>
-                                      <p:cBhvr>
-                                        <p:cTn id="43" dur="26">
-                                          <p:stCondLst>
-                                            <p:cond delay="1312"/>
-                                          </p:stCondLst>
-                                        </p:cTn>
-                                        <p:tgtEl>
-                                          <p:spTgt spid="8"/>
-                                        </p:tgtEl>
-                                      </p:cBhvr>
-                                      <p:to x="100000" y="80000"/>
-                                    </p:animScale>
-                                    <p:animScale>
-                                      <p:cBhvr>
-                                        <p:cTn id="44" dur="166" decel="50000">
-                                          <p:stCondLst>
-                                            <p:cond delay="1338"/>
-                                          </p:stCondLst>
-                                        </p:cTn>
-                                        <p:tgtEl>
-                                          <p:spTgt spid="8"/>
-                                        </p:tgtEl>
-                                      </p:cBhvr>
-                                      <p:to x="100000" y="100000"/>
-                                    </p:animScale>
-                                    <p:animScale>
-                                      <p:cBhvr>
-                                        <p:cTn id="45" dur="26">
-                                          <p:stCondLst>
-                                            <p:cond delay="1642"/>
-                                          </p:stCondLst>
-                                        </p:cTn>
-                                        <p:tgtEl>
-                                          <p:spTgt spid="8"/>
-                                        </p:tgtEl>
-                                      </p:cBhvr>
-                                      <p:to x="100000" y="90000"/>
-                                    </p:animScale>
-                                    <p:animScale>
-                                      <p:cBhvr>
-                                        <p:cTn id="46" dur="166" decel="50000">
-                                          <p:stCondLst>
-                                            <p:cond delay="1668"/>
-                                          </p:stCondLst>
-                                        </p:cTn>
-                                        <p:tgtEl>
-                                          <p:spTgt spid="8"/>
-                                        </p:tgtEl>
-                                      </p:cBhvr>
-                                      <p:to x="100000" y="100000"/>
-                                    </p:animScale>
-                                    <p:animScale>
-                                      <p:cBhvr>
-                                        <p:cTn id="47" dur="26">
-                                          <p:stCondLst>
-                                            <p:cond delay="1808"/>
-                                          </p:stCondLst>
-                                        </p:cTn>
-                                        <p:tgtEl>
-                                          <p:spTgt spid="8"/>
-                                        </p:tgtEl>
-                                      </p:cBhvr>
-                                      <p:to x="100000" y="95000"/>
-                                    </p:animScale>
-                                    <p:animScale>
-                                      <p:cBhvr>
-                                        <p:cTn id="48" dur="166" decel="50000">
-                                          <p:stCondLst>
-                                            <p:cond delay="1834"/>
-                                          </p:stCondLst>
-                                        </p:cTn>
-                                        <p:tgtEl>
-                                          <p:spTgt spid="8"/>
-                                        </p:tgtEl>
-                                      </p:cBhvr>
-                                      <p:to x="100000" y="100000"/>
-                                    </p:animScale>
-                                  </p:childTnLst>
-                                </p:cTn>
-                              </p:par>
-                              <p:par>
-                                <p:cTn id="49" presetID="45" presetClass="entr" presetSubtype="0" fill="hold" nodeType="withEffect">
-                                  <p:stCondLst>
-                                    <p:cond delay="0"/>
-                                  </p:stCondLst>
-                                  <p:childTnLst>
-                                    <p:set>
-                                      <p:cBhvr>
-                                        <p:cTn id="50" dur="1" fill="hold">
-                                          <p:stCondLst>
-                                            <p:cond delay="0"/>
-                                          </p:stCondLst>
-                                        </p:cTn>
-                                        <p:tgtEl>
-                                          <p:spTgt spid="9"/>
-                                        </p:tgtEl>
-                                        <p:attrNameLst>
-                                          <p:attrName>style.visibility</p:attrName>
-                                        </p:attrNameLst>
-                                      </p:cBhvr>
-                                      <p:to>
-                                        <p:strVal val="visible"/>
-                                      </p:to>
-                                    </p:set>
-                                    <p:animEffect transition="in" filter="fade">
-                                      <p:cBhvr>
-                                        <p:cTn id="51" dur="2000"/>
-                                        <p:tgtEl>
-                                          <p:spTgt spid="9"/>
-                                        </p:tgtEl>
-                                      </p:cBhvr>
-                                    </p:animEffect>
-                                    <p:anim calcmode="lin" valueType="num">
-                                      <p:cBhvr>
-                                        <p:cTn id="52" dur="2000" fill="hold"/>
-                                        <p:tgtEl>
-                                          <p:spTgt spid="9"/>
-                                        </p:tgtEl>
-                                        <p:attrNameLst>
-                                          <p:attrName>ppt_w</p:attrName>
-                                        </p:attrNameLst>
-                                      </p:cBhvr>
-                                      <p:tavLst>
-                                        <p:tav tm="0" fmla="#ppt_w*sin(2.5*pi*$)">
-                                          <p:val>
-                                            <p:fltVal val="0"/>
-                                          </p:val>
-                                        </p:tav>
-                                        <p:tav tm="100000">
-                                          <p:val>
-                                            <p:fltVal val="1"/>
-                                          </p:val>
-                                        </p:tav>
-                                      </p:tavLst>
-                                    </p:anim>
-                                    <p:anim calcmode="lin" valueType="num">
-                                      <p:cBhvr>
-                                        <p:cTn id="53" dur="2000" fill="hold"/>
-                                        <p:tgtEl>
-                                          <p:spTgt spid="9"/>
-                                        </p:tgtEl>
-                                        <p:attrNameLst>
-                                          <p:attrName>ppt_h</p:attrName>
-                                        </p:attrNameLst>
-                                      </p:cBhvr>
-                                      <p:tavLst>
-                                        <p:tav tm="0">
-                                          <p:val>
-                                            <p:strVal val="#ppt_h"/>
-                                          </p:val>
-                                        </p:tav>
-                                        <p:tav tm="100000">
-                                          <p:val>
-                                            <p:strVal val="#ppt_h"/>
-                                          </p:val>
-                                        </p:tav>
-                                      </p:tavLst>
-                                    </p:anim>
-                                  </p:childTnLst>
-                                </p:cTn>
-                              </p:par>
-                              <p:par>
-                                <p:cTn id="54" presetID="2" presetClass="entr" presetSubtype="4" fill="hold" grpId="0" nodeType="withEffect">
-                                  <p:stCondLst>
-                                    <p:cond delay="0"/>
-                                  </p:stCondLst>
-                                  <p:childTnLst>
-                                    <p:set>
-                                      <p:cBhvr>
-                                        <p:cTn id="55" dur="1" fill="hold">
-                                          <p:stCondLst>
-                                            <p:cond delay="0"/>
-                                          </p:stCondLst>
-                                        </p:cTn>
-                                        <p:tgtEl>
-                                          <p:spTgt spid="11"/>
-                                        </p:tgtEl>
-                                        <p:attrNameLst>
-                                          <p:attrName>style.visibility</p:attrName>
-                                        </p:attrNameLst>
-                                      </p:cBhvr>
-                                      <p:to>
-                                        <p:strVal val="visible"/>
-                                      </p:to>
-                                    </p:set>
-                                    <p:anim calcmode="lin" valueType="num">
-                                      <p:cBhvr additive="base">
-                                        <p:cTn id="56" dur="500" fill="hold"/>
-                                        <p:tgtEl>
-                                          <p:spTgt spid="11"/>
-                                        </p:tgtEl>
-                                        <p:attrNameLst>
-                                          <p:attrName>ppt_x</p:attrName>
-                                        </p:attrNameLst>
-                                      </p:cBhvr>
-                                      <p:tavLst>
-                                        <p:tav tm="0">
-                                          <p:val>
-                                            <p:strVal val="#ppt_x"/>
-                                          </p:val>
-                                        </p:tav>
-                                        <p:tav tm="100000">
-                                          <p:val>
-                                            <p:strVal val="#ppt_x"/>
-                                          </p:val>
-                                        </p:tav>
-                                      </p:tavLst>
-                                    </p:anim>
-                                    <p:anim calcmode="lin" valueType="num">
-                                      <p:cBhvr additive="base">
-                                        <p:cTn id="57" dur="500" fill="hold"/>
-                                        <p:tgtEl>
-                                          <p:spTgt spid="11"/>
-                                        </p:tgtEl>
-                                        <p:attrNameLst>
-                                          <p:attrName>ppt_y</p:attrName>
-                                        </p:attrNameLst>
-                                      </p:cBhvr>
-                                      <p:tavLst>
-                                        <p:tav tm="0">
-                                          <p:val>
-                                            <p:strVal val="1+#ppt_h/2"/>
-                                          </p:val>
-                                        </p:tav>
-                                        <p:tav tm="100000">
-                                          <p:val>
-                                            <p:strVal val="#ppt_y"/>
-                                          </p:val>
-                                        </p:tav>
-                                      </p:tavLst>
-                                    </p:anim>
-                                  </p:childTnLst>
-                                </p:cTn>
-                              </p:par>
-                              <p:par>
-                                <p:cTn id="58" presetID="26" presetClass="entr" presetSubtype="0" fill="hold" nodeType="withEffect">
-                                  <p:stCondLst>
-                                    <p:cond delay="0"/>
-                                  </p:stCondLst>
-                                  <p:childTnLst>
-                                    <p:set>
-                                      <p:cBhvr>
-                                        <p:cTn id="59" dur="1" fill="hold">
-                                          <p:stCondLst>
-                                            <p:cond delay="0"/>
-                                          </p:stCondLst>
-                                        </p:cTn>
-                                        <p:tgtEl>
-                                          <p:spTgt spid="10"/>
-                                        </p:tgtEl>
-                                        <p:attrNameLst>
-                                          <p:attrName>style.visibility</p:attrName>
-                                        </p:attrNameLst>
-                                      </p:cBhvr>
-                                      <p:to>
-                                        <p:strVal val="visible"/>
-                                      </p:to>
-                                    </p:set>
-                                    <p:animEffect transition="in" filter="wipe(down)">
-                                      <p:cBhvr>
-                                        <p:cTn id="60" dur="580">
-                                          <p:stCondLst>
-                                            <p:cond delay="0"/>
-                                          </p:stCondLst>
-                                        </p:cTn>
-                                        <p:tgtEl>
-                                          <p:spTgt spid="10"/>
-                                        </p:tgtEl>
-                                      </p:cBhvr>
-                                    </p:animEffect>
-                                    <p:anim calcmode="lin" valueType="num">
-                                      <p:cBhvr>
-                                        <p:cTn id="61" dur="1822" tmFilter="0,0; 0.14,0.36; 0.43,0.73; 0.71,0.91; 1.0,1.0">
-                                          <p:stCondLst>
-                                            <p:cond delay="0"/>
-                                          </p:stCondLst>
-                                        </p:cTn>
-                                        <p:tgtEl>
-                                          <p:spTgt spid="10"/>
-                                        </p:tgtEl>
-                                        <p:attrNameLst>
-                                          <p:attrName>ppt_x</p:attrName>
-                                        </p:attrNameLst>
-                                      </p:cBhvr>
-                                      <p:tavLst>
-                                        <p:tav tm="0">
-                                          <p:val>
-                                            <p:strVal val="#ppt_x-0.25"/>
-                                          </p:val>
-                                        </p:tav>
-                                        <p:tav tm="100000">
-                                          <p:val>
-                                            <p:strVal val="#ppt_x"/>
-                                          </p:val>
-                                        </p:tav>
-                                      </p:tavLst>
-                                    </p:anim>
-                                    <p:anim calcmode="lin" valueType="num">
-                                      <p:cBhvr>
-                                        <p:cTn id="62" dur="664" tmFilter="0.0,0.0; 0.25,0.07; 0.50,0.2; 0.75,0.467; 1.0,1.0">
-                                          <p:stCondLst>
-                                            <p:cond delay="0"/>
-                                          </p:stCondLst>
-                                        </p:cTn>
-                                        <p:tgtEl>
-                                          <p:spTgt spid="10"/>
-                                        </p:tgtEl>
-                                        <p:attrNameLst>
-                                          <p:attrName>ppt_y</p:attrName>
-                                        </p:attrNameLst>
-                                      </p:cBhvr>
-                                      <p:tavLst>
-                                        <p:tav tm="0" fmla="#ppt_y-sin(pi*$)/3">
-                                          <p:val>
-                                            <p:fltVal val="0.5"/>
-                                          </p:val>
-                                        </p:tav>
-                                        <p:tav tm="100000">
-                                          <p:val>
-                                            <p:fltVal val="1"/>
-                                          </p:val>
-                                        </p:tav>
-                                      </p:tavLst>
-                                    </p:anim>
-                                    <p:anim calcmode="lin" valueType="num">
-                                      <p:cBhvr>
-                                        <p:cTn id="63" dur="664" tmFilter="0, 0; 0.125,0.2665; 0.25,0.4; 0.375,0.465; 0.5,0.5;  0.625,0.535; 0.75,0.6; 0.875,0.7335; 1,1">
-                                          <p:stCondLst>
-                                            <p:cond delay="664"/>
-                                          </p:stCondLst>
-                                        </p:cTn>
-                                        <p:tgtEl>
-                                          <p:spTgt spid="10"/>
-                                        </p:tgtEl>
-                                        <p:attrNameLst>
-                                          <p:attrName>ppt_y</p:attrName>
-                                        </p:attrNameLst>
-                                      </p:cBhvr>
-                                      <p:tavLst>
-                                        <p:tav tm="0" fmla="#ppt_y-sin(pi*$)/9">
-                                          <p:val>
-                                            <p:fltVal val="0"/>
-                                          </p:val>
-                                        </p:tav>
-                                        <p:tav tm="100000">
-                                          <p:val>
-                                            <p:fltVal val="1"/>
-                                          </p:val>
-                                        </p:tav>
-                                      </p:tavLst>
-                                    </p:anim>
-                                    <p:anim calcmode="lin" valueType="num">
-                                      <p:cBhvr>
-                                        <p:cTn id="64" dur="332" tmFilter="0, 0; 0.125,0.2665; 0.25,0.4; 0.375,0.465; 0.5,0.5;  0.625,0.535; 0.75,0.6; 0.875,0.7335; 1,1">
-                                          <p:stCondLst>
-                                            <p:cond delay="1324"/>
-                                          </p:stCondLst>
-                                        </p:cTn>
-                                        <p:tgtEl>
-                                          <p:spTgt spid="10"/>
-                                        </p:tgtEl>
-                                        <p:attrNameLst>
-                                          <p:attrName>ppt_y</p:attrName>
-                                        </p:attrNameLst>
-                                      </p:cBhvr>
-                                      <p:tavLst>
-                                        <p:tav tm="0" fmla="#ppt_y-sin(pi*$)/27">
-                                          <p:val>
-                                            <p:fltVal val="0"/>
-                                          </p:val>
-                                        </p:tav>
-                                        <p:tav tm="100000">
-                                          <p:val>
-                                            <p:fltVal val="1"/>
-                                          </p:val>
-                                        </p:tav>
-                                      </p:tavLst>
-                                    </p:anim>
-                                    <p:anim calcmode="lin" valueType="num">
-                                      <p:cBhvr>
-                                        <p:cTn id="65" dur="164" tmFilter="0, 0; 0.125,0.2665; 0.25,0.4; 0.375,0.465; 0.5,0.5;  0.625,0.535; 0.75,0.6; 0.875,0.7335; 1,1">
-                                          <p:stCondLst>
-                                            <p:cond delay="1656"/>
-                                          </p:stCondLst>
-                                        </p:cTn>
-                                        <p:tgtEl>
-                                          <p:spTgt spid="10"/>
-                                        </p:tgtEl>
-                                        <p:attrNameLst>
-                                          <p:attrName>ppt_y</p:attrName>
-                                        </p:attrNameLst>
-                                      </p:cBhvr>
-                                      <p:tavLst>
-                                        <p:tav tm="0" fmla="#ppt_y-sin(pi*$)/81">
-                                          <p:val>
-                                            <p:fltVal val="0"/>
-                                          </p:val>
-                                        </p:tav>
-                                        <p:tav tm="100000">
-                                          <p:val>
-                                            <p:fltVal val="1"/>
-                                          </p:val>
-                                        </p:tav>
-                                      </p:tavLst>
-                                    </p:anim>
-                                    <p:animScale>
-                                      <p:cBhvr>
-                                        <p:cTn id="66" dur="26">
-                                          <p:stCondLst>
-                                            <p:cond delay="650"/>
-                                          </p:stCondLst>
-                                        </p:cTn>
-                                        <p:tgtEl>
-                                          <p:spTgt spid="10"/>
-                                        </p:tgtEl>
-                                      </p:cBhvr>
-                                      <p:to x="100000" y="60000"/>
-                                    </p:animScale>
-                                    <p:animScale>
-                                      <p:cBhvr>
-                                        <p:cTn id="67" dur="166" decel="50000">
-                                          <p:stCondLst>
-                                            <p:cond delay="676"/>
-                                          </p:stCondLst>
-                                        </p:cTn>
-                                        <p:tgtEl>
-                                          <p:spTgt spid="10"/>
-                                        </p:tgtEl>
-                                      </p:cBhvr>
-                                      <p:to x="100000" y="100000"/>
-                                    </p:animScale>
-                                    <p:animScale>
-                                      <p:cBhvr>
-                                        <p:cTn id="68" dur="26">
-                                          <p:stCondLst>
-                                            <p:cond delay="1312"/>
-                                          </p:stCondLst>
-                                        </p:cTn>
-                                        <p:tgtEl>
-                                          <p:spTgt spid="10"/>
-                                        </p:tgtEl>
-                                      </p:cBhvr>
-                                      <p:to x="100000" y="80000"/>
-                                    </p:animScale>
-                                    <p:animScale>
-                                      <p:cBhvr>
-                                        <p:cTn id="69" dur="166" decel="50000">
-                                          <p:stCondLst>
-                                            <p:cond delay="1338"/>
-                                          </p:stCondLst>
-                                        </p:cTn>
-                                        <p:tgtEl>
-                                          <p:spTgt spid="10"/>
-                                        </p:tgtEl>
-                                      </p:cBhvr>
-                                      <p:to x="100000" y="100000"/>
-                                    </p:animScale>
-                                    <p:animScale>
-                                      <p:cBhvr>
-                                        <p:cTn id="70" dur="26">
-                                          <p:stCondLst>
-                                            <p:cond delay="1642"/>
-                                          </p:stCondLst>
-                                        </p:cTn>
-                                        <p:tgtEl>
-                                          <p:spTgt spid="10"/>
-                                        </p:tgtEl>
-                                      </p:cBhvr>
-                                      <p:to x="100000" y="90000"/>
-                                    </p:animScale>
-                                    <p:animScale>
-                                      <p:cBhvr>
-                                        <p:cTn id="71" dur="166" decel="50000">
-                                          <p:stCondLst>
-                                            <p:cond delay="1668"/>
-                                          </p:stCondLst>
-                                        </p:cTn>
-                                        <p:tgtEl>
-                                          <p:spTgt spid="10"/>
-                                        </p:tgtEl>
-                                      </p:cBhvr>
-                                      <p:to x="100000" y="100000"/>
-                                    </p:animScale>
-                                    <p:animScale>
-                                      <p:cBhvr>
-                                        <p:cTn id="72" dur="26">
-                                          <p:stCondLst>
-                                            <p:cond delay="1808"/>
-                                          </p:stCondLst>
-                                        </p:cTn>
-                                        <p:tgtEl>
-                                          <p:spTgt spid="10"/>
-                                        </p:tgtEl>
-                                      </p:cBhvr>
-                                      <p:to x="100000" y="95000"/>
-                                    </p:animScale>
-                                    <p:animScale>
-                                      <p:cBhvr>
-                                        <p:cTn id="73" dur="166" decel="50000">
-                                          <p:stCondLst>
-                                            <p:cond delay="1834"/>
-                                          </p:stCondLst>
-                                        </p:cTn>
-                                        <p:tgtEl>
-                                          <p:spTgt spid="10"/>
-                                        </p:tgtEl>
-                                      </p:cBhvr>
-                                      <p:to x="100000" y="100000"/>
-                                    </p:animScale>
-                                  </p:childTnLst>
-                                </p:cTn>
-                              </p:par>
-                              <p:par>
-                                <p:cTn id="74" presetID="2" presetClass="entr" presetSubtype="4" fill="hold" grpId="0" nodeType="withEffect">
-                                  <p:stCondLst>
-                                    <p:cond delay="0"/>
-                                  </p:stCondLst>
-                                  <p:childTnLst>
-                                    <p:set>
-                                      <p:cBhvr>
-                                        <p:cTn id="75" dur="1" fill="hold">
-                                          <p:stCondLst>
-                                            <p:cond delay="0"/>
-                                          </p:stCondLst>
-                                        </p:cTn>
-                                        <p:tgtEl>
-                                          <p:spTgt spid="12"/>
-                                        </p:tgtEl>
-                                        <p:attrNameLst>
-                                          <p:attrName>style.visibility</p:attrName>
-                                        </p:attrNameLst>
-                                      </p:cBhvr>
-                                      <p:to>
-                                        <p:strVal val="visible"/>
-                                      </p:to>
-                                    </p:set>
-                                    <p:anim calcmode="lin" valueType="num">
-                                      <p:cBhvr additive="base">
-                                        <p:cTn id="76" dur="500" fill="hold"/>
-                                        <p:tgtEl>
-                                          <p:spTgt spid="12"/>
-                                        </p:tgtEl>
-                                        <p:attrNameLst>
-                                          <p:attrName>ppt_x</p:attrName>
-                                        </p:attrNameLst>
-                                      </p:cBhvr>
-                                      <p:tavLst>
-                                        <p:tav tm="0">
-                                          <p:val>
-                                            <p:strVal val="#ppt_x"/>
-                                          </p:val>
-                                        </p:tav>
-                                        <p:tav tm="100000">
-                                          <p:val>
-                                            <p:strVal val="#ppt_x"/>
-                                          </p:val>
-                                        </p:tav>
-                                      </p:tavLst>
-                                    </p:anim>
-                                    <p:anim calcmode="lin" valueType="num">
-                                      <p:cBhvr additive="base">
-                                        <p:cTn id="77" dur="500" fill="hold"/>
-                                        <p:tgtEl>
-                                          <p:spTgt spid="12"/>
-                                        </p:tgtEl>
-                                        <p:attrNameLst>
-                                          <p:attrName>ppt_y</p:attrName>
-                                        </p:attrNameLst>
-                                      </p:cBhvr>
-                                      <p:tavLst>
-                                        <p:tav tm="0">
-                                          <p:val>
-                                            <p:strVal val="1+#ppt_h/2"/>
-                                          </p:val>
-                                        </p:tav>
-                                        <p:tav tm="100000">
-                                          <p:val>
-                                            <p:strVal val="#ppt_y"/>
-                                          </p:val>
-                                        </p:tav>
-                                      </p:tavLst>
-                                    </p:anim>
-                                  </p:childTnLst>
-                                </p:cTn>
-                              </p:par>
-                              <p:par>
-                                <p:cTn id="78" presetID="53" presetClass="entr" presetSubtype="16" fill="hold" nodeType="withEffect">
-                                  <p:stCondLst>
-                                    <p:cond delay="0"/>
-                                  </p:stCondLst>
-                                  <p:childTnLst>
-                                    <p:set>
-                                      <p:cBhvr>
-                                        <p:cTn id="79" dur="1" fill="hold">
-                                          <p:stCondLst>
-                                            <p:cond delay="0"/>
-                                          </p:stCondLst>
-                                        </p:cTn>
-                                        <p:tgtEl>
-                                          <p:spTgt spid="13"/>
-                                        </p:tgtEl>
-                                        <p:attrNameLst>
-                                          <p:attrName>style.visibility</p:attrName>
-                                        </p:attrNameLst>
-                                      </p:cBhvr>
-                                      <p:to>
-                                        <p:strVal val="visible"/>
-                                      </p:to>
-                                    </p:set>
-                                    <p:anim calcmode="lin" valueType="num">
-                                      <p:cBhvr>
-                                        <p:cTn id="80" dur="500" fill="hold"/>
-                                        <p:tgtEl>
-                                          <p:spTgt spid="13"/>
-                                        </p:tgtEl>
-                                        <p:attrNameLst>
-                                          <p:attrName>ppt_w</p:attrName>
-                                        </p:attrNameLst>
-                                      </p:cBhvr>
-                                      <p:tavLst>
-                                        <p:tav tm="0">
-                                          <p:val>
-                                            <p:fltVal val="0"/>
-                                          </p:val>
-                                        </p:tav>
-                                        <p:tav tm="100000">
-                                          <p:val>
-                                            <p:strVal val="#ppt_w"/>
-                                          </p:val>
-                                        </p:tav>
-                                      </p:tavLst>
-                                    </p:anim>
-                                    <p:anim calcmode="lin" valueType="num">
-                                      <p:cBhvr>
-                                        <p:cTn id="81" dur="500" fill="hold"/>
-                                        <p:tgtEl>
-                                          <p:spTgt spid="13"/>
-                                        </p:tgtEl>
-                                        <p:attrNameLst>
-                                          <p:attrName>ppt_h</p:attrName>
-                                        </p:attrNameLst>
-                                      </p:cBhvr>
-                                      <p:tavLst>
-                                        <p:tav tm="0">
-                                          <p:val>
-                                            <p:fltVal val="0"/>
-                                          </p:val>
-                                        </p:tav>
-                                        <p:tav tm="100000">
-                                          <p:val>
-                                            <p:strVal val="#ppt_h"/>
-                                          </p:val>
-                                        </p:tav>
-                                      </p:tavLst>
-                                    </p:anim>
-                                    <p:animEffect transition="in" filter="fade">
-                                      <p:cBhvr>
-                                        <p:cTn id="82" dur="500"/>
-                                        <p:tgtEl>
-                                          <p:spTgt spid="13"/>
-                                        </p:tgtEl>
-                                      </p:cBhvr>
-                                    </p:animEffect>
-                                  </p:childTnLst>
-                                </p:cTn>
-                              </p:par>
-                              <p:par>
-                                <p:cTn id="83" presetID="6" presetClass="entr" presetSubtype="16" fill="hold" grpId="0" nodeType="withEffect">
-                                  <p:stCondLst>
-                                    <p:cond delay="0"/>
-                                  </p:stCondLst>
-                                  <p:childTnLst>
-                                    <p:set>
-                                      <p:cBhvr>
-                                        <p:cTn id="84" dur="1" fill="hold">
-                                          <p:stCondLst>
-                                            <p:cond delay="0"/>
-                                          </p:stCondLst>
-                                        </p:cTn>
-                                        <p:tgtEl>
-                                          <p:spTgt spid="14"/>
-                                        </p:tgtEl>
-                                        <p:attrNameLst>
-                                          <p:attrName>style.visibility</p:attrName>
-                                        </p:attrNameLst>
-                                      </p:cBhvr>
-                                      <p:to>
-                                        <p:strVal val="visible"/>
-                                      </p:to>
-                                    </p:set>
-                                    <p:animEffect transition="in" filter="circle(in)">
-                                      <p:cBhvr>
-                                        <p:cTn id="85" dur="2000"/>
-                                        <p:tgtEl>
-                                          <p:spTgt spid="14"/>
-                                        </p:tgtEl>
-                                      </p:cBhvr>
-                                    </p:animEffect>
-                                  </p:childTnLst>
-                                </p:cTn>
-                              </p:par>
-                            </p:childTnLst>
-                          </p:cTn>
-                        </p:par>
-                      </p:childTnLst>
-                    </p:cTn>
-                  </p:par>
-                </p:childTnLst>
-              </p:cTn>
-              <p:prevCondLst>
-                <p:cond evt="onPrev" delay="0">
-                  <p:tgtEl>
-                    <p:sldTgt/>
-                  </p:tgtEl>
-                </p:cond>
-              </p:prevCondLst>
-              <p:nextCondLst>
-                <p:cond evt="onNext" delay="0">
-                  <p:tgtEl>
-                    <p:sldTgt/>
-                  </p:tgtEl>
-                </p:cond>
-              </p:nextCondLst>
-            </p:seq>
-          </p:childTnLst>
-        </p:cTn>
-      </p:par>
-    </p:tnLst>
-    <p:bldLst>
-      <p:bldP spid="11" grpId="0"/>
-      <p:bldP spid="12" grpId="0"/>
-      <p:bldP spid="14" grpId="0"/>
-    </p:bldLst>
-  </p:timing>
-</p:sld>
-</file>
-
 <file path=ppt/slides/slide4.xml><?xml version="1.0" encoding="utf-8"?>
 <p:sld xmlns:a="http://schemas.openxmlformats.org/drawingml/2006/main" xmlns:r="http://schemas.openxmlformats.org/officeDocument/2006/relationships" xmlns:p="http://schemas.openxmlformats.org/presentationml/2006/main">
   <p:cSld>
@@ -33995,7 +33354,7 @@
               <a:buNone/>
             </a:pPr>
             <a:r>
-              <a:rPr lang="en-US" sz="2000" b="1" dirty="0" err="1">
+              <a:rPr lang="en-US" sz="2000" b="1" dirty="0">
                 <a:solidFill>
                   <a:schemeClr val="dk1"/>
                 </a:solidFill>
@@ -34004,7 +33363,7 @@
                 <a:cs typeface="Raleway"/>
                 <a:sym typeface="Raleway"/>
               </a:rPr>
-              <a:t>Integração</a:t>
+              <a:t>Widgets</a:t>
             </a:r>
             <a:endParaRPr dirty="0"/>
           </a:p>
